--- a/presentation.pptx
+++ b/presentation.pptx
@@ -1,30 +1,651 @@
 
 <file path=ppt/presentation.xml><?xml version="1.0" encoding="utf-8"?>
-<p:presentation xmlns:a="http://schemas.openxmlformats.org/drawingml/2006/main" xmlns:p="http://schemas.openxmlformats.org/presentationml/2006/main" xmlns:r="http://schemas.openxmlformats.org/officeDocument/2006/relationships" xmlns:p14="http://schemas.microsoft.com/office/powerpoint/2010/main" xmlns:p15="http://schemas.microsoft.com/office/powerpoint/2012/main" xmlns:mc="http://schemas.openxmlformats.org/markup-compatibility/2006">
+<p:presentation xmlns:a="http://schemas.openxmlformats.org/drawingml/2006/main" xmlns:r="http://schemas.openxmlformats.org/officeDocument/2006/relationships" xmlns:p="http://schemas.openxmlformats.org/presentationml/2006/main">
   <p:sldMasterIdLst>
-    <p:sldMasterId id="2147483648" r:id="rId2"/>
-    <p:sldMasterId id="2147483661" r:id="rId3"/>
+    <p:sldMasterId id="2147483648" r:id="rId1"/>
+    <p:sldMasterId id="2147483661" r:id="rId2"/>
   </p:sldMasterIdLst>
+  <p:notesMasterIdLst>
+    <p:notesMasterId r:id="rId14"/>
+  </p:notesMasterIdLst>
   <p:sldIdLst>
-    <p:sldId id="256" r:id="rId4"/>
-    <p:sldId id="257" r:id="rId5"/>
-    <p:sldId id="258" r:id="rId6"/>
-    <p:sldId id="259" r:id="rId7"/>
-    <p:sldId id="260" r:id="rId8"/>
-    <p:sldId id="261" r:id="rId9"/>
-    <p:sldId id="262" r:id="rId10"/>
-    <p:sldId id="263" r:id="rId11"/>
-    <p:sldId id="264" r:id="rId12"/>
-    <p:sldId id="265" r:id="rId13"/>
-    <p:sldId id="266" r:id="rId14"/>
+    <p:sldId id="256" r:id="rId3"/>
+    <p:sldId id="257" r:id="rId4"/>
+    <p:sldId id="258" r:id="rId5"/>
+    <p:sldId id="259" r:id="rId6"/>
+    <p:sldId id="260" r:id="rId7"/>
+    <p:sldId id="261" r:id="rId8"/>
+    <p:sldId id="262" r:id="rId9"/>
+    <p:sldId id="263" r:id="rId10"/>
+    <p:sldId id="264" r:id="rId11"/>
+    <p:sldId id="265" r:id="rId12"/>
+    <p:sldId id="266" r:id="rId13"/>
   </p:sldIdLst>
   <p:sldSz cx="10080625" cy="7559675"/>
-  <p:notesSz cx="7559675" cy="10691812"/>
+  <p:notesSz cx="7559675" cy="10691813"/>
+  <p:defaultTextStyle>
+    <a:defPPr>
+      <a:defRPr lang="en-US"/>
+    </a:defPPr>
+    <a:lvl1pPr marL="0" algn="l" defTabSz="914400" rtl="0" eaLnBrk="1" latinLnBrk="0" hangingPunct="1">
+      <a:defRPr sz="1800" kern="1200">
+        <a:solidFill>
+          <a:schemeClr val="tx1"/>
+        </a:solidFill>
+        <a:latin typeface="+mn-lt"/>
+        <a:ea typeface="+mn-ea"/>
+        <a:cs typeface="+mn-cs"/>
+      </a:defRPr>
+    </a:lvl1pPr>
+    <a:lvl2pPr marL="457200" algn="l" defTabSz="914400" rtl="0" eaLnBrk="1" latinLnBrk="0" hangingPunct="1">
+      <a:defRPr sz="1800" kern="1200">
+        <a:solidFill>
+          <a:schemeClr val="tx1"/>
+        </a:solidFill>
+        <a:latin typeface="+mn-lt"/>
+        <a:ea typeface="+mn-ea"/>
+        <a:cs typeface="+mn-cs"/>
+      </a:defRPr>
+    </a:lvl2pPr>
+    <a:lvl3pPr marL="914400" algn="l" defTabSz="914400" rtl="0" eaLnBrk="1" latinLnBrk="0" hangingPunct="1">
+      <a:defRPr sz="1800" kern="1200">
+        <a:solidFill>
+          <a:schemeClr val="tx1"/>
+        </a:solidFill>
+        <a:latin typeface="+mn-lt"/>
+        <a:ea typeface="+mn-ea"/>
+        <a:cs typeface="+mn-cs"/>
+      </a:defRPr>
+    </a:lvl3pPr>
+    <a:lvl4pPr marL="1371600" algn="l" defTabSz="914400" rtl="0" eaLnBrk="1" latinLnBrk="0" hangingPunct="1">
+      <a:defRPr sz="1800" kern="1200">
+        <a:solidFill>
+          <a:schemeClr val="tx1"/>
+        </a:solidFill>
+        <a:latin typeface="+mn-lt"/>
+        <a:ea typeface="+mn-ea"/>
+        <a:cs typeface="+mn-cs"/>
+      </a:defRPr>
+    </a:lvl4pPr>
+    <a:lvl5pPr marL="1828800" algn="l" defTabSz="914400" rtl="0" eaLnBrk="1" latinLnBrk="0" hangingPunct="1">
+      <a:defRPr sz="1800" kern="1200">
+        <a:solidFill>
+          <a:schemeClr val="tx1"/>
+        </a:solidFill>
+        <a:latin typeface="+mn-lt"/>
+        <a:ea typeface="+mn-ea"/>
+        <a:cs typeface="+mn-cs"/>
+      </a:defRPr>
+    </a:lvl5pPr>
+    <a:lvl6pPr marL="2286000" algn="l" defTabSz="914400" rtl="0" eaLnBrk="1" latinLnBrk="0" hangingPunct="1">
+      <a:defRPr sz="1800" kern="1200">
+        <a:solidFill>
+          <a:schemeClr val="tx1"/>
+        </a:solidFill>
+        <a:latin typeface="+mn-lt"/>
+        <a:ea typeface="+mn-ea"/>
+        <a:cs typeface="+mn-cs"/>
+      </a:defRPr>
+    </a:lvl6pPr>
+    <a:lvl7pPr marL="2743200" algn="l" defTabSz="914400" rtl="0" eaLnBrk="1" latinLnBrk="0" hangingPunct="1">
+      <a:defRPr sz="1800" kern="1200">
+        <a:solidFill>
+          <a:schemeClr val="tx1"/>
+        </a:solidFill>
+        <a:latin typeface="+mn-lt"/>
+        <a:ea typeface="+mn-ea"/>
+        <a:cs typeface="+mn-cs"/>
+      </a:defRPr>
+    </a:lvl7pPr>
+    <a:lvl8pPr marL="3200400" algn="l" defTabSz="914400" rtl="0" eaLnBrk="1" latinLnBrk="0" hangingPunct="1">
+      <a:defRPr sz="1800" kern="1200">
+        <a:solidFill>
+          <a:schemeClr val="tx1"/>
+        </a:solidFill>
+        <a:latin typeface="+mn-lt"/>
+        <a:ea typeface="+mn-ea"/>
+        <a:cs typeface="+mn-cs"/>
+      </a:defRPr>
+    </a:lvl8pPr>
+    <a:lvl9pPr marL="3657600" algn="l" defTabSz="914400" rtl="0" eaLnBrk="1" latinLnBrk="0" hangingPunct="1">
+      <a:defRPr sz="1800" kern="1200">
+        <a:solidFill>
+          <a:schemeClr val="tx1"/>
+        </a:solidFill>
+        <a:latin typeface="+mn-lt"/>
+        <a:ea typeface="+mn-ea"/>
+        <a:cs typeface="+mn-cs"/>
+      </a:defRPr>
+    </a:lvl9pPr>
+  </p:defaultTextStyle>
 </p:presentation>
 </file>
 
+<file path=ppt/notesMasters/notesMaster1.xml><?xml version="1.0" encoding="utf-8"?>
+<p:notesMaster xmlns:a="http://schemas.openxmlformats.org/drawingml/2006/main" xmlns:r="http://schemas.openxmlformats.org/officeDocument/2006/relationships" xmlns:p="http://schemas.openxmlformats.org/presentationml/2006/main">
+  <p:cSld>
+    <p:bg>
+      <p:bgRef idx="1001">
+        <a:schemeClr val="bg1"/>
+      </p:bgRef>
+    </p:bg>
+    <p:spTree>
+      <p:nvGrpSpPr>
+        <p:cNvPr id="1" name=""/>
+        <p:cNvGrpSpPr/>
+        <p:nvPr/>
+      </p:nvGrpSpPr>
+      <p:grpSpPr>
+        <a:xfrm>
+          <a:off x="0" y="0"/>
+          <a:ext cx="0" cy="0"/>
+          <a:chOff x="0" y="0"/>
+          <a:chExt cx="0" cy="0"/>
+        </a:xfrm>
+      </p:grpSpPr>
+      <p:sp>
+        <p:nvSpPr>
+          <p:cNvPr id="2" name="Header Placeholder 1"/>
+          <p:cNvSpPr>
+            <a:spLocks noGrp="1"/>
+          </p:cNvSpPr>
+          <p:nvPr>
+            <p:ph type="hdr" sz="quarter"/>
+          </p:nvPr>
+        </p:nvSpPr>
+        <p:spPr>
+          <a:xfrm>
+            <a:off x="0" y="0"/>
+            <a:ext cx="3276600" cy="536575"/>
+          </a:xfrm>
+          <a:prstGeom prst="rect">
+            <a:avLst/>
+          </a:prstGeom>
+        </p:spPr>
+        <p:txBody>
+          <a:bodyPr vert="horz" lIns="91440" tIns="45720" rIns="91440" bIns="45720" rtlCol="0"/>
+          <a:lstStyle>
+            <a:lvl1pPr algn="l">
+              <a:defRPr sz="1200"/>
+            </a:lvl1pPr>
+          </a:lstStyle>
+          <a:p>
+            <a:endParaRPr lang="en-US"/>
+          </a:p>
+        </p:txBody>
+      </p:sp>
+      <p:sp>
+        <p:nvSpPr>
+          <p:cNvPr id="3" name="Date Placeholder 2"/>
+          <p:cNvSpPr>
+            <a:spLocks noGrp="1"/>
+          </p:cNvSpPr>
+          <p:nvPr>
+            <p:ph type="dt" idx="1"/>
+          </p:nvPr>
+        </p:nvSpPr>
+        <p:spPr>
+          <a:xfrm>
+            <a:off x="4281488" y="0"/>
+            <a:ext cx="3276600" cy="536575"/>
+          </a:xfrm>
+          <a:prstGeom prst="rect">
+            <a:avLst/>
+          </a:prstGeom>
+        </p:spPr>
+        <p:txBody>
+          <a:bodyPr vert="horz" lIns="91440" tIns="45720" rIns="91440" bIns="45720" rtlCol="0"/>
+          <a:lstStyle>
+            <a:lvl1pPr algn="r">
+              <a:defRPr sz="1200"/>
+            </a:lvl1pPr>
+          </a:lstStyle>
+          <a:p>
+            <a:fld id="{1CA17DE9-F1DA-461D-AF6F-99366A08EFE1}" type="datetimeFigureOut">
+              <a:rPr lang="en-US" smtClean="0"/>
+              <a:t>11/11/2021</a:t>
+            </a:fld>
+            <a:endParaRPr lang="en-US"/>
+          </a:p>
+        </p:txBody>
+      </p:sp>
+      <p:sp>
+        <p:nvSpPr>
+          <p:cNvPr id="4" name="Slide Image Placeholder 3"/>
+          <p:cNvSpPr>
+            <a:spLocks noGrp="1" noRot="1" noChangeAspect="1"/>
+          </p:cNvSpPr>
+          <p:nvPr>
+            <p:ph type="sldImg" idx="2"/>
+          </p:nvPr>
+        </p:nvSpPr>
+        <p:spPr>
+          <a:xfrm>
+            <a:off x="1374775" y="1336675"/>
+            <a:ext cx="4810125" cy="3608388"/>
+          </a:xfrm>
+          <a:prstGeom prst="rect">
+            <a:avLst/>
+          </a:prstGeom>
+          <a:noFill/>
+          <a:ln w="12700">
+            <a:solidFill>
+              <a:prstClr val="black"/>
+            </a:solidFill>
+          </a:ln>
+        </p:spPr>
+        <p:txBody>
+          <a:bodyPr vert="horz" lIns="91440" tIns="45720" rIns="91440" bIns="45720" rtlCol="0" anchor="ctr"/>
+          <a:lstStyle/>
+          <a:p>
+            <a:endParaRPr lang="en-US"/>
+          </a:p>
+        </p:txBody>
+      </p:sp>
+      <p:sp>
+        <p:nvSpPr>
+          <p:cNvPr id="5" name="Notes Placeholder 4"/>
+          <p:cNvSpPr>
+            <a:spLocks noGrp="1"/>
+          </p:cNvSpPr>
+          <p:nvPr>
+            <p:ph type="body" sz="quarter" idx="3"/>
+          </p:nvPr>
+        </p:nvSpPr>
+        <p:spPr>
+          <a:xfrm>
+            <a:off x="755650" y="5145088"/>
+            <a:ext cx="6048375" cy="4210050"/>
+          </a:xfrm>
+          <a:prstGeom prst="rect">
+            <a:avLst/>
+          </a:prstGeom>
+        </p:spPr>
+        <p:txBody>
+          <a:bodyPr vert="horz" lIns="91440" tIns="45720" rIns="91440" bIns="45720" rtlCol="0"/>
+          <a:lstStyle/>
+          <a:p>
+            <a:pPr lvl="0"/>
+            <a:r>
+              <a:rPr lang="en-US"/>
+              <a:t>Click to edit Master text styles</a:t>
+            </a:r>
+          </a:p>
+          <a:p>
+            <a:pPr lvl="1"/>
+            <a:r>
+              <a:rPr lang="en-US"/>
+              <a:t>Second level</a:t>
+            </a:r>
+          </a:p>
+          <a:p>
+            <a:pPr lvl="2"/>
+            <a:r>
+              <a:rPr lang="en-US"/>
+              <a:t>Third level</a:t>
+            </a:r>
+          </a:p>
+          <a:p>
+            <a:pPr lvl="3"/>
+            <a:r>
+              <a:rPr lang="en-US"/>
+              <a:t>Fourth level</a:t>
+            </a:r>
+          </a:p>
+          <a:p>
+            <a:pPr lvl="4"/>
+            <a:r>
+              <a:rPr lang="en-US"/>
+              <a:t>Fifth level</a:t>
+            </a:r>
+          </a:p>
+        </p:txBody>
+      </p:sp>
+      <p:sp>
+        <p:nvSpPr>
+          <p:cNvPr id="6" name="Footer Placeholder 5"/>
+          <p:cNvSpPr>
+            <a:spLocks noGrp="1"/>
+          </p:cNvSpPr>
+          <p:nvPr>
+            <p:ph type="ftr" sz="quarter" idx="4"/>
+          </p:nvPr>
+        </p:nvSpPr>
+        <p:spPr>
+          <a:xfrm>
+            <a:off x="0" y="10155238"/>
+            <a:ext cx="3276600" cy="536575"/>
+          </a:xfrm>
+          <a:prstGeom prst="rect">
+            <a:avLst/>
+          </a:prstGeom>
+        </p:spPr>
+        <p:txBody>
+          <a:bodyPr vert="horz" lIns="91440" tIns="45720" rIns="91440" bIns="45720" rtlCol="0" anchor="b"/>
+          <a:lstStyle>
+            <a:lvl1pPr algn="l">
+              <a:defRPr sz="1200"/>
+            </a:lvl1pPr>
+          </a:lstStyle>
+          <a:p>
+            <a:endParaRPr lang="en-US"/>
+          </a:p>
+        </p:txBody>
+      </p:sp>
+      <p:sp>
+        <p:nvSpPr>
+          <p:cNvPr id="7" name="Slide Number Placeholder 6"/>
+          <p:cNvSpPr>
+            <a:spLocks noGrp="1"/>
+          </p:cNvSpPr>
+          <p:nvPr>
+            <p:ph type="sldNum" sz="quarter" idx="5"/>
+          </p:nvPr>
+        </p:nvSpPr>
+        <p:spPr>
+          <a:xfrm>
+            <a:off x="4281488" y="10155238"/>
+            <a:ext cx="3276600" cy="536575"/>
+          </a:xfrm>
+          <a:prstGeom prst="rect">
+            <a:avLst/>
+          </a:prstGeom>
+        </p:spPr>
+        <p:txBody>
+          <a:bodyPr vert="horz" lIns="91440" tIns="45720" rIns="91440" bIns="45720" rtlCol="0" anchor="b"/>
+          <a:lstStyle>
+            <a:lvl1pPr algn="r">
+              <a:defRPr sz="1200"/>
+            </a:lvl1pPr>
+          </a:lstStyle>
+          <a:p>
+            <a:fld id="{CDD3A816-89A8-4E07-BA82-56AF10D8B5B1}" type="slidenum">
+              <a:rPr lang="en-US" smtClean="0"/>
+              <a:t>‹#›</a:t>
+            </a:fld>
+            <a:endParaRPr lang="en-US"/>
+          </a:p>
+        </p:txBody>
+      </p:sp>
+    </p:spTree>
+    <p:extLst>
+      <p:ext uri="{BB962C8B-B14F-4D97-AF65-F5344CB8AC3E}">
+        <p14:creationId xmlns:p14="http://schemas.microsoft.com/office/powerpoint/2010/main" val="4201320863"/>
+      </p:ext>
+    </p:extLst>
+  </p:cSld>
+  <p:clrMap bg1="lt1" tx1="dk1" bg2="lt2" tx2="dk2" accent1="accent1" accent2="accent2" accent3="accent3" accent4="accent4" accent5="accent5" accent6="accent6" hlink="hlink" folHlink="folHlink"/>
+  <p:notesStyle>
+    <a:lvl1pPr marL="0" algn="l" defTabSz="914400" rtl="0" eaLnBrk="1" latinLnBrk="0" hangingPunct="1">
+      <a:defRPr sz="1200" kern="1200">
+        <a:solidFill>
+          <a:schemeClr val="tx1"/>
+        </a:solidFill>
+        <a:latin typeface="+mn-lt"/>
+        <a:ea typeface="+mn-ea"/>
+        <a:cs typeface="+mn-cs"/>
+      </a:defRPr>
+    </a:lvl1pPr>
+    <a:lvl2pPr marL="457200" algn="l" defTabSz="914400" rtl="0" eaLnBrk="1" latinLnBrk="0" hangingPunct="1">
+      <a:defRPr sz="1200" kern="1200">
+        <a:solidFill>
+          <a:schemeClr val="tx1"/>
+        </a:solidFill>
+        <a:latin typeface="+mn-lt"/>
+        <a:ea typeface="+mn-ea"/>
+        <a:cs typeface="+mn-cs"/>
+      </a:defRPr>
+    </a:lvl2pPr>
+    <a:lvl3pPr marL="914400" algn="l" defTabSz="914400" rtl="0" eaLnBrk="1" latinLnBrk="0" hangingPunct="1">
+      <a:defRPr sz="1200" kern="1200">
+        <a:solidFill>
+          <a:schemeClr val="tx1"/>
+        </a:solidFill>
+        <a:latin typeface="+mn-lt"/>
+        <a:ea typeface="+mn-ea"/>
+        <a:cs typeface="+mn-cs"/>
+      </a:defRPr>
+    </a:lvl3pPr>
+    <a:lvl4pPr marL="1371600" algn="l" defTabSz="914400" rtl="0" eaLnBrk="1" latinLnBrk="0" hangingPunct="1">
+      <a:defRPr sz="1200" kern="1200">
+        <a:solidFill>
+          <a:schemeClr val="tx1"/>
+        </a:solidFill>
+        <a:latin typeface="+mn-lt"/>
+        <a:ea typeface="+mn-ea"/>
+        <a:cs typeface="+mn-cs"/>
+      </a:defRPr>
+    </a:lvl4pPr>
+    <a:lvl5pPr marL="1828800" algn="l" defTabSz="914400" rtl="0" eaLnBrk="1" latinLnBrk="0" hangingPunct="1">
+      <a:defRPr sz="1200" kern="1200">
+        <a:solidFill>
+          <a:schemeClr val="tx1"/>
+        </a:solidFill>
+        <a:latin typeface="+mn-lt"/>
+        <a:ea typeface="+mn-ea"/>
+        <a:cs typeface="+mn-cs"/>
+      </a:defRPr>
+    </a:lvl5pPr>
+    <a:lvl6pPr marL="2286000" algn="l" defTabSz="914400" rtl="0" eaLnBrk="1" latinLnBrk="0" hangingPunct="1">
+      <a:defRPr sz="1200" kern="1200">
+        <a:solidFill>
+          <a:schemeClr val="tx1"/>
+        </a:solidFill>
+        <a:latin typeface="+mn-lt"/>
+        <a:ea typeface="+mn-ea"/>
+        <a:cs typeface="+mn-cs"/>
+      </a:defRPr>
+    </a:lvl6pPr>
+    <a:lvl7pPr marL="2743200" algn="l" defTabSz="914400" rtl="0" eaLnBrk="1" latinLnBrk="0" hangingPunct="1">
+      <a:defRPr sz="1200" kern="1200">
+        <a:solidFill>
+          <a:schemeClr val="tx1"/>
+        </a:solidFill>
+        <a:latin typeface="+mn-lt"/>
+        <a:ea typeface="+mn-ea"/>
+        <a:cs typeface="+mn-cs"/>
+      </a:defRPr>
+    </a:lvl7pPr>
+    <a:lvl8pPr marL="3200400" algn="l" defTabSz="914400" rtl="0" eaLnBrk="1" latinLnBrk="0" hangingPunct="1">
+      <a:defRPr sz="1200" kern="1200">
+        <a:solidFill>
+          <a:schemeClr val="tx1"/>
+        </a:solidFill>
+        <a:latin typeface="+mn-lt"/>
+        <a:ea typeface="+mn-ea"/>
+        <a:cs typeface="+mn-cs"/>
+      </a:defRPr>
+    </a:lvl8pPr>
+    <a:lvl9pPr marL="3657600" algn="l" defTabSz="914400" rtl="0" eaLnBrk="1" latinLnBrk="0" hangingPunct="1">
+      <a:defRPr sz="1200" kern="1200">
+        <a:solidFill>
+          <a:schemeClr val="tx1"/>
+        </a:solidFill>
+        <a:latin typeface="+mn-lt"/>
+        <a:ea typeface="+mn-ea"/>
+        <a:cs typeface="+mn-cs"/>
+      </a:defRPr>
+    </a:lvl9pPr>
+  </p:notesStyle>
+</p:notesMaster>
+</file>
+
+<file path=ppt/notesSlides/notesSlide1.xml><?xml version="1.0" encoding="utf-8"?>
+<p:notes xmlns:a="http://schemas.openxmlformats.org/drawingml/2006/main" xmlns:r="http://schemas.openxmlformats.org/officeDocument/2006/relationships" xmlns:p="http://schemas.openxmlformats.org/presentationml/2006/main">
+  <p:cSld>
+    <p:spTree>
+      <p:nvGrpSpPr>
+        <p:cNvPr id="1" name=""/>
+        <p:cNvGrpSpPr/>
+        <p:nvPr/>
+      </p:nvGrpSpPr>
+      <p:grpSpPr>
+        <a:xfrm>
+          <a:off x="0" y="0"/>
+          <a:ext cx="0" cy="0"/>
+          <a:chOff x="0" y="0"/>
+          <a:chExt cx="0" cy="0"/>
+        </a:xfrm>
+      </p:grpSpPr>
+      <p:sp>
+        <p:nvSpPr>
+          <p:cNvPr id="2" name="Slide Image Placeholder 1"/>
+          <p:cNvSpPr>
+            <a:spLocks noGrp="1" noRot="1" noChangeAspect="1"/>
+          </p:cNvSpPr>
+          <p:nvPr>
+            <p:ph type="sldImg"/>
+          </p:nvPr>
+        </p:nvSpPr>
+        <p:spPr/>
+      </p:sp>
+      <p:sp>
+        <p:nvSpPr>
+          <p:cNvPr id="3" name="Notes Placeholder 2"/>
+          <p:cNvSpPr>
+            <a:spLocks noGrp="1"/>
+          </p:cNvSpPr>
+          <p:nvPr>
+            <p:ph type="body" idx="1"/>
+          </p:nvPr>
+        </p:nvSpPr>
+        <p:spPr/>
+        <p:txBody>
+          <a:bodyPr/>
+          <a:lstStyle/>
+          <a:p>
+            <a:r>
+              <a:rPr lang="en-US" dirty="0"/>
+              <a:t>https://www.flaticon.com/authors/flat-icons</a:t>
+            </a:r>
+          </a:p>
+        </p:txBody>
+      </p:sp>
+      <p:sp>
+        <p:nvSpPr>
+          <p:cNvPr id="4" name="Slide Number Placeholder 3"/>
+          <p:cNvSpPr>
+            <a:spLocks noGrp="1"/>
+          </p:cNvSpPr>
+          <p:nvPr>
+            <p:ph type="sldNum" sz="quarter" idx="5"/>
+          </p:nvPr>
+        </p:nvSpPr>
+        <p:spPr/>
+        <p:txBody>
+          <a:bodyPr/>
+          <a:lstStyle/>
+          <a:p>
+            <a:fld id="{CDD3A816-89A8-4E07-BA82-56AF10D8B5B1}" type="slidenum">
+              <a:rPr lang="en-US" smtClean="0"/>
+              <a:t>2</a:t>
+            </a:fld>
+            <a:endParaRPr lang="en-US"/>
+          </a:p>
+        </p:txBody>
+      </p:sp>
+    </p:spTree>
+    <p:extLst>
+      <p:ext uri="{BB962C8B-B14F-4D97-AF65-F5344CB8AC3E}">
+        <p14:creationId xmlns:p14="http://schemas.microsoft.com/office/powerpoint/2010/main" val="1788854340"/>
+      </p:ext>
+    </p:extLst>
+  </p:cSld>
+  <p:clrMapOvr>
+    <a:masterClrMapping/>
+  </p:clrMapOvr>
+</p:notes>
+</file>
+
+<file path=ppt/notesSlides/notesSlide2.xml><?xml version="1.0" encoding="utf-8"?>
+<p:notes xmlns:a="http://schemas.openxmlformats.org/drawingml/2006/main" xmlns:r="http://schemas.openxmlformats.org/officeDocument/2006/relationships" xmlns:p="http://schemas.openxmlformats.org/presentationml/2006/main">
+  <p:cSld>
+    <p:spTree>
+      <p:nvGrpSpPr>
+        <p:cNvPr id="1" name=""/>
+        <p:cNvGrpSpPr/>
+        <p:nvPr/>
+      </p:nvGrpSpPr>
+      <p:grpSpPr>
+        <a:xfrm>
+          <a:off x="0" y="0"/>
+          <a:ext cx="0" cy="0"/>
+          <a:chOff x="0" y="0"/>
+          <a:chExt cx="0" cy="0"/>
+        </a:xfrm>
+      </p:grpSpPr>
+      <p:sp>
+        <p:nvSpPr>
+          <p:cNvPr id="2" name="Slide Image Placeholder 1"/>
+          <p:cNvSpPr>
+            <a:spLocks noGrp="1" noRot="1" noChangeAspect="1"/>
+          </p:cNvSpPr>
+          <p:nvPr>
+            <p:ph type="sldImg"/>
+          </p:nvPr>
+        </p:nvSpPr>
+        <p:spPr/>
+      </p:sp>
+      <p:sp>
+        <p:nvSpPr>
+          <p:cNvPr id="3" name="Notes Placeholder 2"/>
+          <p:cNvSpPr>
+            <a:spLocks noGrp="1"/>
+          </p:cNvSpPr>
+          <p:nvPr>
+            <p:ph type="body" idx="1"/>
+          </p:nvPr>
+        </p:nvSpPr>
+        <p:spPr/>
+        <p:txBody>
+          <a:bodyPr/>
+          <a:lstStyle/>
+          <a:p>
+            <a:r>
+              <a:rPr lang="en-US" dirty="0"/>
+              <a:t>https://unsplash.com/photos/j2c7yf223Mk</a:t>
+            </a:r>
+          </a:p>
+        </p:txBody>
+      </p:sp>
+      <p:sp>
+        <p:nvSpPr>
+          <p:cNvPr id="4" name="Slide Number Placeholder 3"/>
+          <p:cNvSpPr>
+            <a:spLocks noGrp="1"/>
+          </p:cNvSpPr>
+          <p:nvPr>
+            <p:ph type="sldNum" sz="quarter" idx="5"/>
+          </p:nvPr>
+        </p:nvSpPr>
+        <p:spPr/>
+        <p:txBody>
+          <a:bodyPr/>
+          <a:lstStyle/>
+          <a:p>
+            <a:fld id="{CDD3A816-89A8-4E07-BA82-56AF10D8B5B1}" type="slidenum">
+              <a:rPr lang="en-US" smtClean="0"/>
+              <a:t>3</a:t>
+            </a:fld>
+            <a:endParaRPr lang="en-US"/>
+          </a:p>
+        </p:txBody>
+      </p:sp>
+    </p:spTree>
+    <p:extLst>
+      <p:ext uri="{BB962C8B-B14F-4D97-AF65-F5344CB8AC3E}">
+        <p14:creationId xmlns:p14="http://schemas.microsoft.com/office/powerpoint/2010/main" val="584634054"/>
+      </p:ext>
+    </p:extLst>
+  </p:cSld>
+  <p:clrMapOvr>
+    <a:masterClrMapping/>
+  </p:clrMapOvr>
+</p:notes>
+</file>
+
 <file path=ppt/slideLayouts/slideLayout1.xml><?xml version="1.0" encoding="utf-8"?>
-<p:sldLayout xmlns:a="http://schemas.openxmlformats.org/drawingml/2006/main" xmlns:p="http://schemas.openxmlformats.org/presentationml/2006/main" xmlns:r="http://schemas.openxmlformats.org/officeDocument/2006/relationships" xmlns:p14="http://schemas.microsoft.com/office/powerpoint/2010/main" xmlns:p15="http://schemas.microsoft.com/office/powerpoint/2012/main" xmlns:mc="http://schemas.openxmlformats.org/markup-compatibility/2006" type="blank" preserve="1">
+<p:sldLayout xmlns:a="http://schemas.openxmlformats.org/drawingml/2006/main" xmlns:r="http://schemas.openxmlformats.org/officeDocument/2006/relationships" xmlns:p="http://schemas.openxmlformats.org/presentationml/2006/main" type="blank" preserve="1">
   <p:cSld name="Blank Slide">
     <p:spTree>
       <p:nvGrpSpPr>
@@ -42,11 +663,14 @@
       </p:grpSpPr>
     </p:spTree>
   </p:cSld>
+  <p:clrMapOvr>
+    <a:masterClrMapping/>
+  </p:clrMapOvr>
 </p:sldLayout>
 </file>
 
 <file path=ppt/slideLayouts/slideLayout10.xml><?xml version="1.0" encoding="utf-8"?>
-<p:sldLayout xmlns:a="http://schemas.openxmlformats.org/drawingml/2006/main" xmlns:p="http://schemas.openxmlformats.org/presentationml/2006/main" xmlns:r="http://schemas.openxmlformats.org/officeDocument/2006/relationships" xmlns:p14="http://schemas.microsoft.com/office/powerpoint/2010/main" xmlns:p15="http://schemas.microsoft.com/office/powerpoint/2012/main" xmlns:mc="http://schemas.openxmlformats.org/markup-compatibility/2006" type="objOverTx" preserve="1">
+<p:sldLayout xmlns:a="http://schemas.openxmlformats.org/drawingml/2006/main" xmlns:r="http://schemas.openxmlformats.org/officeDocument/2006/relationships" xmlns:p="http://schemas.openxmlformats.org/presentationml/2006/main" type="objOverTx" preserve="1">
   <p:cSld name="Title, Content over Content">
     <p:spTree>
       <p:nvGrpSpPr>
@@ -82,11 +706,12 @@
           </a:prstGeom>
         </p:spPr>
         <p:txBody>
-          <a:bodyPr lIns="0" rIns="0" tIns="0" bIns="0" anchor="ctr">
-            <a:noAutofit/>
-          </a:bodyPr>
-          <a:p>
-            <a:endParaRPr b="1" lang="en-US" sz="4400" spc="-1" strike="noStrike">
+          <a:bodyPr lIns="0" tIns="0" rIns="0" bIns="0" anchor="ctr">
+            <a:noAutofit/>
+          </a:bodyPr>
+          <a:lstStyle/>
+          <a:p>
+            <a:endParaRPr lang="en-US" sz="4400" b="1" strike="noStrike" spc="-1">
               <a:solidFill>
                 <a:srgbClr val="333333"/>
               </a:solidFill>
@@ -115,11 +740,12 @@
           </a:prstGeom>
         </p:spPr>
         <p:txBody>
-          <a:bodyPr lIns="0" rIns="0" tIns="0" bIns="0">
-            <a:noAutofit/>
-          </a:bodyPr>
-          <a:p>
-            <a:endParaRPr b="0" lang="en-US" sz="2800" spc="-1" strike="noStrike">
+          <a:bodyPr lIns="0" tIns="0" rIns="0" bIns="0">
+            <a:noAutofit/>
+          </a:bodyPr>
+          <a:lstStyle/>
+          <a:p>
+            <a:endParaRPr lang="en-US" sz="2800" b="0" strike="noStrike" spc="-1">
               <a:solidFill>
                 <a:srgbClr val="333333"/>
               </a:solidFill>
@@ -148,11 +774,12 @@
           </a:prstGeom>
         </p:spPr>
         <p:txBody>
-          <a:bodyPr lIns="0" rIns="0" tIns="0" bIns="0">
-            <a:noAutofit/>
-          </a:bodyPr>
-          <a:p>
-            <a:endParaRPr b="0" lang="en-US" sz="2800" spc="-1" strike="noStrike">
+          <a:bodyPr lIns="0" tIns="0" rIns="0" bIns="0">
+            <a:noAutofit/>
+          </a:bodyPr>
+          <a:lstStyle/>
+          <a:p>
+            <a:endParaRPr lang="en-US" sz="2800" b="0" strike="noStrike" spc="-1">
               <a:solidFill>
                 <a:srgbClr val="333333"/>
               </a:solidFill>
@@ -163,11 +790,14 @@
       </p:sp>
     </p:spTree>
   </p:cSld>
+  <p:clrMapOvr>
+    <a:masterClrMapping/>
+  </p:clrMapOvr>
 </p:sldLayout>
 </file>
 
 <file path=ppt/slideLayouts/slideLayout11.xml><?xml version="1.0" encoding="utf-8"?>
-<p:sldLayout xmlns:a="http://schemas.openxmlformats.org/drawingml/2006/main" xmlns:p="http://schemas.openxmlformats.org/presentationml/2006/main" xmlns:r="http://schemas.openxmlformats.org/officeDocument/2006/relationships" xmlns:p14="http://schemas.microsoft.com/office/powerpoint/2010/main" xmlns:p15="http://schemas.microsoft.com/office/powerpoint/2012/main" xmlns:mc="http://schemas.openxmlformats.org/markup-compatibility/2006" type="fourObj" preserve="1">
+<p:sldLayout xmlns:a="http://schemas.openxmlformats.org/drawingml/2006/main" xmlns:r="http://schemas.openxmlformats.org/officeDocument/2006/relationships" xmlns:p="http://schemas.openxmlformats.org/presentationml/2006/main" type="fourObj" preserve="1">
   <p:cSld name="Title, 4 Content">
     <p:spTree>
       <p:nvGrpSpPr>
@@ -203,11 +833,12 @@
           </a:prstGeom>
         </p:spPr>
         <p:txBody>
-          <a:bodyPr lIns="0" rIns="0" tIns="0" bIns="0" anchor="ctr">
-            <a:noAutofit/>
-          </a:bodyPr>
-          <a:p>
-            <a:endParaRPr b="1" lang="en-US" sz="4400" spc="-1" strike="noStrike">
+          <a:bodyPr lIns="0" tIns="0" rIns="0" bIns="0" anchor="ctr">
+            <a:noAutofit/>
+          </a:bodyPr>
+          <a:lstStyle/>
+          <a:p>
+            <a:endParaRPr lang="en-US" sz="4400" b="1" strike="noStrike" spc="-1">
               <a:solidFill>
                 <a:srgbClr val="333333"/>
               </a:solidFill>
@@ -236,11 +867,12 @@
           </a:prstGeom>
         </p:spPr>
         <p:txBody>
-          <a:bodyPr lIns="0" rIns="0" tIns="0" bIns="0">
-            <a:noAutofit/>
-          </a:bodyPr>
-          <a:p>
-            <a:endParaRPr b="0" lang="en-US" sz="2800" spc="-1" strike="noStrike">
+          <a:bodyPr lIns="0" tIns="0" rIns="0" bIns="0">
+            <a:noAutofit/>
+          </a:bodyPr>
+          <a:lstStyle/>
+          <a:p>
+            <a:endParaRPr lang="en-US" sz="2800" b="0" strike="noStrike" spc="-1">
               <a:solidFill>
                 <a:srgbClr val="333333"/>
               </a:solidFill>
@@ -269,11 +901,12 @@
           </a:prstGeom>
         </p:spPr>
         <p:txBody>
-          <a:bodyPr lIns="0" rIns="0" tIns="0" bIns="0">
-            <a:noAutofit/>
-          </a:bodyPr>
-          <a:p>
-            <a:endParaRPr b="0" lang="en-US" sz="2800" spc="-1" strike="noStrike">
+          <a:bodyPr lIns="0" tIns="0" rIns="0" bIns="0">
+            <a:noAutofit/>
+          </a:bodyPr>
+          <a:lstStyle/>
+          <a:p>
+            <a:endParaRPr lang="en-US" sz="2800" b="0" strike="noStrike" spc="-1">
               <a:solidFill>
                 <a:srgbClr val="333333"/>
               </a:solidFill>
@@ -302,11 +935,12 @@
           </a:prstGeom>
         </p:spPr>
         <p:txBody>
-          <a:bodyPr lIns="0" rIns="0" tIns="0" bIns="0">
-            <a:noAutofit/>
-          </a:bodyPr>
-          <a:p>
-            <a:endParaRPr b="0" lang="en-US" sz="2800" spc="-1" strike="noStrike">
+          <a:bodyPr lIns="0" tIns="0" rIns="0" bIns="0">
+            <a:noAutofit/>
+          </a:bodyPr>
+          <a:lstStyle/>
+          <a:p>
+            <a:endParaRPr lang="en-US" sz="2800" b="0" strike="noStrike" spc="-1">
               <a:solidFill>
                 <a:srgbClr val="333333"/>
               </a:solidFill>
@@ -335,11 +969,12 @@
           </a:prstGeom>
         </p:spPr>
         <p:txBody>
-          <a:bodyPr lIns="0" rIns="0" tIns="0" bIns="0">
-            <a:noAutofit/>
-          </a:bodyPr>
-          <a:p>
-            <a:endParaRPr b="0" lang="en-US" sz="2800" spc="-1" strike="noStrike">
+          <a:bodyPr lIns="0" tIns="0" rIns="0" bIns="0">
+            <a:noAutofit/>
+          </a:bodyPr>
+          <a:lstStyle/>
+          <a:p>
+            <a:endParaRPr lang="en-US" sz="2800" b="0" strike="noStrike" spc="-1">
               <a:solidFill>
                 <a:srgbClr val="333333"/>
               </a:solidFill>
@@ -350,11 +985,14 @@
       </p:sp>
     </p:spTree>
   </p:cSld>
+  <p:clrMapOvr>
+    <a:masterClrMapping/>
+  </p:clrMapOvr>
 </p:sldLayout>
 </file>
 
 <file path=ppt/slideLayouts/slideLayout12.xml><?xml version="1.0" encoding="utf-8"?>
-<p:sldLayout xmlns:a="http://schemas.openxmlformats.org/drawingml/2006/main" xmlns:p="http://schemas.openxmlformats.org/presentationml/2006/main" xmlns:r="http://schemas.openxmlformats.org/officeDocument/2006/relationships" xmlns:p14="http://schemas.microsoft.com/office/powerpoint/2010/main" xmlns:p15="http://schemas.microsoft.com/office/powerpoint/2012/main" xmlns:mc="http://schemas.openxmlformats.org/markup-compatibility/2006" type="blank" preserve="1">
+<p:sldLayout xmlns:a="http://schemas.openxmlformats.org/drawingml/2006/main" xmlns:r="http://schemas.openxmlformats.org/officeDocument/2006/relationships" xmlns:p="http://schemas.openxmlformats.org/presentationml/2006/main" type="blank" preserve="1">
   <p:cSld name="Title, 6 Content">
     <p:spTree>
       <p:nvGrpSpPr>
@@ -390,11 +1028,12 @@
           </a:prstGeom>
         </p:spPr>
         <p:txBody>
-          <a:bodyPr lIns="0" rIns="0" tIns="0" bIns="0" anchor="ctr">
-            <a:noAutofit/>
-          </a:bodyPr>
-          <a:p>
-            <a:endParaRPr b="1" lang="en-US" sz="4400" spc="-1" strike="noStrike">
+          <a:bodyPr lIns="0" tIns="0" rIns="0" bIns="0" anchor="ctr">
+            <a:noAutofit/>
+          </a:bodyPr>
+          <a:lstStyle/>
+          <a:p>
+            <a:endParaRPr lang="en-US" sz="4400" b="1" strike="noStrike" spc="-1">
               <a:solidFill>
                 <a:srgbClr val="333333"/>
               </a:solidFill>
@@ -423,11 +1062,12 @@
           </a:prstGeom>
         </p:spPr>
         <p:txBody>
-          <a:bodyPr lIns="0" rIns="0" tIns="0" bIns="0">
-            <a:noAutofit/>
-          </a:bodyPr>
-          <a:p>
-            <a:endParaRPr b="0" lang="en-US" sz="2800" spc="-1" strike="noStrike">
+          <a:bodyPr lIns="0" tIns="0" rIns="0" bIns="0">
+            <a:noAutofit/>
+          </a:bodyPr>
+          <a:lstStyle/>
+          <a:p>
+            <a:endParaRPr lang="en-US" sz="2800" b="0" strike="noStrike" spc="-1">
               <a:solidFill>
                 <a:srgbClr val="333333"/>
               </a:solidFill>
@@ -456,11 +1096,12 @@
           </a:prstGeom>
         </p:spPr>
         <p:txBody>
-          <a:bodyPr lIns="0" rIns="0" tIns="0" bIns="0">
-            <a:noAutofit/>
-          </a:bodyPr>
-          <a:p>
-            <a:endParaRPr b="0" lang="en-US" sz="2800" spc="-1" strike="noStrike">
+          <a:bodyPr lIns="0" tIns="0" rIns="0" bIns="0">
+            <a:noAutofit/>
+          </a:bodyPr>
+          <a:lstStyle/>
+          <a:p>
+            <a:endParaRPr lang="en-US" sz="2800" b="0" strike="noStrike" spc="-1">
               <a:solidFill>
                 <a:srgbClr val="333333"/>
               </a:solidFill>
@@ -489,11 +1130,12 @@
           </a:prstGeom>
         </p:spPr>
         <p:txBody>
-          <a:bodyPr lIns="0" rIns="0" tIns="0" bIns="0">
-            <a:noAutofit/>
-          </a:bodyPr>
-          <a:p>
-            <a:endParaRPr b="0" lang="en-US" sz="2800" spc="-1" strike="noStrike">
+          <a:bodyPr lIns="0" tIns="0" rIns="0" bIns="0">
+            <a:noAutofit/>
+          </a:bodyPr>
+          <a:lstStyle/>
+          <a:p>
+            <a:endParaRPr lang="en-US" sz="2800" b="0" strike="noStrike" spc="-1">
               <a:solidFill>
                 <a:srgbClr val="333333"/>
               </a:solidFill>
@@ -522,11 +1164,12 @@
           </a:prstGeom>
         </p:spPr>
         <p:txBody>
-          <a:bodyPr lIns="0" rIns="0" tIns="0" bIns="0">
-            <a:noAutofit/>
-          </a:bodyPr>
-          <a:p>
-            <a:endParaRPr b="0" lang="en-US" sz="2800" spc="-1" strike="noStrike">
+          <a:bodyPr lIns="0" tIns="0" rIns="0" bIns="0">
+            <a:noAutofit/>
+          </a:bodyPr>
+          <a:lstStyle/>
+          <a:p>
+            <a:endParaRPr lang="en-US" sz="2800" b="0" strike="noStrike" spc="-1">
               <a:solidFill>
                 <a:srgbClr val="333333"/>
               </a:solidFill>
@@ -555,11 +1198,12 @@
           </a:prstGeom>
         </p:spPr>
         <p:txBody>
-          <a:bodyPr lIns="0" rIns="0" tIns="0" bIns="0">
-            <a:noAutofit/>
-          </a:bodyPr>
-          <a:p>
-            <a:endParaRPr b="0" lang="en-US" sz="2800" spc="-1" strike="noStrike">
+          <a:bodyPr lIns="0" tIns="0" rIns="0" bIns="0">
+            <a:noAutofit/>
+          </a:bodyPr>
+          <a:lstStyle/>
+          <a:p>
+            <a:endParaRPr lang="en-US" sz="2800" b="0" strike="noStrike" spc="-1">
               <a:solidFill>
                 <a:srgbClr val="333333"/>
               </a:solidFill>
@@ -588,11 +1232,12 @@
           </a:prstGeom>
         </p:spPr>
         <p:txBody>
-          <a:bodyPr lIns="0" rIns="0" tIns="0" bIns="0">
-            <a:noAutofit/>
-          </a:bodyPr>
-          <a:p>
-            <a:endParaRPr b="0" lang="en-US" sz="2800" spc="-1" strike="noStrike">
+          <a:bodyPr lIns="0" tIns="0" rIns="0" bIns="0">
+            <a:noAutofit/>
+          </a:bodyPr>
+          <a:lstStyle/>
+          <a:p>
+            <a:endParaRPr lang="en-US" sz="2800" b="0" strike="noStrike" spc="-1">
               <a:solidFill>
                 <a:srgbClr val="333333"/>
               </a:solidFill>
@@ -603,11 +1248,14 @@
       </p:sp>
     </p:spTree>
   </p:cSld>
+  <p:clrMapOvr>
+    <a:masterClrMapping/>
+  </p:clrMapOvr>
 </p:sldLayout>
 </file>
 
 <file path=ppt/slideLayouts/slideLayout13.xml><?xml version="1.0" encoding="utf-8"?>
-<p:sldLayout xmlns:a="http://schemas.openxmlformats.org/drawingml/2006/main" xmlns:p="http://schemas.openxmlformats.org/presentationml/2006/main" xmlns:r="http://schemas.openxmlformats.org/officeDocument/2006/relationships" xmlns:p14="http://schemas.microsoft.com/office/powerpoint/2010/main" xmlns:p15="http://schemas.microsoft.com/office/powerpoint/2012/main" xmlns:mc="http://schemas.openxmlformats.org/markup-compatibility/2006" type="blank" preserve="1">
+<p:sldLayout xmlns:a="http://schemas.openxmlformats.org/drawingml/2006/main" xmlns:r="http://schemas.openxmlformats.org/officeDocument/2006/relationships" xmlns:p="http://schemas.openxmlformats.org/presentationml/2006/main" type="blank" preserve="1">
   <p:cSld name="Blank Slide">
     <p:spTree>
       <p:nvGrpSpPr>
@@ -625,11 +1273,14 @@
       </p:grpSpPr>
     </p:spTree>
   </p:cSld>
+  <p:clrMapOvr>
+    <a:masterClrMapping/>
+  </p:clrMapOvr>
 </p:sldLayout>
 </file>
 
 <file path=ppt/slideLayouts/slideLayout14.xml><?xml version="1.0" encoding="utf-8"?>
-<p:sldLayout xmlns:a="http://schemas.openxmlformats.org/drawingml/2006/main" xmlns:p="http://schemas.openxmlformats.org/presentationml/2006/main" xmlns:r="http://schemas.openxmlformats.org/officeDocument/2006/relationships" xmlns:p14="http://schemas.microsoft.com/office/powerpoint/2010/main" xmlns:p15="http://schemas.microsoft.com/office/powerpoint/2012/main" xmlns:mc="http://schemas.openxmlformats.org/markup-compatibility/2006" type="tx" preserve="1">
+<p:sldLayout xmlns:a="http://schemas.openxmlformats.org/drawingml/2006/main" xmlns:r="http://schemas.openxmlformats.org/officeDocument/2006/relationships" xmlns:p="http://schemas.openxmlformats.org/presentationml/2006/main" type="tx" preserve="1">
   <p:cSld name="Title Slide">
     <p:spTree>
       <p:nvGrpSpPr>
@@ -665,11 +1316,12 @@
           </a:prstGeom>
         </p:spPr>
         <p:txBody>
-          <a:bodyPr lIns="0" rIns="0" tIns="0" bIns="0" anchor="ctr">
-            <a:noAutofit/>
-          </a:bodyPr>
-          <a:p>
-            <a:endParaRPr b="1" lang="en-US" sz="4400" spc="-1" strike="noStrike">
+          <a:bodyPr lIns="0" tIns="0" rIns="0" bIns="0" anchor="ctr">
+            <a:noAutofit/>
+          </a:bodyPr>
+          <a:lstStyle/>
+          <a:p>
+            <a:endParaRPr lang="en-US" sz="4400" b="1" strike="noStrike" spc="-1">
               <a:solidFill>
                 <a:srgbClr val="333333"/>
               </a:solidFill>
@@ -698,12 +1350,13 @@
           </a:prstGeom>
         </p:spPr>
         <p:txBody>
-          <a:bodyPr lIns="0" rIns="0" tIns="0" bIns="0" anchor="ctr">
-            <a:noAutofit/>
-          </a:bodyPr>
+          <a:bodyPr lIns="0" tIns="0" rIns="0" bIns="0" anchor="ctr">
+            <a:noAutofit/>
+          </a:bodyPr>
+          <a:lstStyle/>
           <a:p>
             <a:pPr algn="ctr"/>
-            <a:endParaRPr b="0" lang="en-US" sz="3200" spc="-1" strike="noStrike">
+            <a:endParaRPr lang="en-US" sz="3200" b="0" strike="noStrike" spc="-1">
               <a:latin typeface="Arial"/>
             </a:endParaRPr>
           </a:p>
@@ -711,11 +1364,14 @@
       </p:sp>
     </p:spTree>
   </p:cSld>
+  <p:clrMapOvr>
+    <a:masterClrMapping/>
+  </p:clrMapOvr>
 </p:sldLayout>
 </file>
 
 <file path=ppt/slideLayouts/slideLayout15.xml><?xml version="1.0" encoding="utf-8"?>
-<p:sldLayout xmlns:a="http://schemas.openxmlformats.org/drawingml/2006/main" xmlns:p="http://schemas.openxmlformats.org/presentationml/2006/main" xmlns:r="http://schemas.openxmlformats.org/officeDocument/2006/relationships" xmlns:p14="http://schemas.microsoft.com/office/powerpoint/2010/main" xmlns:p15="http://schemas.microsoft.com/office/powerpoint/2012/main" xmlns:mc="http://schemas.openxmlformats.org/markup-compatibility/2006" type="obj" preserve="1">
+<p:sldLayout xmlns:a="http://schemas.openxmlformats.org/drawingml/2006/main" xmlns:r="http://schemas.openxmlformats.org/officeDocument/2006/relationships" xmlns:p="http://schemas.openxmlformats.org/presentationml/2006/main" type="obj" preserve="1">
   <p:cSld name="Title, Content">
     <p:spTree>
       <p:nvGrpSpPr>
@@ -751,11 +1407,12 @@
           </a:prstGeom>
         </p:spPr>
         <p:txBody>
-          <a:bodyPr lIns="0" rIns="0" tIns="0" bIns="0" anchor="ctr">
-            <a:noAutofit/>
-          </a:bodyPr>
-          <a:p>
-            <a:endParaRPr b="1" lang="en-US" sz="4400" spc="-1" strike="noStrike">
+          <a:bodyPr lIns="0" tIns="0" rIns="0" bIns="0" anchor="ctr">
+            <a:noAutofit/>
+          </a:bodyPr>
+          <a:lstStyle/>
+          <a:p>
+            <a:endParaRPr lang="en-US" sz="4400" b="1" strike="noStrike" spc="-1">
               <a:solidFill>
                 <a:srgbClr val="333333"/>
               </a:solidFill>
@@ -784,11 +1441,12 @@
           </a:prstGeom>
         </p:spPr>
         <p:txBody>
-          <a:bodyPr lIns="0" rIns="0" tIns="0" bIns="0">
-            <a:noAutofit/>
-          </a:bodyPr>
-          <a:p>
-            <a:endParaRPr b="0" lang="en-US" sz="2800" spc="-1" strike="noStrike">
+          <a:bodyPr lIns="0" tIns="0" rIns="0" bIns="0">
+            <a:noAutofit/>
+          </a:bodyPr>
+          <a:lstStyle/>
+          <a:p>
+            <a:endParaRPr lang="en-US" sz="2800" b="0" strike="noStrike" spc="-1">
               <a:solidFill>
                 <a:srgbClr val="333333"/>
               </a:solidFill>
@@ -799,11 +1457,14 @@
       </p:sp>
     </p:spTree>
   </p:cSld>
+  <p:clrMapOvr>
+    <a:masterClrMapping/>
+  </p:clrMapOvr>
 </p:sldLayout>
 </file>
 
 <file path=ppt/slideLayouts/slideLayout16.xml><?xml version="1.0" encoding="utf-8"?>
-<p:sldLayout xmlns:a="http://schemas.openxmlformats.org/drawingml/2006/main" xmlns:p="http://schemas.openxmlformats.org/presentationml/2006/main" xmlns:r="http://schemas.openxmlformats.org/officeDocument/2006/relationships" xmlns:p14="http://schemas.microsoft.com/office/powerpoint/2010/main" xmlns:p15="http://schemas.microsoft.com/office/powerpoint/2012/main" xmlns:mc="http://schemas.openxmlformats.org/markup-compatibility/2006" type="twoObj" preserve="1">
+<p:sldLayout xmlns:a="http://schemas.openxmlformats.org/drawingml/2006/main" xmlns:r="http://schemas.openxmlformats.org/officeDocument/2006/relationships" xmlns:p="http://schemas.openxmlformats.org/presentationml/2006/main" type="twoObj" preserve="1">
   <p:cSld name="Title, 2 Content">
     <p:spTree>
       <p:nvGrpSpPr>
@@ -839,11 +1500,12 @@
           </a:prstGeom>
         </p:spPr>
         <p:txBody>
-          <a:bodyPr lIns="0" rIns="0" tIns="0" bIns="0" anchor="ctr">
-            <a:noAutofit/>
-          </a:bodyPr>
-          <a:p>
-            <a:endParaRPr b="1" lang="en-US" sz="4400" spc="-1" strike="noStrike">
+          <a:bodyPr lIns="0" tIns="0" rIns="0" bIns="0" anchor="ctr">
+            <a:noAutofit/>
+          </a:bodyPr>
+          <a:lstStyle/>
+          <a:p>
+            <a:endParaRPr lang="en-US" sz="4400" b="1" strike="noStrike" spc="-1">
               <a:solidFill>
                 <a:srgbClr val="333333"/>
               </a:solidFill>
@@ -872,11 +1534,12 @@
           </a:prstGeom>
         </p:spPr>
         <p:txBody>
-          <a:bodyPr lIns="0" rIns="0" tIns="0" bIns="0">
-            <a:noAutofit/>
-          </a:bodyPr>
-          <a:p>
-            <a:endParaRPr b="0" lang="en-US" sz="2800" spc="-1" strike="noStrike">
+          <a:bodyPr lIns="0" tIns="0" rIns="0" bIns="0">
+            <a:noAutofit/>
+          </a:bodyPr>
+          <a:lstStyle/>
+          <a:p>
+            <a:endParaRPr lang="en-US" sz="2800" b="0" strike="noStrike" spc="-1">
               <a:solidFill>
                 <a:srgbClr val="333333"/>
               </a:solidFill>
@@ -905,11 +1568,12 @@
           </a:prstGeom>
         </p:spPr>
         <p:txBody>
-          <a:bodyPr lIns="0" rIns="0" tIns="0" bIns="0">
-            <a:noAutofit/>
-          </a:bodyPr>
-          <a:p>
-            <a:endParaRPr b="0" lang="en-US" sz="2800" spc="-1" strike="noStrike">
+          <a:bodyPr lIns="0" tIns="0" rIns="0" bIns="0">
+            <a:noAutofit/>
+          </a:bodyPr>
+          <a:lstStyle/>
+          <a:p>
+            <a:endParaRPr lang="en-US" sz="2800" b="0" strike="noStrike" spc="-1">
               <a:solidFill>
                 <a:srgbClr val="333333"/>
               </a:solidFill>
@@ -920,11 +1584,14 @@
       </p:sp>
     </p:spTree>
   </p:cSld>
+  <p:clrMapOvr>
+    <a:masterClrMapping/>
+  </p:clrMapOvr>
 </p:sldLayout>
 </file>
 
 <file path=ppt/slideLayouts/slideLayout17.xml><?xml version="1.0" encoding="utf-8"?>
-<p:sldLayout xmlns:a="http://schemas.openxmlformats.org/drawingml/2006/main" xmlns:p="http://schemas.openxmlformats.org/presentationml/2006/main" xmlns:r="http://schemas.openxmlformats.org/officeDocument/2006/relationships" xmlns:p14="http://schemas.microsoft.com/office/powerpoint/2010/main" xmlns:p15="http://schemas.microsoft.com/office/powerpoint/2012/main" xmlns:mc="http://schemas.openxmlformats.org/markup-compatibility/2006" type="titleOnly" preserve="1">
+<p:sldLayout xmlns:a="http://schemas.openxmlformats.org/drawingml/2006/main" xmlns:r="http://schemas.openxmlformats.org/officeDocument/2006/relationships" xmlns:p="http://schemas.openxmlformats.org/presentationml/2006/main" type="titleOnly" preserve="1">
   <p:cSld name="Title Only">
     <p:spTree>
       <p:nvGrpSpPr>
@@ -960,11 +1627,12 @@
           </a:prstGeom>
         </p:spPr>
         <p:txBody>
-          <a:bodyPr lIns="0" rIns="0" tIns="0" bIns="0" anchor="ctr">
-            <a:noAutofit/>
-          </a:bodyPr>
-          <a:p>
-            <a:endParaRPr b="1" lang="en-US" sz="4400" spc="-1" strike="noStrike">
+          <a:bodyPr lIns="0" tIns="0" rIns="0" bIns="0" anchor="ctr">
+            <a:noAutofit/>
+          </a:bodyPr>
+          <a:lstStyle/>
+          <a:p>
+            <a:endParaRPr lang="en-US" sz="4400" b="1" strike="noStrike" spc="-1">
               <a:solidFill>
                 <a:srgbClr val="333333"/>
               </a:solidFill>
@@ -975,11 +1643,14 @@
       </p:sp>
     </p:spTree>
   </p:cSld>
+  <p:clrMapOvr>
+    <a:masterClrMapping/>
+  </p:clrMapOvr>
 </p:sldLayout>
 </file>
 
 <file path=ppt/slideLayouts/slideLayout18.xml><?xml version="1.0" encoding="utf-8"?>
-<p:sldLayout xmlns:a="http://schemas.openxmlformats.org/drawingml/2006/main" xmlns:p="http://schemas.openxmlformats.org/presentationml/2006/main" xmlns:r="http://schemas.openxmlformats.org/officeDocument/2006/relationships" xmlns:p14="http://schemas.microsoft.com/office/powerpoint/2010/main" xmlns:p15="http://schemas.microsoft.com/office/powerpoint/2012/main" xmlns:mc="http://schemas.openxmlformats.org/markup-compatibility/2006" type="objOnly" preserve="1">
+<p:sldLayout xmlns:a="http://schemas.openxmlformats.org/drawingml/2006/main" xmlns:r="http://schemas.openxmlformats.org/officeDocument/2006/relationships" xmlns:p="http://schemas.openxmlformats.org/presentationml/2006/main" type="objOnly" preserve="1">
   <p:cSld name="Centered Text">
     <p:spTree>
       <p:nvGrpSpPr>
@@ -1015,12 +1686,13 @@
           </a:prstGeom>
         </p:spPr>
         <p:txBody>
-          <a:bodyPr lIns="0" rIns="0" tIns="0" bIns="0" anchor="ctr">
-            <a:noAutofit/>
-          </a:bodyPr>
+          <a:bodyPr lIns="0" tIns="0" rIns="0" bIns="0" anchor="ctr">
+            <a:noAutofit/>
+          </a:bodyPr>
+          <a:lstStyle/>
           <a:p>
             <a:pPr algn="ctr"/>
-            <a:endParaRPr b="0" lang="en-US" sz="3200" spc="-1" strike="noStrike">
+            <a:endParaRPr lang="en-US" sz="3200" b="0" strike="noStrike" spc="-1">
               <a:latin typeface="Arial"/>
             </a:endParaRPr>
           </a:p>
@@ -1028,11 +1700,14 @@
       </p:sp>
     </p:spTree>
   </p:cSld>
+  <p:clrMapOvr>
+    <a:masterClrMapping/>
+  </p:clrMapOvr>
 </p:sldLayout>
 </file>
 
 <file path=ppt/slideLayouts/slideLayout19.xml><?xml version="1.0" encoding="utf-8"?>
-<p:sldLayout xmlns:a="http://schemas.openxmlformats.org/drawingml/2006/main" xmlns:p="http://schemas.openxmlformats.org/presentationml/2006/main" xmlns:r="http://schemas.openxmlformats.org/officeDocument/2006/relationships" xmlns:p14="http://schemas.microsoft.com/office/powerpoint/2010/main" xmlns:p15="http://schemas.microsoft.com/office/powerpoint/2012/main" xmlns:mc="http://schemas.openxmlformats.org/markup-compatibility/2006" type="twoObjAndObj" preserve="1">
+<p:sldLayout xmlns:a="http://schemas.openxmlformats.org/drawingml/2006/main" xmlns:r="http://schemas.openxmlformats.org/officeDocument/2006/relationships" xmlns:p="http://schemas.openxmlformats.org/presentationml/2006/main" type="twoObjAndObj" preserve="1">
   <p:cSld name="Title, 2 Content and Content">
     <p:spTree>
       <p:nvGrpSpPr>
@@ -1068,11 +1743,12 @@
           </a:prstGeom>
         </p:spPr>
         <p:txBody>
-          <a:bodyPr lIns="0" rIns="0" tIns="0" bIns="0" anchor="ctr">
-            <a:noAutofit/>
-          </a:bodyPr>
-          <a:p>
-            <a:endParaRPr b="1" lang="en-US" sz="4400" spc="-1" strike="noStrike">
+          <a:bodyPr lIns="0" tIns="0" rIns="0" bIns="0" anchor="ctr">
+            <a:noAutofit/>
+          </a:bodyPr>
+          <a:lstStyle/>
+          <a:p>
+            <a:endParaRPr lang="en-US" sz="4400" b="1" strike="noStrike" spc="-1">
               <a:solidFill>
                 <a:srgbClr val="333333"/>
               </a:solidFill>
@@ -1101,11 +1777,12 @@
           </a:prstGeom>
         </p:spPr>
         <p:txBody>
-          <a:bodyPr lIns="0" rIns="0" tIns="0" bIns="0">
-            <a:noAutofit/>
-          </a:bodyPr>
-          <a:p>
-            <a:endParaRPr b="0" lang="en-US" sz="2800" spc="-1" strike="noStrike">
+          <a:bodyPr lIns="0" tIns="0" rIns="0" bIns="0">
+            <a:noAutofit/>
+          </a:bodyPr>
+          <a:lstStyle/>
+          <a:p>
+            <a:endParaRPr lang="en-US" sz="2800" b="0" strike="noStrike" spc="-1">
               <a:solidFill>
                 <a:srgbClr val="333333"/>
               </a:solidFill>
@@ -1134,11 +1811,12 @@
           </a:prstGeom>
         </p:spPr>
         <p:txBody>
-          <a:bodyPr lIns="0" rIns="0" tIns="0" bIns="0">
-            <a:noAutofit/>
-          </a:bodyPr>
-          <a:p>
-            <a:endParaRPr b="0" lang="en-US" sz="2800" spc="-1" strike="noStrike">
+          <a:bodyPr lIns="0" tIns="0" rIns="0" bIns="0">
+            <a:noAutofit/>
+          </a:bodyPr>
+          <a:lstStyle/>
+          <a:p>
+            <a:endParaRPr lang="en-US" sz="2800" b="0" strike="noStrike" spc="-1">
               <a:solidFill>
                 <a:srgbClr val="333333"/>
               </a:solidFill>
@@ -1167,11 +1845,12 @@
           </a:prstGeom>
         </p:spPr>
         <p:txBody>
-          <a:bodyPr lIns="0" rIns="0" tIns="0" bIns="0">
-            <a:noAutofit/>
-          </a:bodyPr>
-          <a:p>
-            <a:endParaRPr b="0" lang="en-US" sz="2800" spc="-1" strike="noStrike">
+          <a:bodyPr lIns="0" tIns="0" rIns="0" bIns="0">
+            <a:noAutofit/>
+          </a:bodyPr>
+          <a:lstStyle/>
+          <a:p>
+            <a:endParaRPr lang="en-US" sz="2800" b="0" strike="noStrike" spc="-1">
               <a:solidFill>
                 <a:srgbClr val="333333"/>
               </a:solidFill>
@@ -1182,11 +1861,14 @@
       </p:sp>
     </p:spTree>
   </p:cSld>
+  <p:clrMapOvr>
+    <a:masterClrMapping/>
+  </p:clrMapOvr>
 </p:sldLayout>
 </file>
 
 <file path=ppt/slideLayouts/slideLayout2.xml><?xml version="1.0" encoding="utf-8"?>
-<p:sldLayout xmlns:a="http://schemas.openxmlformats.org/drawingml/2006/main" xmlns:p="http://schemas.openxmlformats.org/presentationml/2006/main" xmlns:r="http://schemas.openxmlformats.org/officeDocument/2006/relationships" xmlns:p14="http://schemas.microsoft.com/office/powerpoint/2010/main" xmlns:p15="http://schemas.microsoft.com/office/powerpoint/2012/main" xmlns:mc="http://schemas.openxmlformats.org/markup-compatibility/2006" type="tx" preserve="1">
+<p:sldLayout xmlns:a="http://schemas.openxmlformats.org/drawingml/2006/main" xmlns:r="http://schemas.openxmlformats.org/officeDocument/2006/relationships" xmlns:p="http://schemas.openxmlformats.org/presentationml/2006/main" type="tx" preserve="1">
   <p:cSld name="Title Slide">
     <p:spTree>
       <p:nvGrpSpPr>
@@ -1222,11 +1904,12 @@
           </a:prstGeom>
         </p:spPr>
         <p:txBody>
-          <a:bodyPr lIns="0" rIns="0" tIns="0" bIns="0" anchor="ctr">
-            <a:noAutofit/>
-          </a:bodyPr>
-          <a:p>
-            <a:endParaRPr b="1" lang="en-US" sz="4400" spc="-1" strike="noStrike">
+          <a:bodyPr lIns="0" tIns="0" rIns="0" bIns="0" anchor="ctr">
+            <a:noAutofit/>
+          </a:bodyPr>
+          <a:lstStyle/>
+          <a:p>
+            <a:endParaRPr lang="en-US" sz="4400" b="1" strike="noStrike" spc="-1">
               <a:solidFill>
                 <a:srgbClr val="333333"/>
               </a:solidFill>
@@ -1255,12 +1938,13 @@
           </a:prstGeom>
         </p:spPr>
         <p:txBody>
-          <a:bodyPr lIns="0" rIns="0" tIns="0" bIns="0" anchor="ctr">
-            <a:noAutofit/>
-          </a:bodyPr>
+          <a:bodyPr lIns="0" tIns="0" rIns="0" bIns="0" anchor="ctr">
+            <a:noAutofit/>
+          </a:bodyPr>
+          <a:lstStyle/>
           <a:p>
             <a:pPr algn="ctr"/>
-            <a:endParaRPr b="0" lang="en-US" sz="3200" spc="-1" strike="noStrike">
+            <a:endParaRPr lang="en-US" sz="3200" b="0" strike="noStrike" spc="-1">
               <a:latin typeface="Arial"/>
             </a:endParaRPr>
           </a:p>
@@ -1268,11 +1952,14 @@
       </p:sp>
     </p:spTree>
   </p:cSld>
+  <p:clrMapOvr>
+    <a:masterClrMapping/>
+  </p:clrMapOvr>
 </p:sldLayout>
 </file>
 
 <file path=ppt/slideLayouts/slideLayout20.xml><?xml version="1.0" encoding="utf-8"?>
-<p:sldLayout xmlns:a="http://schemas.openxmlformats.org/drawingml/2006/main" xmlns:p="http://schemas.openxmlformats.org/presentationml/2006/main" xmlns:r="http://schemas.openxmlformats.org/officeDocument/2006/relationships" xmlns:p14="http://schemas.microsoft.com/office/powerpoint/2010/main" xmlns:p15="http://schemas.microsoft.com/office/powerpoint/2012/main" xmlns:mc="http://schemas.openxmlformats.org/markup-compatibility/2006" type="objAndTwoObj" preserve="1">
+<p:sldLayout xmlns:a="http://schemas.openxmlformats.org/drawingml/2006/main" xmlns:r="http://schemas.openxmlformats.org/officeDocument/2006/relationships" xmlns:p="http://schemas.openxmlformats.org/presentationml/2006/main" type="objAndTwoObj" preserve="1">
   <p:cSld name="Title Content and 2 Content">
     <p:spTree>
       <p:nvGrpSpPr>
@@ -1308,11 +1995,12 @@
           </a:prstGeom>
         </p:spPr>
         <p:txBody>
-          <a:bodyPr lIns="0" rIns="0" tIns="0" bIns="0" anchor="ctr">
-            <a:noAutofit/>
-          </a:bodyPr>
-          <a:p>
-            <a:endParaRPr b="1" lang="en-US" sz="4400" spc="-1" strike="noStrike">
+          <a:bodyPr lIns="0" tIns="0" rIns="0" bIns="0" anchor="ctr">
+            <a:noAutofit/>
+          </a:bodyPr>
+          <a:lstStyle/>
+          <a:p>
+            <a:endParaRPr lang="en-US" sz="4400" b="1" strike="noStrike" spc="-1">
               <a:solidFill>
                 <a:srgbClr val="333333"/>
               </a:solidFill>
@@ -1341,11 +2029,12 @@
           </a:prstGeom>
         </p:spPr>
         <p:txBody>
-          <a:bodyPr lIns="0" rIns="0" tIns="0" bIns="0">
-            <a:noAutofit/>
-          </a:bodyPr>
-          <a:p>
-            <a:endParaRPr b="0" lang="en-US" sz="2800" spc="-1" strike="noStrike">
+          <a:bodyPr lIns="0" tIns="0" rIns="0" bIns="0">
+            <a:noAutofit/>
+          </a:bodyPr>
+          <a:lstStyle/>
+          <a:p>
+            <a:endParaRPr lang="en-US" sz="2800" b="0" strike="noStrike" spc="-1">
               <a:solidFill>
                 <a:srgbClr val="333333"/>
               </a:solidFill>
@@ -1374,11 +2063,12 @@
           </a:prstGeom>
         </p:spPr>
         <p:txBody>
-          <a:bodyPr lIns="0" rIns="0" tIns="0" bIns="0">
-            <a:noAutofit/>
-          </a:bodyPr>
-          <a:p>
-            <a:endParaRPr b="0" lang="en-US" sz="2800" spc="-1" strike="noStrike">
+          <a:bodyPr lIns="0" tIns="0" rIns="0" bIns="0">
+            <a:noAutofit/>
+          </a:bodyPr>
+          <a:lstStyle/>
+          <a:p>
+            <a:endParaRPr lang="en-US" sz="2800" b="0" strike="noStrike" spc="-1">
               <a:solidFill>
                 <a:srgbClr val="333333"/>
               </a:solidFill>
@@ -1407,11 +2097,12 @@
           </a:prstGeom>
         </p:spPr>
         <p:txBody>
-          <a:bodyPr lIns="0" rIns="0" tIns="0" bIns="0">
-            <a:noAutofit/>
-          </a:bodyPr>
-          <a:p>
-            <a:endParaRPr b="0" lang="en-US" sz="2800" spc="-1" strike="noStrike">
+          <a:bodyPr lIns="0" tIns="0" rIns="0" bIns="0">
+            <a:noAutofit/>
+          </a:bodyPr>
+          <a:lstStyle/>
+          <a:p>
+            <a:endParaRPr lang="en-US" sz="2800" b="0" strike="noStrike" spc="-1">
               <a:solidFill>
                 <a:srgbClr val="333333"/>
               </a:solidFill>
@@ -1422,11 +2113,14 @@
       </p:sp>
     </p:spTree>
   </p:cSld>
+  <p:clrMapOvr>
+    <a:masterClrMapping/>
+  </p:clrMapOvr>
 </p:sldLayout>
 </file>
 
 <file path=ppt/slideLayouts/slideLayout21.xml><?xml version="1.0" encoding="utf-8"?>
-<p:sldLayout xmlns:a="http://schemas.openxmlformats.org/drawingml/2006/main" xmlns:p="http://schemas.openxmlformats.org/presentationml/2006/main" xmlns:r="http://schemas.openxmlformats.org/officeDocument/2006/relationships" xmlns:p14="http://schemas.microsoft.com/office/powerpoint/2010/main" xmlns:p15="http://schemas.microsoft.com/office/powerpoint/2012/main" xmlns:mc="http://schemas.openxmlformats.org/markup-compatibility/2006" type="twoObjOverTx" preserve="1">
+<p:sldLayout xmlns:a="http://schemas.openxmlformats.org/drawingml/2006/main" xmlns:r="http://schemas.openxmlformats.org/officeDocument/2006/relationships" xmlns:p="http://schemas.openxmlformats.org/presentationml/2006/main" type="twoObjOverTx" preserve="1">
   <p:cSld name="Title, 2 Content over Content">
     <p:spTree>
       <p:nvGrpSpPr>
@@ -1462,11 +2156,12 @@
           </a:prstGeom>
         </p:spPr>
         <p:txBody>
-          <a:bodyPr lIns="0" rIns="0" tIns="0" bIns="0" anchor="ctr">
-            <a:noAutofit/>
-          </a:bodyPr>
-          <a:p>
-            <a:endParaRPr b="1" lang="en-US" sz="4400" spc="-1" strike="noStrike">
+          <a:bodyPr lIns="0" tIns="0" rIns="0" bIns="0" anchor="ctr">
+            <a:noAutofit/>
+          </a:bodyPr>
+          <a:lstStyle/>
+          <a:p>
+            <a:endParaRPr lang="en-US" sz="4400" b="1" strike="noStrike" spc="-1">
               <a:solidFill>
                 <a:srgbClr val="333333"/>
               </a:solidFill>
@@ -1495,11 +2190,12 @@
           </a:prstGeom>
         </p:spPr>
         <p:txBody>
-          <a:bodyPr lIns="0" rIns="0" tIns="0" bIns="0">
-            <a:noAutofit/>
-          </a:bodyPr>
-          <a:p>
-            <a:endParaRPr b="0" lang="en-US" sz="2800" spc="-1" strike="noStrike">
+          <a:bodyPr lIns="0" tIns="0" rIns="0" bIns="0">
+            <a:noAutofit/>
+          </a:bodyPr>
+          <a:lstStyle/>
+          <a:p>
+            <a:endParaRPr lang="en-US" sz="2800" b="0" strike="noStrike" spc="-1">
               <a:solidFill>
                 <a:srgbClr val="333333"/>
               </a:solidFill>
@@ -1528,11 +2224,12 @@
           </a:prstGeom>
         </p:spPr>
         <p:txBody>
-          <a:bodyPr lIns="0" rIns="0" tIns="0" bIns="0">
-            <a:noAutofit/>
-          </a:bodyPr>
-          <a:p>
-            <a:endParaRPr b="0" lang="en-US" sz="2800" spc="-1" strike="noStrike">
+          <a:bodyPr lIns="0" tIns="0" rIns="0" bIns="0">
+            <a:noAutofit/>
+          </a:bodyPr>
+          <a:lstStyle/>
+          <a:p>
+            <a:endParaRPr lang="en-US" sz="2800" b="0" strike="noStrike" spc="-1">
               <a:solidFill>
                 <a:srgbClr val="333333"/>
               </a:solidFill>
@@ -1561,11 +2258,12 @@
           </a:prstGeom>
         </p:spPr>
         <p:txBody>
-          <a:bodyPr lIns="0" rIns="0" tIns="0" bIns="0">
-            <a:noAutofit/>
-          </a:bodyPr>
-          <a:p>
-            <a:endParaRPr b="0" lang="en-US" sz="2800" spc="-1" strike="noStrike">
+          <a:bodyPr lIns="0" tIns="0" rIns="0" bIns="0">
+            <a:noAutofit/>
+          </a:bodyPr>
+          <a:lstStyle/>
+          <a:p>
+            <a:endParaRPr lang="en-US" sz="2800" b="0" strike="noStrike" spc="-1">
               <a:solidFill>
                 <a:srgbClr val="333333"/>
               </a:solidFill>
@@ -1576,11 +2274,14 @@
       </p:sp>
     </p:spTree>
   </p:cSld>
+  <p:clrMapOvr>
+    <a:masterClrMapping/>
+  </p:clrMapOvr>
 </p:sldLayout>
 </file>
 
 <file path=ppt/slideLayouts/slideLayout22.xml><?xml version="1.0" encoding="utf-8"?>
-<p:sldLayout xmlns:a="http://schemas.openxmlformats.org/drawingml/2006/main" xmlns:p="http://schemas.openxmlformats.org/presentationml/2006/main" xmlns:r="http://schemas.openxmlformats.org/officeDocument/2006/relationships" xmlns:p14="http://schemas.microsoft.com/office/powerpoint/2010/main" xmlns:p15="http://schemas.microsoft.com/office/powerpoint/2012/main" xmlns:mc="http://schemas.openxmlformats.org/markup-compatibility/2006" type="objOverTx" preserve="1">
+<p:sldLayout xmlns:a="http://schemas.openxmlformats.org/drawingml/2006/main" xmlns:r="http://schemas.openxmlformats.org/officeDocument/2006/relationships" xmlns:p="http://schemas.openxmlformats.org/presentationml/2006/main" type="objOverTx" preserve="1">
   <p:cSld name="Title, Content over Content">
     <p:spTree>
       <p:nvGrpSpPr>
@@ -1616,11 +2317,12 @@
           </a:prstGeom>
         </p:spPr>
         <p:txBody>
-          <a:bodyPr lIns="0" rIns="0" tIns="0" bIns="0" anchor="ctr">
-            <a:noAutofit/>
-          </a:bodyPr>
-          <a:p>
-            <a:endParaRPr b="1" lang="en-US" sz="4400" spc="-1" strike="noStrike">
+          <a:bodyPr lIns="0" tIns="0" rIns="0" bIns="0" anchor="ctr">
+            <a:noAutofit/>
+          </a:bodyPr>
+          <a:lstStyle/>
+          <a:p>
+            <a:endParaRPr lang="en-US" sz="4400" b="1" strike="noStrike" spc="-1">
               <a:solidFill>
                 <a:srgbClr val="333333"/>
               </a:solidFill>
@@ -1649,11 +2351,12 @@
           </a:prstGeom>
         </p:spPr>
         <p:txBody>
-          <a:bodyPr lIns="0" rIns="0" tIns="0" bIns="0">
-            <a:noAutofit/>
-          </a:bodyPr>
-          <a:p>
-            <a:endParaRPr b="0" lang="en-US" sz="2800" spc="-1" strike="noStrike">
+          <a:bodyPr lIns="0" tIns="0" rIns="0" bIns="0">
+            <a:noAutofit/>
+          </a:bodyPr>
+          <a:lstStyle/>
+          <a:p>
+            <a:endParaRPr lang="en-US" sz="2800" b="0" strike="noStrike" spc="-1">
               <a:solidFill>
                 <a:srgbClr val="333333"/>
               </a:solidFill>
@@ -1682,11 +2385,12 @@
           </a:prstGeom>
         </p:spPr>
         <p:txBody>
-          <a:bodyPr lIns="0" rIns="0" tIns="0" bIns="0">
-            <a:noAutofit/>
-          </a:bodyPr>
-          <a:p>
-            <a:endParaRPr b="0" lang="en-US" sz="2800" spc="-1" strike="noStrike">
+          <a:bodyPr lIns="0" tIns="0" rIns="0" bIns="0">
+            <a:noAutofit/>
+          </a:bodyPr>
+          <a:lstStyle/>
+          <a:p>
+            <a:endParaRPr lang="en-US" sz="2800" b="0" strike="noStrike" spc="-1">
               <a:solidFill>
                 <a:srgbClr val="333333"/>
               </a:solidFill>
@@ -1697,11 +2401,14 @@
       </p:sp>
     </p:spTree>
   </p:cSld>
+  <p:clrMapOvr>
+    <a:masterClrMapping/>
+  </p:clrMapOvr>
 </p:sldLayout>
 </file>
 
 <file path=ppt/slideLayouts/slideLayout23.xml><?xml version="1.0" encoding="utf-8"?>
-<p:sldLayout xmlns:a="http://schemas.openxmlformats.org/drawingml/2006/main" xmlns:p="http://schemas.openxmlformats.org/presentationml/2006/main" xmlns:r="http://schemas.openxmlformats.org/officeDocument/2006/relationships" xmlns:p14="http://schemas.microsoft.com/office/powerpoint/2010/main" xmlns:p15="http://schemas.microsoft.com/office/powerpoint/2012/main" xmlns:mc="http://schemas.openxmlformats.org/markup-compatibility/2006" type="fourObj" preserve="1">
+<p:sldLayout xmlns:a="http://schemas.openxmlformats.org/drawingml/2006/main" xmlns:r="http://schemas.openxmlformats.org/officeDocument/2006/relationships" xmlns:p="http://schemas.openxmlformats.org/presentationml/2006/main" type="fourObj" preserve="1">
   <p:cSld name="Title, 4 Content">
     <p:spTree>
       <p:nvGrpSpPr>
@@ -1737,11 +2444,12 @@
           </a:prstGeom>
         </p:spPr>
         <p:txBody>
-          <a:bodyPr lIns="0" rIns="0" tIns="0" bIns="0" anchor="ctr">
-            <a:noAutofit/>
-          </a:bodyPr>
-          <a:p>
-            <a:endParaRPr b="1" lang="en-US" sz="4400" spc="-1" strike="noStrike">
+          <a:bodyPr lIns="0" tIns="0" rIns="0" bIns="0" anchor="ctr">
+            <a:noAutofit/>
+          </a:bodyPr>
+          <a:lstStyle/>
+          <a:p>
+            <a:endParaRPr lang="en-US" sz="4400" b="1" strike="noStrike" spc="-1">
               <a:solidFill>
                 <a:srgbClr val="333333"/>
               </a:solidFill>
@@ -1770,11 +2478,12 @@
           </a:prstGeom>
         </p:spPr>
         <p:txBody>
-          <a:bodyPr lIns="0" rIns="0" tIns="0" bIns="0">
-            <a:noAutofit/>
-          </a:bodyPr>
-          <a:p>
-            <a:endParaRPr b="0" lang="en-US" sz="2800" spc="-1" strike="noStrike">
+          <a:bodyPr lIns="0" tIns="0" rIns="0" bIns="0">
+            <a:noAutofit/>
+          </a:bodyPr>
+          <a:lstStyle/>
+          <a:p>
+            <a:endParaRPr lang="en-US" sz="2800" b="0" strike="noStrike" spc="-1">
               <a:solidFill>
                 <a:srgbClr val="333333"/>
               </a:solidFill>
@@ -1803,11 +2512,12 @@
           </a:prstGeom>
         </p:spPr>
         <p:txBody>
-          <a:bodyPr lIns="0" rIns="0" tIns="0" bIns="0">
-            <a:noAutofit/>
-          </a:bodyPr>
-          <a:p>
-            <a:endParaRPr b="0" lang="en-US" sz="2800" spc="-1" strike="noStrike">
+          <a:bodyPr lIns="0" tIns="0" rIns="0" bIns="0">
+            <a:noAutofit/>
+          </a:bodyPr>
+          <a:lstStyle/>
+          <a:p>
+            <a:endParaRPr lang="en-US" sz="2800" b="0" strike="noStrike" spc="-1">
               <a:solidFill>
                 <a:srgbClr val="333333"/>
               </a:solidFill>
@@ -1836,11 +2546,12 @@
           </a:prstGeom>
         </p:spPr>
         <p:txBody>
-          <a:bodyPr lIns="0" rIns="0" tIns="0" bIns="0">
-            <a:noAutofit/>
-          </a:bodyPr>
-          <a:p>
-            <a:endParaRPr b="0" lang="en-US" sz="2800" spc="-1" strike="noStrike">
+          <a:bodyPr lIns="0" tIns="0" rIns="0" bIns="0">
+            <a:noAutofit/>
+          </a:bodyPr>
+          <a:lstStyle/>
+          <a:p>
+            <a:endParaRPr lang="en-US" sz="2800" b="0" strike="noStrike" spc="-1">
               <a:solidFill>
                 <a:srgbClr val="333333"/>
               </a:solidFill>
@@ -1869,11 +2580,12 @@
           </a:prstGeom>
         </p:spPr>
         <p:txBody>
-          <a:bodyPr lIns="0" rIns="0" tIns="0" bIns="0">
-            <a:noAutofit/>
-          </a:bodyPr>
-          <a:p>
-            <a:endParaRPr b="0" lang="en-US" sz="2800" spc="-1" strike="noStrike">
+          <a:bodyPr lIns="0" tIns="0" rIns="0" bIns="0">
+            <a:noAutofit/>
+          </a:bodyPr>
+          <a:lstStyle/>
+          <a:p>
+            <a:endParaRPr lang="en-US" sz="2800" b="0" strike="noStrike" spc="-1">
               <a:solidFill>
                 <a:srgbClr val="333333"/>
               </a:solidFill>
@@ -1884,11 +2596,14 @@
       </p:sp>
     </p:spTree>
   </p:cSld>
+  <p:clrMapOvr>
+    <a:masterClrMapping/>
+  </p:clrMapOvr>
 </p:sldLayout>
 </file>
 
 <file path=ppt/slideLayouts/slideLayout24.xml><?xml version="1.0" encoding="utf-8"?>
-<p:sldLayout xmlns:a="http://schemas.openxmlformats.org/drawingml/2006/main" xmlns:p="http://schemas.openxmlformats.org/presentationml/2006/main" xmlns:r="http://schemas.openxmlformats.org/officeDocument/2006/relationships" xmlns:p14="http://schemas.microsoft.com/office/powerpoint/2010/main" xmlns:p15="http://schemas.microsoft.com/office/powerpoint/2012/main" xmlns:mc="http://schemas.openxmlformats.org/markup-compatibility/2006" type="blank" preserve="1">
+<p:sldLayout xmlns:a="http://schemas.openxmlformats.org/drawingml/2006/main" xmlns:r="http://schemas.openxmlformats.org/officeDocument/2006/relationships" xmlns:p="http://schemas.openxmlformats.org/presentationml/2006/main" type="blank" preserve="1">
   <p:cSld name="Title, 6 Content">
     <p:spTree>
       <p:nvGrpSpPr>
@@ -1924,11 +2639,12 @@
           </a:prstGeom>
         </p:spPr>
         <p:txBody>
-          <a:bodyPr lIns="0" rIns="0" tIns="0" bIns="0" anchor="ctr">
-            <a:noAutofit/>
-          </a:bodyPr>
-          <a:p>
-            <a:endParaRPr b="1" lang="en-US" sz="4400" spc="-1" strike="noStrike">
+          <a:bodyPr lIns="0" tIns="0" rIns="0" bIns="0" anchor="ctr">
+            <a:noAutofit/>
+          </a:bodyPr>
+          <a:lstStyle/>
+          <a:p>
+            <a:endParaRPr lang="en-US" sz="4400" b="1" strike="noStrike" spc="-1">
               <a:solidFill>
                 <a:srgbClr val="333333"/>
               </a:solidFill>
@@ -1957,11 +2673,12 @@
           </a:prstGeom>
         </p:spPr>
         <p:txBody>
-          <a:bodyPr lIns="0" rIns="0" tIns="0" bIns="0">
-            <a:noAutofit/>
-          </a:bodyPr>
-          <a:p>
-            <a:endParaRPr b="0" lang="en-US" sz="2800" spc="-1" strike="noStrike">
+          <a:bodyPr lIns="0" tIns="0" rIns="0" bIns="0">
+            <a:noAutofit/>
+          </a:bodyPr>
+          <a:lstStyle/>
+          <a:p>
+            <a:endParaRPr lang="en-US" sz="2800" b="0" strike="noStrike" spc="-1">
               <a:solidFill>
                 <a:srgbClr val="333333"/>
               </a:solidFill>
@@ -1990,11 +2707,12 @@
           </a:prstGeom>
         </p:spPr>
         <p:txBody>
-          <a:bodyPr lIns="0" rIns="0" tIns="0" bIns="0">
-            <a:noAutofit/>
-          </a:bodyPr>
-          <a:p>
-            <a:endParaRPr b="0" lang="en-US" sz="2800" spc="-1" strike="noStrike">
+          <a:bodyPr lIns="0" tIns="0" rIns="0" bIns="0">
+            <a:noAutofit/>
+          </a:bodyPr>
+          <a:lstStyle/>
+          <a:p>
+            <a:endParaRPr lang="en-US" sz="2800" b="0" strike="noStrike" spc="-1">
               <a:solidFill>
                 <a:srgbClr val="333333"/>
               </a:solidFill>
@@ -2023,11 +2741,12 @@
           </a:prstGeom>
         </p:spPr>
         <p:txBody>
-          <a:bodyPr lIns="0" rIns="0" tIns="0" bIns="0">
-            <a:noAutofit/>
-          </a:bodyPr>
-          <a:p>
-            <a:endParaRPr b="0" lang="en-US" sz="2800" spc="-1" strike="noStrike">
+          <a:bodyPr lIns="0" tIns="0" rIns="0" bIns="0">
+            <a:noAutofit/>
+          </a:bodyPr>
+          <a:lstStyle/>
+          <a:p>
+            <a:endParaRPr lang="en-US" sz="2800" b="0" strike="noStrike" spc="-1">
               <a:solidFill>
                 <a:srgbClr val="333333"/>
               </a:solidFill>
@@ -2056,11 +2775,12 @@
           </a:prstGeom>
         </p:spPr>
         <p:txBody>
-          <a:bodyPr lIns="0" rIns="0" tIns="0" bIns="0">
-            <a:noAutofit/>
-          </a:bodyPr>
-          <a:p>
-            <a:endParaRPr b="0" lang="en-US" sz="2800" spc="-1" strike="noStrike">
+          <a:bodyPr lIns="0" tIns="0" rIns="0" bIns="0">
+            <a:noAutofit/>
+          </a:bodyPr>
+          <a:lstStyle/>
+          <a:p>
+            <a:endParaRPr lang="en-US" sz="2800" b="0" strike="noStrike" spc="-1">
               <a:solidFill>
                 <a:srgbClr val="333333"/>
               </a:solidFill>
@@ -2089,11 +2809,12 @@
           </a:prstGeom>
         </p:spPr>
         <p:txBody>
-          <a:bodyPr lIns="0" rIns="0" tIns="0" bIns="0">
-            <a:noAutofit/>
-          </a:bodyPr>
-          <a:p>
-            <a:endParaRPr b="0" lang="en-US" sz="2800" spc="-1" strike="noStrike">
+          <a:bodyPr lIns="0" tIns="0" rIns="0" bIns="0">
+            <a:noAutofit/>
+          </a:bodyPr>
+          <a:lstStyle/>
+          <a:p>
+            <a:endParaRPr lang="en-US" sz="2800" b="0" strike="noStrike" spc="-1">
               <a:solidFill>
                 <a:srgbClr val="333333"/>
               </a:solidFill>
@@ -2122,11 +2843,12 @@
           </a:prstGeom>
         </p:spPr>
         <p:txBody>
-          <a:bodyPr lIns="0" rIns="0" tIns="0" bIns="0">
-            <a:noAutofit/>
-          </a:bodyPr>
-          <a:p>
-            <a:endParaRPr b="0" lang="en-US" sz="2800" spc="-1" strike="noStrike">
+          <a:bodyPr lIns="0" tIns="0" rIns="0" bIns="0">
+            <a:noAutofit/>
+          </a:bodyPr>
+          <a:lstStyle/>
+          <a:p>
+            <a:endParaRPr lang="en-US" sz="2800" b="0" strike="noStrike" spc="-1">
               <a:solidFill>
                 <a:srgbClr val="333333"/>
               </a:solidFill>
@@ -2137,11 +2859,14 @@
       </p:sp>
     </p:spTree>
   </p:cSld>
+  <p:clrMapOvr>
+    <a:masterClrMapping/>
+  </p:clrMapOvr>
 </p:sldLayout>
 </file>
 
 <file path=ppt/slideLayouts/slideLayout3.xml><?xml version="1.0" encoding="utf-8"?>
-<p:sldLayout xmlns:a="http://schemas.openxmlformats.org/drawingml/2006/main" xmlns:p="http://schemas.openxmlformats.org/presentationml/2006/main" xmlns:r="http://schemas.openxmlformats.org/officeDocument/2006/relationships" xmlns:p14="http://schemas.microsoft.com/office/powerpoint/2010/main" xmlns:p15="http://schemas.microsoft.com/office/powerpoint/2012/main" xmlns:mc="http://schemas.openxmlformats.org/markup-compatibility/2006" type="obj" preserve="1">
+<p:sldLayout xmlns:a="http://schemas.openxmlformats.org/drawingml/2006/main" xmlns:r="http://schemas.openxmlformats.org/officeDocument/2006/relationships" xmlns:p="http://schemas.openxmlformats.org/presentationml/2006/main" type="obj" preserve="1">
   <p:cSld name="Title, Content">
     <p:spTree>
       <p:nvGrpSpPr>
@@ -2177,11 +2902,12 @@
           </a:prstGeom>
         </p:spPr>
         <p:txBody>
-          <a:bodyPr lIns="0" rIns="0" tIns="0" bIns="0" anchor="ctr">
-            <a:noAutofit/>
-          </a:bodyPr>
-          <a:p>
-            <a:endParaRPr b="1" lang="en-US" sz="4400" spc="-1" strike="noStrike">
+          <a:bodyPr lIns="0" tIns="0" rIns="0" bIns="0" anchor="ctr">
+            <a:noAutofit/>
+          </a:bodyPr>
+          <a:lstStyle/>
+          <a:p>
+            <a:endParaRPr lang="en-US" sz="4400" b="1" strike="noStrike" spc="-1">
               <a:solidFill>
                 <a:srgbClr val="333333"/>
               </a:solidFill>
@@ -2210,11 +2936,12 @@
           </a:prstGeom>
         </p:spPr>
         <p:txBody>
-          <a:bodyPr lIns="0" rIns="0" tIns="0" bIns="0">
-            <a:noAutofit/>
-          </a:bodyPr>
-          <a:p>
-            <a:endParaRPr b="0" lang="en-US" sz="2800" spc="-1" strike="noStrike">
+          <a:bodyPr lIns="0" tIns="0" rIns="0" bIns="0">
+            <a:noAutofit/>
+          </a:bodyPr>
+          <a:lstStyle/>
+          <a:p>
+            <a:endParaRPr lang="en-US" sz="2800" b="0" strike="noStrike" spc="-1">
               <a:solidFill>
                 <a:srgbClr val="333333"/>
               </a:solidFill>
@@ -2225,11 +2952,14 @@
       </p:sp>
     </p:spTree>
   </p:cSld>
+  <p:clrMapOvr>
+    <a:masterClrMapping/>
+  </p:clrMapOvr>
 </p:sldLayout>
 </file>
 
 <file path=ppt/slideLayouts/slideLayout4.xml><?xml version="1.0" encoding="utf-8"?>
-<p:sldLayout xmlns:a="http://schemas.openxmlformats.org/drawingml/2006/main" xmlns:p="http://schemas.openxmlformats.org/presentationml/2006/main" xmlns:r="http://schemas.openxmlformats.org/officeDocument/2006/relationships" xmlns:p14="http://schemas.microsoft.com/office/powerpoint/2010/main" xmlns:p15="http://schemas.microsoft.com/office/powerpoint/2012/main" xmlns:mc="http://schemas.openxmlformats.org/markup-compatibility/2006" type="twoObj" preserve="1">
+<p:sldLayout xmlns:a="http://schemas.openxmlformats.org/drawingml/2006/main" xmlns:r="http://schemas.openxmlformats.org/officeDocument/2006/relationships" xmlns:p="http://schemas.openxmlformats.org/presentationml/2006/main" type="twoObj" preserve="1">
   <p:cSld name="Title, 2 Content">
     <p:spTree>
       <p:nvGrpSpPr>
@@ -2265,11 +2995,12 @@
           </a:prstGeom>
         </p:spPr>
         <p:txBody>
-          <a:bodyPr lIns="0" rIns="0" tIns="0" bIns="0" anchor="ctr">
-            <a:noAutofit/>
-          </a:bodyPr>
-          <a:p>
-            <a:endParaRPr b="1" lang="en-US" sz="4400" spc="-1" strike="noStrike">
+          <a:bodyPr lIns="0" tIns="0" rIns="0" bIns="0" anchor="ctr">
+            <a:noAutofit/>
+          </a:bodyPr>
+          <a:lstStyle/>
+          <a:p>
+            <a:endParaRPr lang="en-US" sz="4400" b="1" strike="noStrike" spc="-1">
               <a:solidFill>
                 <a:srgbClr val="333333"/>
               </a:solidFill>
@@ -2298,11 +3029,12 @@
           </a:prstGeom>
         </p:spPr>
         <p:txBody>
-          <a:bodyPr lIns="0" rIns="0" tIns="0" bIns="0">
-            <a:noAutofit/>
-          </a:bodyPr>
-          <a:p>
-            <a:endParaRPr b="0" lang="en-US" sz="2800" spc="-1" strike="noStrike">
+          <a:bodyPr lIns="0" tIns="0" rIns="0" bIns="0">
+            <a:noAutofit/>
+          </a:bodyPr>
+          <a:lstStyle/>
+          <a:p>
+            <a:endParaRPr lang="en-US" sz="2800" b="0" strike="noStrike" spc="-1">
               <a:solidFill>
                 <a:srgbClr val="333333"/>
               </a:solidFill>
@@ -2331,11 +3063,12 @@
           </a:prstGeom>
         </p:spPr>
         <p:txBody>
-          <a:bodyPr lIns="0" rIns="0" tIns="0" bIns="0">
-            <a:noAutofit/>
-          </a:bodyPr>
-          <a:p>
-            <a:endParaRPr b="0" lang="en-US" sz="2800" spc="-1" strike="noStrike">
+          <a:bodyPr lIns="0" tIns="0" rIns="0" bIns="0">
+            <a:noAutofit/>
+          </a:bodyPr>
+          <a:lstStyle/>
+          <a:p>
+            <a:endParaRPr lang="en-US" sz="2800" b="0" strike="noStrike" spc="-1">
               <a:solidFill>
                 <a:srgbClr val="333333"/>
               </a:solidFill>
@@ -2346,11 +3079,14 @@
       </p:sp>
     </p:spTree>
   </p:cSld>
+  <p:clrMapOvr>
+    <a:masterClrMapping/>
+  </p:clrMapOvr>
 </p:sldLayout>
 </file>
 
 <file path=ppt/slideLayouts/slideLayout5.xml><?xml version="1.0" encoding="utf-8"?>
-<p:sldLayout xmlns:a="http://schemas.openxmlformats.org/drawingml/2006/main" xmlns:p="http://schemas.openxmlformats.org/presentationml/2006/main" xmlns:r="http://schemas.openxmlformats.org/officeDocument/2006/relationships" xmlns:p14="http://schemas.microsoft.com/office/powerpoint/2010/main" xmlns:p15="http://schemas.microsoft.com/office/powerpoint/2012/main" xmlns:mc="http://schemas.openxmlformats.org/markup-compatibility/2006" type="titleOnly" preserve="1">
+<p:sldLayout xmlns:a="http://schemas.openxmlformats.org/drawingml/2006/main" xmlns:r="http://schemas.openxmlformats.org/officeDocument/2006/relationships" xmlns:p="http://schemas.openxmlformats.org/presentationml/2006/main" type="titleOnly" preserve="1">
   <p:cSld name="Title Only">
     <p:spTree>
       <p:nvGrpSpPr>
@@ -2386,11 +3122,12 @@
           </a:prstGeom>
         </p:spPr>
         <p:txBody>
-          <a:bodyPr lIns="0" rIns="0" tIns="0" bIns="0" anchor="ctr">
-            <a:noAutofit/>
-          </a:bodyPr>
-          <a:p>
-            <a:endParaRPr b="1" lang="en-US" sz="4400" spc="-1" strike="noStrike">
+          <a:bodyPr lIns="0" tIns="0" rIns="0" bIns="0" anchor="ctr">
+            <a:noAutofit/>
+          </a:bodyPr>
+          <a:lstStyle/>
+          <a:p>
+            <a:endParaRPr lang="en-US" sz="4400" b="1" strike="noStrike" spc="-1">
               <a:solidFill>
                 <a:srgbClr val="333333"/>
               </a:solidFill>
@@ -2401,11 +3138,14 @@
       </p:sp>
     </p:spTree>
   </p:cSld>
+  <p:clrMapOvr>
+    <a:masterClrMapping/>
+  </p:clrMapOvr>
 </p:sldLayout>
 </file>
 
 <file path=ppt/slideLayouts/slideLayout6.xml><?xml version="1.0" encoding="utf-8"?>
-<p:sldLayout xmlns:a="http://schemas.openxmlformats.org/drawingml/2006/main" xmlns:p="http://schemas.openxmlformats.org/presentationml/2006/main" xmlns:r="http://schemas.openxmlformats.org/officeDocument/2006/relationships" xmlns:p14="http://schemas.microsoft.com/office/powerpoint/2010/main" xmlns:p15="http://schemas.microsoft.com/office/powerpoint/2012/main" xmlns:mc="http://schemas.openxmlformats.org/markup-compatibility/2006" type="objOnly" preserve="1">
+<p:sldLayout xmlns:a="http://schemas.openxmlformats.org/drawingml/2006/main" xmlns:r="http://schemas.openxmlformats.org/officeDocument/2006/relationships" xmlns:p="http://schemas.openxmlformats.org/presentationml/2006/main" type="objOnly" preserve="1">
   <p:cSld name="Centered Text">
     <p:spTree>
       <p:nvGrpSpPr>
@@ -2441,12 +3181,13 @@
           </a:prstGeom>
         </p:spPr>
         <p:txBody>
-          <a:bodyPr lIns="0" rIns="0" tIns="0" bIns="0" anchor="ctr">
-            <a:noAutofit/>
-          </a:bodyPr>
+          <a:bodyPr lIns="0" tIns="0" rIns="0" bIns="0" anchor="ctr">
+            <a:noAutofit/>
+          </a:bodyPr>
+          <a:lstStyle/>
           <a:p>
             <a:pPr algn="ctr"/>
-            <a:endParaRPr b="0" lang="en-US" sz="3200" spc="-1" strike="noStrike">
+            <a:endParaRPr lang="en-US" sz="3200" b="0" strike="noStrike" spc="-1">
               <a:latin typeface="Arial"/>
             </a:endParaRPr>
           </a:p>
@@ -2454,11 +3195,14 @@
       </p:sp>
     </p:spTree>
   </p:cSld>
+  <p:clrMapOvr>
+    <a:masterClrMapping/>
+  </p:clrMapOvr>
 </p:sldLayout>
 </file>
 
 <file path=ppt/slideLayouts/slideLayout7.xml><?xml version="1.0" encoding="utf-8"?>
-<p:sldLayout xmlns:a="http://schemas.openxmlformats.org/drawingml/2006/main" xmlns:p="http://schemas.openxmlformats.org/presentationml/2006/main" xmlns:r="http://schemas.openxmlformats.org/officeDocument/2006/relationships" xmlns:p14="http://schemas.microsoft.com/office/powerpoint/2010/main" xmlns:p15="http://schemas.microsoft.com/office/powerpoint/2012/main" xmlns:mc="http://schemas.openxmlformats.org/markup-compatibility/2006" type="twoObjAndObj" preserve="1">
+<p:sldLayout xmlns:a="http://schemas.openxmlformats.org/drawingml/2006/main" xmlns:r="http://schemas.openxmlformats.org/officeDocument/2006/relationships" xmlns:p="http://schemas.openxmlformats.org/presentationml/2006/main" type="twoObjAndObj" preserve="1">
   <p:cSld name="Title, 2 Content and Content">
     <p:spTree>
       <p:nvGrpSpPr>
@@ -2494,11 +3238,12 @@
           </a:prstGeom>
         </p:spPr>
         <p:txBody>
-          <a:bodyPr lIns="0" rIns="0" tIns="0" bIns="0" anchor="ctr">
-            <a:noAutofit/>
-          </a:bodyPr>
-          <a:p>
-            <a:endParaRPr b="1" lang="en-US" sz="4400" spc="-1" strike="noStrike">
+          <a:bodyPr lIns="0" tIns="0" rIns="0" bIns="0" anchor="ctr">
+            <a:noAutofit/>
+          </a:bodyPr>
+          <a:lstStyle/>
+          <a:p>
+            <a:endParaRPr lang="en-US" sz="4400" b="1" strike="noStrike" spc="-1">
               <a:solidFill>
                 <a:srgbClr val="333333"/>
               </a:solidFill>
@@ -2527,11 +3272,12 @@
           </a:prstGeom>
         </p:spPr>
         <p:txBody>
-          <a:bodyPr lIns="0" rIns="0" tIns="0" bIns="0">
-            <a:noAutofit/>
-          </a:bodyPr>
-          <a:p>
-            <a:endParaRPr b="0" lang="en-US" sz="2800" spc="-1" strike="noStrike">
+          <a:bodyPr lIns="0" tIns="0" rIns="0" bIns="0">
+            <a:noAutofit/>
+          </a:bodyPr>
+          <a:lstStyle/>
+          <a:p>
+            <a:endParaRPr lang="en-US" sz="2800" b="0" strike="noStrike" spc="-1">
               <a:solidFill>
                 <a:srgbClr val="333333"/>
               </a:solidFill>
@@ -2560,11 +3306,12 @@
           </a:prstGeom>
         </p:spPr>
         <p:txBody>
-          <a:bodyPr lIns="0" rIns="0" tIns="0" bIns="0">
-            <a:noAutofit/>
-          </a:bodyPr>
-          <a:p>
-            <a:endParaRPr b="0" lang="en-US" sz="2800" spc="-1" strike="noStrike">
+          <a:bodyPr lIns="0" tIns="0" rIns="0" bIns="0">
+            <a:noAutofit/>
+          </a:bodyPr>
+          <a:lstStyle/>
+          <a:p>
+            <a:endParaRPr lang="en-US" sz="2800" b="0" strike="noStrike" spc="-1">
               <a:solidFill>
                 <a:srgbClr val="333333"/>
               </a:solidFill>
@@ -2593,11 +3340,12 @@
           </a:prstGeom>
         </p:spPr>
         <p:txBody>
-          <a:bodyPr lIns="0" rIns="0" tIns="0" bIns="0">
-            <a:noAutofit/>
-          </a:bodyPr>
-          <a:p>
-            <a:endParaRPr b="0" lang="en-US" sz="2800" spc="-1" strike="noStrike">
+          <a:bodyPr lIns="0" tIns="0" rIns="0" bIns="0">
+            <a:noAutofit/>
+          </a:bodyPr>
+          <a:lstStyle/>
+          <a:p>
+            <a:endParaRPr lang="en-US" sz="2800" b="0" strike="noStrike" spc="-1">
               <a:solidFill>
                 <a:srgbClr val="333333"/>
               </a:solidFill>
@@ -2608,11 +3356,14 @@
       </p:sp>
     </p:spTree>
   </p:cSld>
+  <p:clrMapOvr>
+    <a:masterClrMapping/>
+  </p:clrMapOvr>
 </p:sldLayout>
 </file>
 
 <file path=ppt/slideLayouts/slideLayout8.xml><?xml version="1.0" encoding="utf-8"?>
-<p:sldLayout xmlns:a="http://schemas.openxmlformats.org/drawingml/2006/main" xmlns:p="http://schemas.openxmlformats.org/presentationml/2006/main" xmlns:r="http://schemas.openxmlformats.org/officeDocument/2006/relationships" xmlns:p14="http://schemas.microsoft.com/office/powerpoint/2010/main" xmlns:p15="http://schemas.microsoft.com/office/powerpoint/2012/main" xmlns:mc="http://schemas.openxmlformats.org/markup-compatibility/2006" type="objAndTwoObj" preserve="1">
+<p:sldLayout xmlns:a="http://schemas.openxmlformats.org/drawingml/2006/main" xmlns:r="http://schemas.openxmlformats.org/officeDocument/2006/relationships" xmlns:p="http://schemas.openxmlformats.org/presentationml/2006/main" type="objAndTwoObj" preserve="1">
   <p:cSld name="Title Content and 2 Content">
     <p:spTree>
       <p:nvGrpSpPr>
@@ -2648,11 +3399,12 @@
           </a:prstGeom>
         </p:spPr>
         <p:txBody>
-          <a:bodyPr lIns="0" rIns="0" tIns="0" bIns="0" anchor="ctr">
-            <a:noAutofit/>
-          </a:bodyPr>
-          <a:p>
-            <a:endParaRPr b="1" lang="en-US" sz="4400" spc="-1" strike="noStrike">
+          <a:bodyPr lIns="0" tIns="0" rIns="0" bIns="0" anchor="ctr">
+            <a:noAutofit/>
+          </a:bodyPr>
+          <a:lstStyle/>
+          <a:p>
+            <a:endParaRPr lang="en-US" sz="4400" b="1" strike="noStrike" spc="-1">
               <a:solidFill>
                 <a:srgbClr val="333333"/>
               </a:solidFill>
@@ -2681,11 +3433,12 @@
           </a:prstGeom>
         </p:spPr>
         <p:txBody>
-          <a:bodyPr lIns="0" rIns="0" tIns="0" bIns="0">
-            <a:noAutofit/>
-          </a:bodyPr>
-          <a:p>
-            <a:endParaRPr b="0" lang="en-US" sz="2800" spc="-1" strike="noStrike">
+          <a:bodyPr lIns="0" tIns="0" rIns="0" bIns="0">
+            <a:noAutofit/>
+          </a:bodyPr>
+          <a:lstStyle/>
+          <a:p>
+            <a:endParaRPr lang="en-US" sz="2800" b="0" strike="noStrike" spc="-1">
               <a:solidFill>
                 <a:srgbClr val="333333"/>
               </a:solidFill>
@@ -2714,11 +3467,12 @@
           </a:prstGeom>
         </p:spPr>
         <p:txBody>
-          <a:bodyPr lIns="0" rIns="0" tIns="0" bIns="0">
-            <a:noAutofit/>
-          </a:bodyPr>
-          <a:p>
-            <a:endParaRPr b="0" lang="en-US" sz="2800" spc="-1" strike="noStrike">
+          <a:bodyPr lIns="0" tIns="0" rIns="0" bIns="0">
+            <a:noAutofit/>
+          </a:bodyPr>
+          <a:lstStyle/>
+          <a:p>
+            <a:endParaRPr lang="en-US" sz="2800" b="0" strike="noStrike" spc="-1">
               <a:solidFill>
                 <a:srgbClr val="333333"/>
               </a:solidFill>
@@ -2747,11 +3501,12 @@
           </a:prstGeom>
         </p:spPr>
         <p:txBody>
-          <a:bodyPr lIns="0" rIns="0" tIns="0" bIns="0">
-            <a:noAutofit/>
-          </a:bodyPr>
-          <a:p>
-            <a:endParaRPr b="0" lang="en-US" sz="2800" spc="-1" strike="noStrike">
+          <a:bodyPr lIns="0" tIns="0" rIns="0" bIns="0">
+            <a:noAutofit/>
+          </a:bodyPr>
+          <a:lstStyle/>
+          <a:p>
+            <a:endParaRPr lang="en-US" sz="2800" b="0" strike="noStrike" spc="-1">
               <a:solidFill>
                 <a:srgbClr val="333333"/>
               </a:solidFill>
@@ -2762,11 +3517,14 @@
       </p:sp>
     </p:spTree>
   </p:cSld>
+  <p:clrMapOvr>
+    <a:masterClrMapping/>
+  </p:clrMapOvr>
 </p:sldLayout>
 </file>
 
 <file path=ppt/slideLayouts/slideLayout9.xml><?xml version="1.0" encoding="utf-8"?>
-<p:sldLayout xmlns:a="http://schemas.openxmlformats.org/drawingml/2006/main" xmlns:p="http://schemas.openxmlformats.org/presentationml/2006/main" xmlns:r="http://schemas.openxmlformats.org/officeDocument/2006/relationships" xmlns:p14="http://schemas.microsoft.com/office/powerpoint/2010/main" xmlns:p15="http://schemas.microsoft.com/office/powerpoint/2012/main" xmlns:mc="http://schemas.openxmlformats.org/markup-compatibility/2006" type="twoObjOverTx" preserve="1">
+<p:sldLayout xmlns:a="http://schemas.openxmlformats.org/drawingml/2006/main" xmlns:r="http://schemas.openxmlformats.org/officeDocument/2006/relationships" xmlns:p="http://schemas.openxmlformats.org/presentationml/2006/main" type="twoObjOverTx" preserve="1">
   <p:cSld name="Title, 2 Content over Content">
     <p:spTree>
       <p:nvGrpSpPr>
@@ -2802,11 +3560,12 @@
           </a:prstGeom>
         </p:spPr>
         <p:txBody>
-          <a:bodyPr lIns="0" rIns="0" tIns="0" bIns="0" anchor="ctr">
-            <a:noAutofit/>
-          </a:bodyPr>
-          <a:p>
-            <a:endParaRPr b="1" lang="en-US" sz="4400" spc="-1" strike="noStrike">
+          <a:bodyPr lIns="0" tIns="0" rIns="0" bIns="0" anchor="ctr">
+            <a:noAutofit/>
+          </a:bodyPr>
+          <a:lstStyle/>
+          <a:p>
+            <a:endParaRPr lang="en-US" sz="4400" b="1" strike="noStrike" spc="-1">
               <a:solidFill>
                 <a:srgbClr val="333333"/>
               </a:solidFill>
@@ -2835,11 +3594,12 @@
           </a:prstGeom>
         </p:spPr>
         <p:txBody>
-          <a:bodyPr lIns="0" rIns="0" tIns="0" bIns="0">
-            <a:noAutofit/>
-          </a:bodyPr>
-          <a:p>
-            <a:endParaRPr b="0" lang="en-US" sz="2800" spc="-1" strike="noStrike">
+          <a:bodyPr lIns="0" tIns="0" rIns="0" bIns="0">
+            <a:noAutofit/>
+          </a:bodyPr>
+          <a:lstStyle/>
+          <a:p>
+            <a:endParaRPr lang="en-US" sz="2800" b="0" strike="noStrike" spc="-1">
               <a:solidFill>
                 <a:srgbClr val="333333"/>
               </a:solidFill>
@@ -2868,11 +3628,12 @@
           </a:prstGeom>
         </p:spPr>
         <p:txBody>
-          <a:bodyPr lIns="0" rIns="0" tIns="0" bIns="0">
-            <a:noAutofit/>
-          </a:bodyPr>
-          <a:p>
-            <a:endParaRPr b="0" lang="en-US" sz="2800" spc="-1" strike="noStrike">
+          <a:bodyPr lIns="0" tIns="0" rIns="0" bIns="0">
+            <a:noAutofit/>
+          </a:bodyPr>
+          <a:lstStyle/>
+          <a:p>
+            <a:endParaRPr lang="en-US" sz="2800" b="0" strike="noStrike" spc="-1">
               <a:solidFill>
                 <a:srgbClr val="333333"/>
               </a:solidFill>
@@ -2901,11 +3662,12 @@
           </a:prstGeom>
         </p:spPr>
         <p:txBody>
-          <a:bodyPr lIns="0" rIns="0" tIns="0" bIns="0">
-            <a:noAutofit/>
-          </a:bodyPr>
-          <a:p>
-            <a:endParaRPr b="0" lang="en-US" sz="2800" spc="-1" strike="noStrike">
+          <a:bodyPr lIns="0" tIns="0" rIns="0" bIns="0">
+            <a:noAutofit/>
+          </a:bodyPr>
+          <a:lstStyle/>
+          <a:p>
+            <a:endParaRPr lang="en-US" sz="2800" b="0" strike="noStrike" spc="-1">
               <a:solidFill>
                 <a:srgbClr val="333333"/>
               </a:solidFill>
@@ -2916,11 +3678,1398 @@
       </p:sp>
     </p:spTree>
   </p:cSld>
+  <p:clrMapOvr>
+    <a:masterClrMapping/>
+  </p:clrMapOvr>
 </p:sldLayout>
 </file>
 
 <file path=ppt/slideMasters/slideMaster1.xml><?xml version="1.0" encoding="utf-8"?>
-<p:sldMaster xmlns:a="http://schemas.openxmlformats.org/drawingml/2006/main" xmlns:p="http://schemas.openxmlformats.org/presentationml/2006/main" xmlns:r="http://schemas.openxmlformats.org/officeDocument/2006/relationships" xmlns:p14="http://schemas.microsoft.com/office/powerpoint/2010/main" xmlns:p15="http://schemas.microsoft.com/office/powerpoint/2012/main" xmlns:mc="http://schemas.openxmlformats.org/markup-compatibility/2006">
+<p:sldMaster xmlns:a="http://schemas.openxmlformats.org/drawingml/2006/main" xmlns:r="http://schemas.openxmlformats.org/officeDocument/2006/relationships" xmlns:p="http://schemas.openxmlformats.org/presentationml/2006/main">
+  <p:cSld>
+    <p:bg>
+      <p:bgRef idx="1001">
+        <a:schemeClr val="bg1"/>
+      </p:bgRef>
+    </p:bg>
+    <p:spTree>
+      <p:nvGrpSpPr>
+        <p:cNvPr id="1" name=""/>
+        <p:cNvGrpSpPr/>
+        <p:nvPr/>
+      </p:nvGrpSpPr>
+      <p:grpSpPr>
+        <a:xfrm>
+          <a:off x="0" y="0"/>
+          <a:ext cx="0" cy="0"/>
+          <a:chOff x="0" y="0"/>
+          <a:chExt cx="0" cy="0"/>
+        </a:xfrm>
+      </p:grpSpPr>
+      <p:sp>
+        <p:nvSpPr>
+          <p:cNvPr id="6" name="PlaceHolder 1"/>
+          <p:cNvSpPr>
+            <a:spLocks noGrp="1"/>
+          </p:cNvSpPr>
+          <p:nvPr>
+            <p:ph type="title"/>
+          </p:nvPr>
+        </p:nvSpPr>
+        <p:spPr>
+          <a:xfrm>
+            <a:off x="792000" y="4104000"/>
+            <a:ext cx="8568000" cy="1440000"/>
+          </a:xfrm>
+          <a:prstGeom prst="rect">
+            <a:avLst/>
+          </a:prstGeom>
+        </p:spPr>
+        <p:txBody>
+          <a:bodyPr lIns="0" tIns="0" rIns="0" bIns="0" anchor="ctr">
+            <a:normAutofit/>
+          </a:bodyPr>
+          <a:lstStyle/>
+          <a:p>
+            <a:r>
+              <a:rPr lang="en-US" sz="4800" b="1" strike="noStrike" spc="-1">
+                <a:solidFill>
+                  <a:srgbClr val="333333"/>
+                </a:solidFill>
+                <a:latin typeface="Noto Sans"/>
+              </a:rPr>
+              <a:t>Click to edit the title text format</a:t>
+            </a:r>
+          </a:p>
+        </p:txBody>
+      </p:sp>
+      <p:sp>
+        <p:nvSpPr>
+          <p:cNvPr id="7" name="PlaceHolder 2"/>
+          <p:cNvSpPr>
+            <a:spLocks noGrp="1"/>
+          </p:cNvSpPr>
+          <p:nvPr>
+            <p:ph type="body"/>
+          </p:nvPr>
+        </p:nvSpPr>
+        <p:spPr>
+          <a:xfrm>
+            <a:off x="792000" y="5904000"/>
+            <a:ext cx="8568000" cy="982440"/>
+          </a:xfrm>
+          <a:prstGeom prst="rect">
+            <a:avLst/>
+          </a:prstGeom>
+        </p:spPr>
+        <p:txBody>
+          <a:bodyPr lIns="0" tIns="0" rIns="0" bIns="0">
+            <a:normAutofit fontScale="16000"/>
+          </a:bodyPr>
+          <a:lstStyle/>
+          <a:p>
+            <a:pPr marL="432000" indent="-324000">
+              <a:spcAft>
+                <a:spcPts val="1879"/>
+              </a:spcAft>
+              <a:buClr>
+                <a:srgbClr val="333333"/>
+              </a:buClr>
+              <a:buSzPct val="45000"/>
+              <a:buFont typeface="Wingdings" charset="2"/>
+              <a:buChar char=""/>
+            </a:pPr>
+            <a:r>
+              <a:rPr lang="en-US" sz="2400" b="0" strike="noStrike" spc="-1">
+                <a:solidFill>
+                  <a:srgbClr val="333333"/>
+                </a:solidFill>
+                <a:latin typeface="Noto Sans"/>
+              </a:rPr>
+              <a:t>Click to edit the outline text format</a:t>
+            </a:r>
+          </a:p>
+          <a:p>
+            <a:pPr marL="864000" lvl="1" indent="-324000">
+              <a:spcAft>
+                <a:spcPts val="1497"/>
+              </a:spcAft>
+              <a:buClr>
+                <a:srgbClr val="FFFFFF"/>
+              </a:buClr>
+              <a:buSzPct val="75000"/>
+              <a:buFont typeface="Symbol" charset="2"/>
+              <a:buChar char=""/>
+            </a:pPr>
+            <a:r>
+              <a:rPr lang="en-US" sz="2400" b="0" strike="noStrike" spc="-1">
+                <a:solidFill>
+                  <a:srgbClr val="333333"/>
+                </a:solidFill>
+                <a:latin typeface="Noto Sans"/>
+              </a:rPr>
+              <a:t>Second Outline Level</a:t>
+            </a:r>
+          </a:p>
+          <a:p>
+            <a:pPr marL="1296000" lvl="2" indent="-288000">
+              <a:spcAft>
+                <a:spcPts val="1120"/>
+              </a:spcAft>
+              <a:buClr>
+                <a:srgbClr val="FFFFFF"/>
+              </a:buClr>
+              <a:buSzPct val="45000"/>
+              <a:buFont typeface="Wingdings" charset="2"/>
+              <a:buChar char=""/>
+            </a:pPr>
+            <a:r>
+              <a:rPr lang="en-US" sz="2400" b="0" strike="noStrike" spc="-1">
+                <a:solidFill>
+                  <a:srgbClr val="333333"/>
+                </a:solidFill>
+                <a:latin typeface="Noto Sans"/>
+              </a:rPr>
+              <a:t>Third Outline Level</a:t>
+            </a:r>
+          </a:p>
+          <a:p>
+            <a:pPr marL="1728000" lvl="3" indent="-216000">
+              <a:spcAft>
+                <a:spcPts val="743"/>
+              </a:spcAft>
+              <a:buClr>
+                <a:srgbClr val="FFFFFF"/>
+              </a:buClr>
+              <a:buSzPct val="75000"/>
+              <a:buFont typeface="Symbol" charset="2"/>
+              <a:buChar char=""/>
+            </a:pPr>
+            <a:r>
+              <a:rPr lang="en-US" sz="2400" b="0" strike="noStrike" spc="-1">
+                <a:solidFill>
+                  <a:srgbClr val="333333"/>
+                </a:solidFill>
+                <a:latin typeface="Noto Sans"/>
+              </a:rPr>
+              <a:t>Fourth Outline Level</a:t>
+            </a:r>
+          </a:p>
+          <a:p>
+            <a:pPr marL="2160000" lvl="4" indent="-216000">
+              <a:spcAft>
+                <a:spcPts val="366"/>
+              </a:spcAft>
+              <a:buClr>
+                <a:srgbClr val="FFFFFF"/>
+              </a:buClr>
+              <a:buSzPct val="45000"/>
+              <a:buFont typeface="Wingdings" charset="2"/>
+              <a:buChar char=""/>
+            </a:pPr>
+            <a:r>
+              <a:rPr lang="en-US" sz="2400" b="0" strike="noStrike" spc="-1">
+                <a:solidFill>
+                  <a:srgbClr val="333333"/>
+                </a:solidFill>
+                <a:latin typeface="Noto Sans"/>
+              </a:rPr>
+              <a:t>Fifth Outline Level</a:t>
+            </a:r>
+          </a:p>
+          <a:p>
+            <a:pPr marL="2592000" lvl="5" indent="-216000">
+              <a:spcAft>
+                <a:spcPts val="366"/>
+              </a:spcAft>
+              <a:buClr>
+                <a:srgbClr val="FFFFFF"/>
+              </a:buClr>
+              <a:buSzPct val="45000"/>
+              <a:buFont typeface="Wingdings" charset="2"/>
+              <a:buChar char=""/>
+            </a:pPr>
+            <a:r>
+              <a:rPr lang="en-US" sz="2400" b="0" strike="noStrike" spc="-1">
+                <a:solidFill>
+                  <a:srgbClr val="333333"/>
+                </a:solidFill>
+                <a:latin typeface="Noto Sans"/>
+              </a:rPr>
+              <a:t>Sixth Outline Level</a:t>
+            </a:r>
+          </a:p>
+          <a:p>
+            <a:pPr marL="3024000" lvl="6" indent="-216000">
+              <a:spcAft>
+                <a:spcPts val="366"/>
+              </a:spcAft>
+              <a:buClr>
+                <a:srgbClr val="FFFFFF"/>
+              </a:buClr>
+              <a:buSzPct val="45000"/>
+              <a:buFont typeface="Wingdings" charset="2"/>
+              <a:buChar char=""/>
+            </a:pPr>
+            <a:r>
+              <a:rPr lang="en-US" sz="2400" b="0" strike="noStrike" spc="-1">
+                <a:solidFill>
+                  <a:srgbClr val="333333"/>
+                </a:solidFill>
+                <a:latin typeface="Noto Sans"/>
+              </a:rPr>
+              <a:t>Seventh Outline Level</a:t>
+            </a:r>
+          </a:p>
+        </p:txBody>
+      </p:sp>
+      <p:sp>
+        <p:nvSpPr>
+          <p:cNvPr id="2" name="PlaceHolder 3"/>
+          <p:cNvSpPr>
+            <a:spLocks noGrp="1"/>
+          </p:cNvSpPr>
+          <p:nvPr>
+            <p:ph type="dt"/>
+          </p:nvPr>
+        </p:nvSpPr>
+        <p:spPr>
+          <a:xfrm>
+            <a:off x="504000" y="6886440"/>
+            <a:ext cx="2348280" cy="521280"/>
+          </a:xfrm>
+          <a:prstGeom prst="rect">
+            <a:avLst/>
+          </a:prstGeom>
+        </p:spPr>
+        <p:txBody>
+          <a:bodyPr lIns="0" tIns="0" rIns="0" bIns="0">
+            <a:noAutofit/>
+          </a:bodyPr>
+          <a:lstStyle/>
+          <a:p>
+            <a:r>
+              <a:rPr lang="en-US" sz="1400" b="0" strike="noStrike" spc="-1">
+                <a:latin typeface="Noto Sans"/>
+              </a:rPr>
+              <a:t>&lt;date/time&gt;</a:t>
+            </a:r>
+          </a:p>
+        </p:txBody>
+      </p:sp>
+      <p:sp>
+        <p:nvSpPr>
+          <p:cNvPr id="3" name="PlaceHolder 4"/>
+          <p:cNvSpPr>
+            <a:spLocks noGrp="1"/>
+          </p:cNvSpPr>
+          <p:nvPr>
+            <p:ph type="ftr"/>
+          </p:nvPr>
+        </p:nvSpPr>
+        <p:spPr>
+          <a:xfrm>
+            <a:off x="3447360" y="6886440"/>
+            <a:ext cx="3195000" cy="521280"/>
+          </a:xfrm>
+          <a:prstGeom prst="rect">
+            <a:avLst/>
+          </a:prstGeom>
+        </p:spPr>
+        <p:txBody>
+          <a:bodyPr lIns="0" tIns="0" rIns="0" bIns="0">
+            <a:noAutofit/>
+          </a:bodyPr>
+          <a:lstStyle/>
+          <a:p>
+            <a:pPr algn="ctr"/>
+            <a:r>
+              <a:rPr lang="en-US" sz="1400" b="0" strike="noStrike" spc="-1">
+                <a:latin typeface="Noto Sans"/>
+              </a:rPr>
+              <a:t>&lt;footer&gt;</a:t>
+            </a:r>
+          </a:p>
+        </p:txBody>
+      </p:sp>
+      <p:sp>
+        <p:nvSpPr>
+          <p:cNvPr id="4" name="PlaceHolder 5"/>
+          <p:cNvSpPr>
+            <a:spLocks noGrp="1"/>
+          </p:cNvSpPr>
+          <p:nvPr>
+            <p:ph type="sldNum"/>
+          </p:nvPr>
+        </p:nvSpPr>
+        <p:spPr>
+          <a:xfrm>
+            <a:off x="7227360" y="6886440"/>
+            <a:ext cx="2348280" cy="521280"/>
+          </a:xfrm>
+          <a:prstGeom prst="rect">
+            <a:avLst/>
+          </a:prstGeom>
+        </p:spPr>
+        <p:txBody>
+          <a:bodyPr lIns="0" tIns="0" rIns="0" bIns="0">
+            <a:noAutofit/>
+          </a:bodyPr>
+          <a:lstStyle/>
+          <a:p>
+            <a:pPr algn="r"/>
+            <a:fld id="{C2887EB6-4BB3-43A4-A04E-C1E323160FAA}" type="slidenum">
+              <a:rPr lang="en-US" sz="1400" b="0" strike="noStrike" spc="-1">
+                <a:latin typeface="Noto Sans"/>
+              </a:rPr>
+              <a:t>‹#›</a:t>
+            </a:fld>
+            <a:r>
+              <a:rPr lang="en-US" sz="1400" b="0" strike="noStrike" spc="-1">
+                <a:latin typeface="Noto Sans"/>
+              </a:rPr>
+              <a:t> / </a:t>
+            </a:r>
+            <a:fld id="{D244C6F2-1462-44C5-94A7-64BE13E5A1E8}" type="slidecount">
+              <a:rPr lang="en-US" sz="1400" b="0" strike="noStrike" spc="-1">
+                <a:latin typeface="Noto Sans"/>
+              </a:rPr>
+              <a:t>11</a:t>
+            </a:fld>
+            <a:endParaRPr lang="en-US" sz="1400" b="0" strike="noStrike" spc="-1">
+              <a:latin typeface="Noto Sans"/>
+            </a:endParaRPr>
+          </a:p>
+        </p:txBody>
+      </p:sp>
+      <p:sp>
+        <p:nvSpPr>
+          <p:cNvPr id="5" name="CustomShape 6"/>
+          <p:cNvSpPr/>
+          <p:nvPr/>
+        </p:nvSpPr>
+        <p:spPr>
+          <a:xfrm>
+            <a:off x="0" y="4320000"/>
+            <a:ext cx="504000" cy="1080000"/>
+          </a:xfrm>
+          <a:prstGeom prst="rect">
+            <a:avLst/>
+          </a:prstGeom>
+          <a:solidFill>
+            <a:srgbClr val="EF2929"/>
+          </a:solidFill>
+          <a:ln>
+            <a:noFill/>
+          </a:ln>
+        </p:spPr>
+        <p:style>
+          <a:lnRef idx="0">
+            <a:scrgbClr r="0" g="0" b="0"/>
+          </a:lnRef>
+          <a:fillRef idx="0">
+            <a:scrgbClr r="0" g="0" b="0"/>
+          </a:fillRef>
+          <a:effectRef idx="0">
+            <a:scrgbClr r="0" g="0" b="0"/>
+          </a:effectRef>
+          <a:fontRef idx="minor"/>
+        </p:style>
+      </p:sp>
+    </p:spTree>
+  </p:cSld>
+  <p:clrMap bg1="lt1" tx1="dk1" bg2="lt2" tx2="dk2" accent1="accent1" accent2="accent2" accent3="accent3" accent4="accent4" accent5="accent5" accent6="accent6" hlink="hlink" folHlink="folHlink"/>
+  <p:sldLayoutIdLst>
+    <p:sldLayoutId id="2147483649" r:id="rId1"/>
+    <p:sldLayoutId id="2147483650" r:id="rId2"/>
+    <p:sldLayoutId id="2147483651" r:id="rId3"/>
+    <p:sldLayoutId id="2147483652" r:id="rId4"/>
+    <p:sldLayoutId id="2147483653" r:id="rId5"/>
+    <p:sldLayoutId id="2147483654" r:id="rId6"/>
+    <p:sldLayoutId id="2147483655" r:id="rId7"/>
+    <p:sldLayoutId id="2147483656" r:id="rId8"/>
+    <p:sldLayoutId id="2147483657" r:id="rId9"/>
+    <p:sldLayoutId id="2147483658" r:id="rId10"/>
+    <p:sldLayoutId id="2147483659" r:id="rId11"/>
+    <p:sldLayoutId id="2147483660" r:id="rId12"/>
+  </p:sldLayoutIdLst>
+  <p:txStyles>
+    <p:titleStyle>
+      <a:lvl1pPr algn="l" defTabSz="914400" rtl="0" eaLnBrk="1" latinLnBrk="0" hangingPunct="1">
+        <a:lnSpc>
+          <a:spcPct val="90000"/>
+        </a:lnSpc>
+        <a:spcBef>
+          <a:spcPct val="0"/>
+        </a:spcBef>
+        <a:buNone/>
+        <a:defRPr sz="4400" kern="1200">
+          <a:solidFill>
+            <a:schemeClr val="tx1"/>
+          </a:solidFill>
+          <a:latin typeface="+mj-lt"/>
+          <a:ea typeface="+mj-ea"/>
+          <a:cs typeface="+mj-cs"/>
+        </a:defRPr>
+      </a:lvl1pPr>
+    </p:titleStyle>
+    <p:bodyStyle>
+      <a:lvl1pPr marL="228600" indent="-228600" algn="l" defTabSz="914400" rtl="0" eaLnBrk="1" latinLnBrk="0" hangingPunct="1">
+        <a:lnSpc>
+          <a:spcPct val="90000"/>
+        </a:lnSpc>
+        <a:spcBef>
+          <a:spcPts val="1000"/>
+        </a:spcBef>
+        <a:buFont typeface="Arial" panose="020B0604020202020204" pitchFamily="34" charset="0"/>
+        <a:buChar char="•"/>
+        <a:defRPr sz="2800" kern="1200">
+          <a:solidFill>
+            <a:schemeClr val="tx1"/>
+          </a:solidFill>
+          <a:latin typeface="+mn-lt"/>
+          <a:ea typeface="+mn-ea"/>
+          <a:cs typeface="+mn-cs"/>
+        </a:defRPr>
+      </a:lvl1pPr>
+      <a:lvl2pPr marL="685800" indent="-228600" algn="l" defTabSz="914400" rtl="0" eaLnBrk="1" latinLnBrk="0" hangingPunct="1">
+        <a:lnSpc>
+          <a:spcPct val="90000"/>
+        </a:lnSpc>
+        <a:spcBef>
+          <a:spcPts val="500"/>
+        </a:spcBef>
+        <a:buFont typeface="Arial" panose="020B0604020202020204" pitchFamily="34" charset="0"/>
+        <a:buChar char="•"/>
+        <a:defRPr sz="2400" kern="1200">
+          <a:solidFill>
+            <a:schemeClr val="tx1"/>
+          </a:solidFill>
+          <a:latin typeface="+mn-lt"/>
+          <a:ea typeface="+mn-ea"/>
+          <a:cs typeface="+mn-cs"/>
+        </a:defRPr>
+      </a:lvl2pPr>
+      <a:lvl3pPr marL="1143000" indent="-228600" algn="l" defTabSz="914400" rtl="0" eaLnBrk="1" latinLnBrk="0" hangingPunct="1">
+        <a:lnSpc>
+          <a:spcPct val="90000"/>
+        </a:lnSpc>
+        <a:spcBef>
+          <a:spcPts val="500"/>
+        </a:spcBef>
+        <a:buFont typeface="Arial" panose="020B0604020202020204" pitchFamily="34" charset="0"/>
+        <a:buChar char="•"/>
+        <a:defRPr sz="2000" kern="1200">
+          <a:solidFill>
+            <a:schemeClr val="tx1"/>
+          </a:solidFill>
+          <a:latin typeface="+mn-lt"/>
+          <a:ea typeface="+mn-ea"/>
+          <a:cs typeface="+mn-cs"/>
+        </a:defRPr>
+      </a:lvl3pPr>
+      <a:lvl4pPr marL="1600200" indent="-228600" algn="l" defTabSz="914400" rtl="0" eaLnBrk="1" latinLnBrk="0" hangingPunct="1">
+        <a:lnSpc>
+          <a:spcPct val="90000"/>
+        </a:lnSpc>
+        <a:spcBef>
+          <a:spcPts val="500"/>
+        </a:spcBef>
+        <a:buFont typeface="Arial" panose="020B0604020202020204" pitchFamily="34" charset="0"/>
+        <a:buChar char="•"/>
+        <a:defRPr sz="1800" kern="1200">
+          <a:solidFill>
+            <a:schemeClr val="tx1"/>
+          </a:solidFill>
+          <a:latin typeface="+mn-lt"/>
+          <a:ea typeface="+mn-ea"/>
+          <a:cs typeface="+mn-cs"/>
+        </a:defRPr>
+      </a:lvl4pPr>
+      <a:lvl5pPr marL="2057400" indent="-228600" algn="l" defTabSz="914400" rtl="0" eaLnBrk="1" latinLnBrk="0" hangingPunct="1">
+        <a:lnSpc>
+          <a:spcPct val="90000"/>
+        </a:lnSpc>
+        <a:spcBef>
+          <a:spcPts val="500"/>
+        </a:spcBef>
+        <a:buFont typeface="Arial" panose="020B0604020202020204" pitchFamily="34" charset="0"/>
+        <a:buChar char="•"/>
+        <a:defRPr sz="1800" kern="1200">
+          <a:solidFill>
+            <a:schemeClr val="tx1"/>
+          </a:solidFill>
+          <a:latin typeface="+mn-lt"/>
+          <a:ea typeface="+mn-ea"/>
+          <a:cs typeface="+mn-cs"/>
+        </a:defRPr>
+      </a:lvl5pPr>
+      <a:lvl6pPr marL="2514600" indent="-228600" algn="l" defTabSz="914400" rtl="0" eaLnBrk="1" latinLnBrk="0" hangingPunct="1">
+        <a:lnSpc>
+          <a:spcPct val="90000"/>
+        </a:lnSpc>
+        <a:spcBef>
+          <a:spcPts val="500"/>
+        </a:spcBef>
+        <a:buFont typeface="Arial" panose="020B0604020202020204" pitchFamily="34" charset="0"/>
+        <a:buChar char="•"/>
+        <a:defRPr sz="1800" kern="1200">
+          <a:solidFill>
+            <a:schemeClr val="tx1"/>
+          </a:solidFill>
+          <a:latin typeface="+mn-lt"/>
+          <a:ea typeface="+mn-ea"/>
+          <a:cs typeface="+mn-cs"/>
+        </a:defRPr>
+      </a:lvl6pPr>
+      <a:lvl7pPr marL="2971800" indent="-228600" algn="l" defTabSz="914400" rtl="0" eaLnBrk="1" latinLnBrk="0" hangingPunct="1">
+        <a:lnSpc>
+          <a:spcPct val="90000"/>
+        </a:lnSpc>
+        <a:spcBef>
+          <a:spcPts val="500"/>
+        </a:spcBef>
+        <a:buFont typeface="Arial" panose="020B0604020202020204" pitchFamily="34" charset="0"/>
+        <a:buChar char="•"/>
+        <a:defRPr sz="1800" kern="1200">
+          <a:solidFill>
+            <a:schemeClr val="tx1"/>
+          </a:solidFill>
+          <a:latin typeface="+mn-lt"/>
+          <a:ea typeface="+mn-ea"/>
+          <a:cs typeface="+mn-cs"/>
+        </a:defRPr>
+      </a:lvl7pPr>
+      <a:lvl8pPr marL="3429000" indent="-228600" algn="l" defTabSz="914400" rtl="0" eaLnBrk="1" latinLnBrk="0" hangingPunct="1">
+        <a:lnSpc>
+          <a:spcPct val="90000"/>
+        </a:lnSpc>
+        <a:spcBef>
+          <a:spcPts val="500"/>
+        </a:spcBef>
+        <a:buFont typeface="Arial" panose="020B0604020202020204" pitchFamily="34" charset="0"/>
+        <a:buChar char="•"/>
+        <a:defRPr sz="1800" kern="1200">
+          <a:solidFill>
+            <a:schemeClr val="tx1"/>
+          </a:solidFill>
+          <a:latin typeface="+mn-lt"/>
+          <a:ea typeface="+mn-ea"/>
+          <a:cs typeface="+mn-cs"/>
+        </a:defRPr>
+      </a:lvl8pPr>
+      <a:lvl9pPr marL="3886200" indent="-228600" algn="l" defTabSz="914400" rtl="0" eaLnBrk="1" latinLnBrk="0" hangingPunct="1">
+        <a:lnSpc>
+          <a:spcPct val="90000"/>
+        </a:lnSpc>
+        <a:spcBef>
+          <a:spcPts val="500"/>
+        </a:spcBef>
+        <a:buFont typeface="Arial" panose="020B0604020202020204" pitchFamily="34" charset="0"/>
+        <a:buChar char="•"/>
+        <a:defRPr sz="1800" kern="1200">
+          <a:solidFill>
+            <a:schemeClr val="tx1"/>
+          </a:solidFill>
+          <a:latin typeface="+mn-lt"/>
+          <a:ea typeface="+mn-ea"/>
+          <a:cs typeface="+mn-cs"/>
+        </a:defRPr>
+      </a:lvl9pPr>
+    </p:bodyStyle>
+    <p:otherStyle>
+      <a:defPPr>
+        <a:defRPr lang="en-US"/>
+      </a:defPPr>
+      <a:lvl1pPr marL="0" algn="l" defTabSz="914400" rtl="0" eaLnBrk="1" latinLnBrk="0" hangingPunct="1">
+        <a:defRPr sz="1800" kern="1200">
+          <a:solidFill>
+            <a:schemeClr val="tx1"/>
+          </a:solidFill>
+          <a:latin typeface="+mn-lt"/>
+          <a:ea typeface="+mn-ea"/>
+          <a:cs typeface="+mn-cs"/>
+        </a:defRPr>
+      </a:lvl1pPr>
+      <a:lvl2pPr marL="457200" algn="l" defTabSz="914400" rtl="0" eaLnBrk="1" latinLnBrk="0" hangingPunct="1">
+        <a:defRPr sz="1800" kern="1200">
+          <a:solidFill>
+            <a:schemeClr val="tx1"/>
+          </a:solidFill>
+          <a:latin typeface="+mn-lt"/>
+          <a:ea typeface="+mn-ea"/>
+          <a:cs typeface="+mn-cs"/>
+        </a:defRPr>
+      </a:lvl2pPr>
+      <a:lvl3pPr marL="914400" algn="l" defTabSz="914400" rtl="0" eaLnBrk="1" latinLnBrk="0" hangingPunct="1">
+        <a:defRPr sz="1800" kern="1200">
+          <a:solidFill>
+            <a:schemeClr val="tx1"/>
+          </a:solidFill>
+          <a:latin typeface="+mn-lt"/>
+          <a:ea typeface="+mn-ea"/>
+          <a:cs typeface="+mn-cs"/>
+        </a:defRPr>
+      </a:lvl3pPr>
+      <a:lvl4pPr marL="1371600" algn="l" defTabSz="914400" rtl="0" eaLnBrk="1" latinLnBrk="0" hangingPunct="1">
+        <a:defRPr sz="1800" kern="1200">
+          <a:solidFill>
+            <a:schemeClr val="tx1"/>
+          </a:solidFill>
+          <a:latin typeface="+mn-lt"/>
+          <a:ea typeface="+mn-ea"/>
+          <a:cs typeface="+mn-cs"/>
+        </a:defRPr>
+      </a:lvl4pPr>
+      <a:lvl5pPr marL="1828800" algn="l" defTabSz="914400" rtl="0" eaLnBrk="1" latinLnBrk="0" hangingPunct="1">
+        <a:defRPr sz="1800" kern="1200">
+          <a:solidFill>
+            <a:schemeClr val="tx1"/>
+          </a:solidFill>
+          <a:latin typeface="+mn-lt"/>
+          <a:ea typeface="+mn-ea"/>
+          <a:cs typeface="+mn-cs"/>
+        </a:defRPr>
+      </a:lvl5pPr>
+      <a:lvl6pPr marL="2286000" algn="l" defTabSz="914400" rtl="0" eaLnBrk="1" latinLnBrk="0" hangingPunct="1">
+        <a:defRPr sz="1800" kern="1200">
+          <a:solidFill>
+            <a:schemeClr val="tx1"/>
+          </a:solidFill>
+          <a:latin typeface="+mn-lt"/>
+          <a:ea typeface="+mn-ea"/>
+          <a:cs typeface="+mn-cs"/>
+        </a:defRPr>
+      </a:lvl6pPr>
+      <a:lvl7pPr marL="2743200" algn="l" defTabSz="914400" rtl="0" eaLnBrk="1" latinLnBrk="0" hangingPunct="1">
+        <a:defRPr sz="1800" kern="1200">
+          <a:solidFill>
+            <a:schemeClr val="tx1"/>
+          </a:solidFill>
+          <a:latin typeface="+mn-lt"/>
+          <a:ea typeface="+mn-ea"/>
+          <a:cs typeface="+mn-cs"/>
+        </a:defRPr>
+      </a:lvl7pPr>
+      <a:lvl8pPr marL="3200400" algn="l" defTabSz="914400" rtl="0" eaLnBrk="1" latinLnBrk="0" hangingPunct="1">
+        <a:defRPr sz="1800" kern="1200">
+          <a:solidFill>
+            <a:schemeClr val="tx1"/>
+          </a:solidFill>
+          <a:latin typeface="+mn-lt"/>
+          <a:ea typeface="+mn-ea"/>
+          <a:cs typeface="+mn-cs"/>
+        </a:defRPr>
+      </a:lvl8pPr>
+      <a:lvl9pPr marL="3657600" algn="l" defTabSz="914400" rtl="0" eaLnBrk="1" latinLnBrk="0" hangingPunct="1">
+        <a:defRPr sz="1800" kern="1200">
+          <a:solidFill>
+            <a:schemeClr val="tx1"/>
+          </a:solidFill>
+          <a:latin typeface="+mn-lt"/>
+          <a:ea typeface="+mn-ea"/>
+          <a:cs typeface="+mn-cs"/>
+        </a:defRPr>
+      </a:lvl9pPr>
+    </p:otherStyle>
+  </p:txStyles>
+</p:sldMaster>
+</file>
+
+<file path=ppt/slideMasters/slideMaster2.xml><?xml version="1.0" encoding="utf-8"?>
+<p:sldMaster xmlns:a="http://schemas.openxmlformats.org/drawingml/2006/main" xmlns:r="http://schemas.openxmlformats.org/officeDocument/2006/relationships" xmlns:p="http://schemas.openxmlformats.org/presentationml/2006/main">
+  <p:cSld>
+    <p:bg>
+      <p:bgRef idx="1001">
+        <a:schemeClr val="bg1"/>
+      </p:bgRef>
+    </p:bg>
+    <p:spTree>
+      <p:nvGrpSpPr>
+        <p:cNvPr id="1" name=""/>
+        <p:cNvGrpSpPr/>
+        <p:nvPr/>
+      </p:nvGrpSpPr>
+      <p:grpSpPr>
+        <a:xfrm>
+          <a:off x="0" y="0"/>
+          <a:ext cx="0" cy="0"/>
+          <a:chOff x="0" y="0"/>
+          <a:chExt cx="0" cy="0"/>
+        </a:xfrm>
+      </p:grpSpPr>
+      <p:sp>
+        <p:nvSpPr>
+          <p:cNvPr id="42" name="PlaceHolder 1"/>
+          <p:cNvSpPr>
+            <a:spLocks noGrp="1"/>
+          </p:cNvSpPr>
+          <p:nvPr>
+            <p:ph type="title"/>
+          </p:nvPr>
+        </p:nvSpPr>
+        <p:spPr>
+          <a:xfrm>
+            <a:off x="720000" y="300960"/>
+            <a:ext cx="8855640" cy="1262520"/>
+          </a:xfrm>
+          <a:prstGeom prst="rect">
+            <a:avLst/>
+          </a:prstGeom>
+        </p:spPr>
+        <p:txBody>
+          <a:bodyPr lIns="0" tIns="0" rIns="0" bIns="0" anchor="ctr">
+            <a:noAutofit/>
+          </a:bodyPr>
+          <a:lstStyle/>
+          <a:p>
+            <a:r>
+              <a:rPr lang="en-US" sz="4400" b="1" strike="noStrike" spc="-1">
+                <a:solidFill>
+                  <a:srgbClr val="333333"/>
+                </a:solidFill>
+                <a:latin typeface="Noto Sans"/>
+              </a:rPr>
+              <a:t>Click to edit the title text format</a:t>
+            </a:r>
+          </a:p>
+        </p:txBody>
+      </p:sp>
+      <p:sp>
+        <p:nvSpPr>
+          <p:cNvPr id="43" name="PlaceHolder 2"/>
+          <p:cNvSpPr>
+            <a:spLocks noGrp="1"/>
+          </p:cNvSpPr>
+          <p:nvPr>
+            <p:ph type="body"/>
+          </p:nvPr>
+        </p:nvSpPr>
+        <p:spPr>
+          <a:xfrm>
+            <a:off x="720000" y="2160000"/>
+            <a:ext cx="8640000" cy="4384800"/>
+          </a:xfrm>
+          <a:prstGeom prst="rect">
+            <a:avLst/>
+          </a:prstGeom>
+        </p:spPr>
+        <p:txBody>
+          <a:bodyPr lIns="0" tIns="0" rIns="0" bIns="0">
+            <a:noAutofit/>
+          </a:bodyPr>
+          <a:lstStyle/>
+          <a:p>
+            <a:pPr marL="432000" indent="-324000">
+              <a:spcAft>
+                <a:spcPts val="1414"/>
+              </a:spcAft>
+              <a:buClr>
+                <a:srgbClr val="EF2929"/>
+              </a:buClr>
+              <a:buSzPct val="45000"/>
+              <a:buFont typeface="Wingdings" charset="2"/>
+              <a:buChar char=""/>
+            </a:pPr>
+            <a:r>
+              <a:rPr lang="en-US" sz="2800" b="0" strike="noStrike" spc="-1">
+                <a:solidFill>
+                  <a:srgbClr val="333333"/>
+                </a:solidFill>
+                <a:latin typeface="Noto Sans"/>
+              </a:rPr>
+              <a:t>Click to edit the outline text format</a:t>
+            </a:r>
+          </a:p>
+          <a:p>
+            <a:pPr marL="864000" lvl="1" indent="-324000">
+              <a:spcAft>
+                <a:spcPts val="1134"/>
+              </a:spcAft>
+              <a:buClr>
+                <a:srgbClr val="EF2929"/>
+              </a:buClr>
+              <a:buSzPct val="75000"/>
+              <a:buFont typeface="Symbol" charset="2"/>
+              <a:buChar char=""/>
+            </a:pPr>
+            <a:r>
+              <a:rPr lang="en-US" sz="2800" b="0" strike="noStrike" spc="-1">
+                <a:solidFill>
+                  <a:srgbClr val="333333"/>
+                </a:solidFill>
+                <a:latin typeface="Noto Sans"/>
+              </a:rPr>
+              <a:t>Second Outline Level</a:t>
+            </a:r>
+          </a:p>
+          <a:p>
+            <a:pPr marL="1296000" lvl="2" indent="-288000">
+              <a:spcAft>
+                <a:spcPts val="845"/>
+              </a:spcAft>
+              <a:buClr>
+                <a:srgbClr val="EF2929"/>
+              </a:buClr>
+              <a:buSzPct val="45000"/>
+              <a:buFont typeface="Wingdings" charset="2"/>
+              <a:buChar char=""/>
+            </a:pPr>
+            <a:r>
+              <a:rPr lang="en-US" sz="2800" b="0" strike="noStrike" spc="-1">
+                <a:solidFill>
+                  <a:srgbClr val="333333"/>
+                </a:solidFill>
+                <a:latin typeface="Noto Sans"/>
+              </a:rPr>
+              <a:t>Third Outline Level</a:t>
+            </a:r>
+          </a:p>
+          <a:p>
+            <a:pPr marL="1728000" lvl="3" indent="-216000">
+              <a:spcAft>
+                <a:spcPts val="567"/>
+              </a:spcAft>
+              <a:buClr>
+                <a:srgbClr val="EF2929"/>
+              </a:buClr>
+              <a:buSzPct val="75000"/>
+              <a:buFont typeface="Symbol" charset="2"/>
+              <a:buChar char=""/>
+            </a:pPr>
+            <a:r>
+              <a:rPr lang="en-US" sz="2800" b="0" strike="noStrike" spc="-1">
+                <a:solidFill>
+                  <a:srgbClr val="333333"/>
+                </a:solidFill>
+                <a:latin typeface="Noto Sans"/>
+              </a:rPr>
+              <a:t>Fourth Outline Level</a:t>
+            </a:r>
+          </a:p>
+          <a:p>
+            <a:pPr marL="2160000" lvl="4" indent="-216000">
+              <a:spcAft>
+                <a:spcPts val="283"/>
+              </a:spcAft>
+              <a:buClr>
+                <a:srgbClr val="EF2929"/>
+              </a:buClr>
+              <a:buSzPct val="45000"/>
+              <a:buFont typeface="Wingdings" charset="2"/>
+              <a:buChar char=""/>
+            </a:pPr>
+            <a:r>
+              <a:rPr lang="en-US" sz="2800" b="0" strike="noStrike" spc="-1">
+                <a:solidFill>
+                  <a:srgbClr val="333333"/>
+                </a:solidFill>
+                <a:latin typeface="Noto Sans"/>
+              </a:rPr>
+              <a:t>Fifth Outline Level</a:t>
+            </a:r>
+          </a:p>
+          <a:p>
+            <a:pPr marL="2592000" lvl="5" indent="-216000">
+              <a:spcAft>
+                <a:spcPts val="283"/>
+              </a:spcAft>
+              <a:buClr>
+                <a:srgbClr val="EF2929"/>
+              </a:buClr>
+              <a:buSzPct val="45000"/>
+              <a:buFont typeface="Wingdings" charset="2"/>
+              <a:buChar char=""/>
+            </a:pPr>
+            <a:r>
+              <a:rPr lang="en-US" sz="2800" b="0" strike="noStrike" spc="-1">
+                <a:solidFill>
+                  <a:srgbClr val="333333"/>
+                </a:solidFill>
+                <a:latin typeface="Noto Sans"/>
+              </a:rPr>
+              <a:t>Sixth Outline Level</a:t>
+            </a:r>
+          </a:p>
+          <a:p>
+            <a:pPr marL="3024000" lvl="6" indent="-216000">
+              <a:spcAft>
+                <a:spcPts val="283"/>
+              </a:spcAft>
+              <a:buClr>
+                <a:srgbClr val="EF2929"/>
+              </a:buClr>
+              <a:buSzPct val="45000"/>
+              <a:buFont typeface="Wingdings" charset="2"/>
+              <a:buChar char=""/>
+            </a:pPr>
+            <a:r>
+              <a:rPr lang="en-US" sz="2800" b="0" strike="noStrike" spc="-1">
+                <a:solidFill>
+                  <a:srgbClr val="333333"/>
+                </a:solidFill>
+                <a:latin typeface="Noto Sans"/>
+              </a:rPr>
+              <a:t>Seventh Outline Level</a:t>
+            </a:r>
+          </a:p>
+        </p:txBody>
+      </p:sp>
+      <p:sp>
+        <p:nvSpPr>
+          <p:cNvPr id="44" name="PlaceHolder 3"/>
+          <p:cNvSpPr>
+            <a:spLocks noGrp="1"/>
+          </p:cNvSpPr>
+          <p:nvPr>
+            <p:ph type="dt"/>
+          </p:nvPr>
+        </p:nvSpPr>
+        <p:spPr>
+          <a:xfrm>
+            <a:off x="504000" y="6886800"/>
+            <a:ext cx="2348280" cy="521280"/>
+          </a:xfrm>
+          <a:prstGeom prst="rect">
+            <a:avLst/>
+          </a:prstGeom>
+        </p:spPr>
+        <p:txBody>
+          <a:bodyPr lIns="0" tIns="0" rIns="0" bIns="0">
+            <a:noAutofit/>
+          </a:bodyPr>
+          <a:lstStyle/>
+          <a:p>
+            <a:r>
+              <a:rPr lang="en-US" sz="1400" b="0" strike="noStrike" spc="-1">
+                <a:latin typeface="Noto Sans"/>
+              </a:rPr>
+              <a:t>&lt;date/time&gt;</a:t>
+            </a:r>
+          </a:p>
+        </p:txBody>
+      </p:sp>
+      <p:sp>
+        <p:nvSpPr>
+          <p:cNvPr id="45" name="PlaceHolder 4"/>
+          <p:cNvSpPr>
+            <a:spLocks noGrp="1"/>
+          </p:cNvSpPr>
+          <p:nvPr>
+            <p:ph type="ftr"/>
+          </p:nvPr>
+        </p:nvSpPr>
+        <p:spPr>
+          <a:xfrm>
+            <a:off x="3447360" y="6886800"/>
+            <a:ext cx="3195000" cy="521280"/>
+          </a:xfrm>
+          <a:prstGeom prst="rect">
+            <a:avLst/>
+          </a:prstGeom>
+        </p:spPr>
+        <p:txBody>
+          <a:bodyPr lIns="0" tIns="0" rIns="0" bIns="0">
+            <a:noAutofit/>
+          </a:bodyPr>
+          <a:lstStyle/>
+          <a:p>
+            <a:pPr algn="ctr"/>
+            <a:r>
+              <a:rPr lang="en-US" sz="1400" b="0" strike="noStrike" spc="-1">
+                <a:latin typeface="Noto Sans"/>
+              </a:rPr>
+              <a:t>&lt;footer&gt;</a:t>
+            </a:r>
+          </a:p>
+        </p:txBody>
+      </p:sp>
+      <p:sp>
+        <p:nvSpPr>
+          <p:cNvPr id="46" name="PlaceHolder 5"/>
+          <p:cNvSpPr>
+            <a:spLocks noGrp="1"/>
+          </p:cNvSpPr>
+          <p:nvPr>
+            <p:ph type="sldNum"/>
+          </p:nvPr>
+        </p:nvSpPr>
+        <p:spPr>
+          <a:xfrm>
+            <a:off x="7227360" y="6886800"/>
+            <a:ext cx="2348280" cy="521280"/>
+          </a:xfrm>
+          <a:prstGeom prst="rect">
+            <a:avLst/>
+          </a:prstGeom>
+        </p:spPr>
+        <p:txBody>
+          <a:bodyPr lIns="0" tIns="0" rIns="0" bIns="0">
+            <a:noAutofit/>
+          </a:bodyPr>
+          <a:lstStyle/>
+          <a:p>
+            <a:pPr algn="r"/>
+            <a:fld id="{BAEE9AFD-3C2D-4DA8-874A-FFF988B2CC3E}" type="slidenum">
+              <a:rPr lang="en-US" sz="1400" b="0" strike="noStrike" spc="-1">
+                <a:latin typeface="Noto Sans"/>
+              </a:rPr>
+              <a:t>‹#›</a:t>
+            </a:fld>
+            <a:r>
+              <a:rPr lang="en-US" sz="1400" b="0" strike="noStrike" spc="-1">
+                <a:latin typeface="Noto Sans"/>
+              </a:rPr>
+              <a:t> / </a:t>
+            </a:r>
+            <a:fld id="{88F54A86-BA54-40A6-A5DC-26EEC816145A}" type="slidecount">
+              <a:rPr lang="en-US" sz="1400" b="0" strike="noStrike" spc="-1">
+                <a:latin typeface="Noto Sans"/>
+              </a:rPr>
+              <a:t>11</a:t>
+            </a:fld>
+            <a:endParaRPr lang="en-US" sz="1400" b="0" strike="noStrike" spc="-1">
+              <a:latin typeface="Noto Sans"/>
+            </a:endParaRPr>
+          </a:p>
+        </p:txBody>
+      </p:sp>
+      <p:sp>
+        <p:nvSpPr>
+          <p:cNvPr id="47" name="CustomShape 6"/>
+          <p:cNvSpPr/>
+          <p:nvPr/>
+        </p:nvSpPr>
+        <p:spPr>
+          <a:xfrm>
+            <a:off x="0" y="288000"/>
+            <a:ext cx="504000" cy="1080000"/>
+          </a:xfrm>
+          <a:prstGeom prst="rect">
+            <a:avLst/>
+          </a:prstGeom>
+          <a:solidFill>
+            <a:srgbClr val="EF2929"/>
+          </a:solidFill>
+          <a:ln>
+            <a:noFill/>
+          </a:ln>
+        </p:spPr>
+        <p:style>
+          <a:lnRef idx="0">
+            <a:scrgbClr r="0" g="0" b="0"/>
+          </a:lnRef>
+          <a:fillRef idx="0">
+            <a:scrgbClr r="0" g="0" b="0"/>
+          </a:fillRef>
+          <a:effectRef idx="0">
+            <a:scrgbClr r="0" g="0" b="0"/>
+          </a:effectRef>
+          <a:fontRef idx="minor"/>
+        </p:style>
+      </p:sp>
+    </p:spTree>
+  </p:cSld>
+  <p:clrMap bg1="lt1" tx1="dk1" bg2="lt2" tx2="dk2" accent1="accent1" accent2="accent2" accent3="accent3" accent4="accent4" accent5="accent5" accent6="accent6" hlink="hlink" folHlink="folHlink"/>
+  <p:sldLayoutIdLst>
+    <p:sldLayoutId id="2147483662" r:id="rId1"/>
+    <p:sldLayoutId id="2147483663" r:id="rId2"/>
+    <p:sldLayoutId id="2147483664" r:id="rId3"/>
+    <p:sldLayoutId id="2147483665" r:id="rId4"/>
+    <p:sldLayoutId id="2147483666" r:id="rId5"/>
+    <p:sldLayoutId id="2147483667" r:id="rId6"/>
+    <p:sldLayoutId id="2147483668" r:id="rId7"/>
+    <p:sldLayoutId id="2147483669" r:id="rId8"/>
+    <p:sldLayoutId id="2147483670" r:id="rId9"/>
+    <p:sldLayoutId id="2147483671" r:id="rId10"/>
+    <p:sldLayoutId id="2147483672" r:id="rId11"/>
+    <p:sldLayoutId id="2147483673" r:id="rId12"/>
+  </p:sldLayoutIdLst>
+  <p:txStyles>
+    <p:titleStyle>
+      <a:lvl1pPr algn="l" defTabSz="914400" rtl="0" eaLnBrk="1" latinLnBrk="0" hangingPunct="1">
+        <a:lnSpc>
+          <a:spcPct val="90000"/>
+        </a:lnSpc>
+        <a:spcBef>
+          <a:spcPct val="0"/>
+        </a:spcBef>
+        <a:buNone/>
+        <a:defRPr sz="4400" kern="1200">
+          <a:solidFill>
+            <a:schemeClr val="tx1"/>
+          </a:solidFill>
+          <a:latin typeface="+mj-lt"/>
+          <a:ea typeface="+mj-ea"/>
+          <a:cs typeface="+mj-cs"/>
+        </a:defRPr>
+      </a:lvl1pPr>
+    </p:titleStyle>
+    <p:bodyStyle>
+      <a:lvl1pPr marL="228600" indent="-228600" algn="l" defTabSz="914400" rtl="0" eaLnBrk="1" latinLnBrk="0" hangingPunct="1">
+        <a:lnSpc>
+          <a:spcPct val="90000"/>
+        </a:lnSpc>
+        <a:spcBef>
+          <a:spcPts val="1000"/>
+        </a:spcBef>
+        <a:buFont typeface="Arial" panose="020B0604020202020204" pitchFamily="34" charset="0"/>
+        <a:buChar char="•"/>
+        <a:defRPr sz="2800" kern="1200">
+          <a:solidFill>
+            <a:schemeClr val="tx1"/>
+          </a:solidFill>
+          <a:latin typeface="+mn-lt"/>
+          <a:ea typeface="+mn-ea"/>
+          <a:cs typeface="+mn-cs"/>
+        </a:defRPr>
+      </a:lvl1pPr>
+      <a:lvl2pPr marL="685800" indent="-228600" algn="l" defTabSz="914400" rtl="0" eaLnBrk="1" latinLnBrk="0" hangingPunct="1">
+        <a:lnSpc>
+          <a:spcPct val="90000"/>
+        </a:lnSpc>
+        <a:spcBef>
+          <a:spcPts val="500"/>
+        </a:spcBef>
+        <a:buFont typeface="Arial" panose="020B0604020202020204" pitchFamily="34" charset="0"/>
+        <a:buChar char="•"/>
+        <a:defRPr sz="2400" kern="1200">
+          <a:solidFill>
+            <a:schemeClr val="tx1"/>
+          </a:solidFill>
+          <a:latin typeface="+mn-lt"/>
+          <a:ea typeface="+mn-ea"/>
+          <a:cs typeface="+mn-cs"/>
+        </a:defRPr>
+      </a:lvl2pPr>
+      <a:lvl3pPr marL="1143000" indent="-228600" algn="l" defTabSz="914400" rtl="0" eaLnBrk="1" latinLnBrk="0" hangingPunct="1">
+        <a:lnSpc>
+          <a:spcPct val="90000"/>
+        </a:lnSpc>
+        <a:spcBef>
+          <a:spcPts val="500"/>
+        </a:spcBef>
+        <a:buFont typeface="Arial" panose="020B0604020202020204" pitchFamily="34" charset="0"/>
+        <a:buChar char="•"/>
+        <a:defRPr sz="2000" kern="1200">
+          <a:solidFill>
+            <a:schemeClr val="tx1"/>
+          </a:solidFill>
+          <a:latin typeface="+mn-lt"/>
+          <a:ea typeface="+mn-ea"/>
+          <a:cs typeface="+mn-cs"/>
+        </a:defRPr>
+      </a:lvl3pPr>
+      <a:lvl4pPr marL="1600200" indent="-228600" algn="l" defTabSz="914400" rtl="0" eaLnBrk="1" latinLnBrk="0" hangingPunct="1">
+        <a:lnSpc>
+          <a:spcPct val="90000"/>
+        </a:lnSpc>
+        <a:spcBef>
+          <a:spcPts val="500"/>
+        </a:spcBef>
+        <a:buFont typeface="Arial" panose="020B0604020202020204" pitchFamily="34" charset="0"/>
+        <a:buChar char="•"/>
+        <a:defRPr sz="1800" kern="1200">
+          <a:solidFill>
+            <a:schemeClr val="tx1"/>
+          </a:solidFill>
+          <a:latin typeface="+mn-lt"/>
+          <a:ea typeface="+mn-ea"/>
+          <a:cs typeface="+mn-cs"/>
+        </a:defRPr>
+      </a:lvl4pPr>
+      <a:lvl5pPr marL="2057400" indent="-228600" algn="l" defTabSz="914400" rtl="0" eaLnBrk="1" latinLnBrk="0" hangingPunct="1">
+        <a:lnSpc>
+          <a:spcPct val="90000"/>
+        </a:lnSpc>
+        <a:spcBef>
+          <a:spcPts val="500"/>
+        </a:spcBef>
+        <a:buFont typeface="Arial" panose="020B0604020202020204" pitchFamily="34" charset="0"/>
+        <a:buChar char="•"/>
+        <a:defRPr sz="1800" kern="1200">
+          <a:solidFill>
+            <a:schemeClr val="tx1"/>
+          </a:solidFill>
+          <a:latin typeface="+mn-lt"/>
+          <a:ea typeface="+mn-ea"/>
+          <a:cs typeface="+mn-cs"/>
+        </a:defRPr>
+      </a:lvl5pPr>
+      <a:lvl6pPr marL="2514600" indent="-228600" algn="l" defTabSz="914400" rtl="0" eaLnBrk="1" latinLnBrk="0" hangingPunct="1">
+        <a:lnSpc>
+          <a:spcPct val="90000"/>
+        </a:lnSpc>
+        <a:spcBef>
+          <a:spcPts val="500"/>
+        </a:spcBef>
+        <a:buFont typeface="Arial" panose="020B0604020202020204" pitchFamily="34" charset="0"/>
+        <a:buChar char="•"/>
+        <a:defRPr sz="1800" kern="1200">
+          <a:solidFill>
+            <a:schemeClr val="tx1"/>
+          </a:solidFill>
+          <a:latin typeface="+mn-lt"/>
+          <a:ea typeface="+mn-ea"/>
+          <a:cs typeface="+mn-cs"/>
+        </a:defRPr>
+      </a:lvl6pPr>
+      <a:lvl7pPr marL="2971800" indent="-228600" algn="l" defTabSz="914400" rtl="0" eaLnBrk="1" latinLnBrk="0" hangingPunct="1">
+        <a:lnSpc>
+          <a:spcPct val="90000"/>
+        </a:lnSpc>
+        <a:spcBef>
+          <a:spcPts val="500"/>
+        </a:spcBef>
+        <a:buFont typeface="Arial" panose="020B0604020202020204" pitchFamily="34" charset="0"/>
+        <a:buChar char="•"/>
+        <a:defRPr sz="1800" kern="1200">
+          <a:solidFill>
+            <a:schemeClr val="tx1"/>
+          </a:solidFill>
+          <a:latin typeface="+mn-lt"/>
+          <a:ea typeface="+mn-ea"/>
+          <a:cs typeface="+mn-cs"/>
+        </a:defRPr>
+      </a:lvl7pPr>
+      <a:lvl8pPr marL="3429000" indent="-228600" algn="l" defTabSz="914400" rtl="0" eaLnBrk="1" latinLnBrk="0" hangingPunct="1">
+        <a:lnSpc>
+          <a:spcPct val="90000"/>
+        </a:lnSpc>
+        <a:spcBef>
+          <a:spcPts val="500"/>
+        </a:spcBef>
+        <a:buFont typeface="Arial" panose="020B0604020202020204" pitchFamily="34" charset="0"/>
+        <a:buChar char="•"/>
+        <a:defRPr sz="1800" kern="1200">
+          <a:solidFill>
+            <a:schemeClr val="tx1"/>
+          </a:solidFill>
+          <a:latin typeface="+mn-lt"/>
+          <a:ea typeface="+mn-ea"/>
+          <a:cs typeface="+mn-cs"/>
+        </a:defRPr>
+      </a:lvl8pPr>
+      <a:lvl9pPr marL="3886200" indent="-228600" algn="l" defTabSz="914400" rtl="0" eaLnBrk="1" latinLnBrk="0" hangingPunct="1">
+        <a:lnSpc>
+          <a:spcPct val="90000"/>
+        </a:lnSpc>
+        <a:spcBef>
+          <a:spcPts val="500"/>
+        </a:spcBef>
+        <a:buFont typeface="Arial" panose="020B0604020202020204" pitchFamily="34" charset="0"/>
+        <a:buChar char="•"/>
+        <a:defRPr sz="1800" kern="1200">
+          <a:solidFill>
+            <a:schemeClr val="tx1"/>
+          </a:solidFill>
+          <a:latin typeface="+mn-lt"/>
+          <a:ea typeface="+mn-ea"/>
+          <a:cs typeface="+mn-cs"/>
+        </a:defRPr>
+      </a:lvl9pPr>
+    </p:bodyStyle>
+    <p:otherStyle>
+      <a:defPPr>
+        <a:defRPr lang="en-US"/>
+      </a:defPPr>
+      <a:lvl1pPr marL="0" algn="l" defTabSz="914400" rtl="0" eaLnBrk="1" latinLnBrk="0" hangingPunct="1">
+        <a:defRPr sz="1800" kern="1200">
+          <a:solidFill>
+            <a:schemeClr val="tx1"/>
+          </a:solidFill>
+          <a:latin typeface="+mn-lt"/>
+          <a:ea typeface="+mn-ea"/>
+          <a:cs typeface="+mn-cs"/>
+        </a:defRPr>
+      </a:lvl1pPr>
+      <a:lvl2pPr marL="457200" algn="l" defTabSz="914400" rtl="0" eaLnBrk="1" latinLnBrk="0" hangingPunct="1">
+        <a:defRPr sz="1800" kern="1200">
+          <a:solidFill>
+            <a:schemeClr val="tx1"/>
+          </a:solidFill>
+          <a:latin typeface="+mn-lt"/>
+          <a:ea typeface="+mn-ea"/>
+          <a:cs typeface="+mn-cs"/>
+        </a:defRPr>
+      </a:lvl2pPr>
+      <a:lvl3pPr marL="914400" algn="l" defTabSz="914400" rtl="0" eaLnBrk="1" latinLnBrk="0" hangingPunct="1">
+        <a:defRPr sz="1800" kern="1200">
+          <a:solidFill>
+            <a:schemeClr val="tx1"/>
+          </a:solidFill>
+          <a:latin typeface="+mn-lt"/>
+          <a:ea typeface="+mn-ea"/>
+          <a:cs typeface="+mn-cs"/>
+        </a:defRPr>
+      </a:lvl3pPr>
+      <a:lvl4pPr marL="1371600" algn="l" defTabSz="914400" rtl="0" eaLnBrk="1" latinLnBrk="0" hangingPunct="1">
+        <a:defRPr sz="1800" kern="1200">
+          <a:solidFill>
+            <a:schemeClr val="tx1"/>
+          </a:solidFill>
+          <a:latin typeface="+mn-lt"/>
+          <a:ea typeface="+mn-ea"/>
+          <a:cs typeface="+mn-cs"/>
+        </a:defRPr>
+      </a:lvl4pPr>
+      <a:lvl5pPr marL="1828800" algn="l" defTabSz="914400" rtl="0" eaLnBrk="1" latinLnBrk="0" hangingPunct="1">
+        <a:defRPr sz="1800" kern="1200">
+          <a:solidFill>
+            <a:schemeClr val="tx1"/>
+          </a:solidFill>
+          <a:latin typeface="+mn-lt"/>
+          <a:ea typeface="+mn-ea"/>
+          <a:cs typeface="+mn-cs"/>
+        </a:defRPr>
+      </a:lvl5pPr>
+      <a:lvl6pPr marL="2286000" algn="l" defTabSz="914400" rtl="0" eaLnBrk="1" latinLnBrk="0" hangingPunct="1">
+        <a:defRPr sz="1800" kern="1200">
+          <a:solidFill>
+            <a:schemeClr val="tx1"/>
+          </a:solidFill>
+          <a:latin typeface="+mn-lt"/>
+          <a:ea typeface="+mn-ea"/>
+          <a:cs typeface="+mn-cs"/>
+        </a:defRPr>
+      </a:lvl6pPr>
+      <a:lvl7pPr marL="2743200" algn="l" defTabSz="914400" rtl="0" eaLnBrk="1" latinLnBrk="0" hangingPunct="1">
+        <a:defRPr sz="1800" kern="1200">
+          <a:solidFill>
+            <a:schemeClr val="tx1"/>
+          </a:solidFill>
+          <a:latin typeface="+mn-lt"/>
+          <a:ea typeface="+mn-ea"/>
+          <a:cs typeface="+mn-cs"/>
+        </a:defRPr>
+      </a:lvl7pPr>
+      <a:lvl8pPr marL="3200400" algn="l" defTabSz="914400" rtl="0" eaLnBrk="1" latinLnBrk="0" hangingPunct="1">
+        <a:defRPr sz="1800" kern="1200">
+          <a:solidFill>
+            <a:schemeClr val="tx1"/>
+          </a:solidFill>
+          <a:latin typeface="+mn-lt"/>
+          <a:ea typeface="+mn-ea"/>
+          <a:cs typeface="+mn-cs"/>
+        </a:defRPr>
+      </a:lvl8pPr>
+      <a:lvl9pPr marL="3657600" algn="l" defTabSz="914400" rtl="0" eaLnBrk="1" latinLnBrk="0" hangingPunct="1">
+        <a:defRPr sz="1800" kern="1200">
+          <a:solidFill>
+            <a:schemeClr val="tx1"/>
+          </a:solidFill>
+          <a:latin typeface="+mn-lt"/>
+          <a:ea typeface="+mn-ea"/>
+          <a:cs typeface="+mn-cs"/>
+        </a:defRPr>
+      </a:lvl9pPr>
+    </p:otherStyle>
+  </p:txStyles>
+</p:sldMaster>
+</file>
+
+<file path=ppt/slides/slide1.xml><?xml version="1.0" encoding="utf-8"?>
+<p:sld xmlns:a="http://schemas.openxmlformats.org/drawingml/2006/main" xmlns:r="http://schemas.openxmlformats.org/officeDocument/2006/relationships" xmlns:p="http://schemas.openxmlformats.org/presentationml/2006/main">
   <p:cSld>
     <p:spTree>
       <p:nvGrpSpPr>
@@ -2938,55 +5087,46 @@
       </p:grpSpPr>
       <p:sp>
         <p:nvSpPr>
-          <p:cNvPr id="0" name="PlaceHolder 1"/>
-          <p:cNvSpPr>
-            <a:spLocks noGrp="1"/>
-          </p:cNvSpPr>
-          <p:nvPr>
-            <p:ph type="title"/>
-          </p:nvPr>
-        </p:nvSpPr>
-        <p:spPr>
-          <a:xfrm>
-            <a:off x="792000" y="4104000"/>
-            <a:ext cx="8568000" cy="1440000"/>
-          </a:xfrm>
-          <a:prstGeom prst="rect">
-            <a:avLst/>
-          </a:prstGeom>
-        </p:spPr>
-        <p:txBody>
-          <a:bodyPr lIns="0" rIns="0" tIns="0" bIns="0" anchor="ctr">
+          <p:cNvPr id="84" name="TextShape 1"/>
+          <p:cNvSpPr txBox="1"/>
+          <p:nvPr/>
+        </p:nvSpPr>
+        <p:spPr>
+          <a:xfrm>
+            <a:off x="792000" y="3993480"/>
+            <a:ext cx="8568000" cy="1661400"/>
+          </a:xfrm>
+          <a:prstGeom prst="rect">
+            <a:avLst/>
+          </a:prstGeom>
+          <a:noFill/>
+          <a:ln>
+            <a:noFill/>
+          </a:ln>
+        </p:spPr>
+        <p:txBody>
+          <a:bodyPr lIns="0" tIns="0" rIns="0" bIns="0" anchor="ctr">
             <a:normAutofit/>
           </a:bodyPr>
+          <a:lstStyle/>
           <a:p>
             <a:r>
-              <a:rPr b="1" lang="en-US" sz="4800" spc="-1" strike="noStrike">
+              <a:rPr lang="en-US" sz="4800" b="1" strike="noStrike" spc="-1">
                 <a:solidFill>
                   <a:srgbClr val="333333"/>
                 </a:solidFill>
                 <a:latin typeface="Noto Sans"/>
               </a:rPr>
-              <a:t>Click to edit the title text format</a:t>
+              <a:t>Video Game Analysis</a:t>
             </a:r>
-            <a:endParaRPr b="1" lang="en-US" sz="4800" spc="-1" strike="noStrike">
-              <a:solidFill>
-                <a:srgbClr val="333333"/>
-              </a:solidFill>
-              <a:latin typeface="Noto Sans"/>
-            </a:endParaRPr>
-          </a:p>
-        </p:txBody>
-      </p:sp>
-      <p:sp>
-        <p:nvSpPr>
-          <p:cNvPr id="1" name="PlaceHolder 2"/>
-          <p:cNvSpPr>
-            <a:spLocks noGrp="1"/>
-          </p:cNvSpPr>
-          <p:nvPr>
-            <p:ph type="body"/>
-          </p:nvPr>
+          </a:p>
+        </p:txBody>
+      </p:sp>
+      <p:sp>
+        <p:nvSpPr>
+          <p:cNvPr id="85" name="TextShape 2"/>
+          <p:cNvSpPr txBox="1"/>
+          <p:nvPr/>
         </p:nvSpPr>
         <p:spPr>
           <a:xfrm>
@@ -2996,381 +5136,46 @@
           <a:prstGeom prst="rect">
             <a:avLst/>
           </a:prstGeom>
-        </p:spPr>
-        <p:txBody>
-          <a:bodyPr lIns="0" rIns="0" tIns="0" bIns="0">
-            <a:normAutofit fontScale="16000"/>
-          </a:bodyPr>
-          <a:p>
-            <a:pPr marL="432000" indent="-324000">
-              <a:spcAft>
-                <a:spcPts val="1879"/>
-              </a:spcAft>
-              <a:buClr>
-                <a:srgbClr val="333333"/>
-              </a:buClr>
-              <a:buSzPct val="45000"/>
-              <a:buFont typeface="Wingdings" charset="2"/>
-              <a:buChar char=""/>
-            </a:pPr>
-            <a:r>
-              <a:rPr b="0" lang="en-US" sz="2400" spc="-1" strike="noStrike">
-                <a:solidFill>
-                  <a:srgbClr val="333333"/>
-                </a:solidFill>
-                <a:latin typeface="Noto Sans"/>
-              </a:rPr>
-              <a:t>Click to edit the outline text format</a:t>
-            </a:r>
-            <a:endParaRPr b="0" lang="en-US" sz="2400" spc="-1" strike="noStrike">
-              <a:solidFill>
-                <a:srgbClr val="333333"/>
-              </a:solidFill>
-              <a:latin typeface="Noto Sans"/>
-            </a:endParaRPr>
-          </a:p>
-          <a:p>
-            <a:pPr lvl="1" marL="864000" indent="-324000">
-              <a:spcAft>
-                <a:spcPts val="1497"/>
-              </a:spcAft>
-              <a:buClr>
-                <a:srgbClr val="ffffff"/>
-              </a:buClr>
-              <a:buSzPct val="75000"/>
-              <a:buFont typeface="Symbol" charset="2"/>
-              <a:buChar char=""/>
-            </a:pPr>
-            <a:r>
-              <a:rPr b="0" lang="en-US" sz="2400" spc="-1" strike="noStrike">
-                <a:solidFill>
-                  <a:srgbClr val="333333"/>
-                </a:solidFill>
-                <a:latin typeface="Noto Sans"/>
-              </a:rPr>
-              <a:t>Second Outline Level</a:t>
-            </a:r>
-            <a:endParaRPr b="0" lang="en-US" sz="2400" spc="-1" strike="noStrike">
-              <a:solidFill>
-                <a:srgbClr val="333333"/>
-              </a:solidFill>
-              <a:latin typeface="Noto Sans"/>
-            </a:endParaRPr>
-          </a:p>
-          <a:p>
-            <a:pPr lvl="2" marL="1296000" indent="-288000">
-              <a:spcAft>
-                <a:spcPts val="1120"/>
-              </a:spcAft>
-              <a:buClr>
-                <a:srgbClr val="ffffff"/>
-              </a:buClr>
-              <a:buSzPct val="45000"/>
-              <a:buFont typeface="Wingdings" charset="2"/>
-              <a:buChar char=""/>
-            </a:pPr>
-            <a:r>
-              <a:rPr b="0" lang="en-US" sz="2400" spc="-1" strike="noStrike">
-                <a:solidFill>
-                  <a:srgbClr val="333333"/>
-                </a:solidFill>
-                <a:latin typeface="Noto Sans"/>
-              </a:rPr>
-              <a:t>Third Outline Level</a:t>
-            </a:r>
-            <a:endParaRPr b="0" lang="en-US" sz="2400" spc="-1" strike="noStrike">
-              <a:solidFill>
-                <a:srgbClr val="333333"/>
-              </a:solidFill>
-              <a:latin typeface="Noto Sans"/>
-            </a:endParaRPr>
-          </a:p>
-          <a:p>
-            <a:pPr lvl="3" marL="1728000" indent="-216000">
-              <a:spcAft>
-                <a:spcPts val="743"/>
-              </a:spcAft>
-              <a:buClr>
-                <a:srgbClr val="ffffff"/>
-              </a:buClr>
-              <a:buSzPct val="75000"/>
-              <a:buFont typeface="Symbol" charset="2"/>
-              <a:buChar char=""/>
-            </a:pPr>
-            <a:r>
-              <a:rPr b="0" lang="en-US" sz="2400" spc="-1" strike="noStrike">
-                <a:solidFill>
-                  <a:srgbClr val="333333"/>
-                </a:solidFill>
-                <a:latin typeface="Noto Sans"/>
-              </a:rPr>
-              <a:t>Fourth Outline Level</a:t>
-            </a:r>
-            <a:endParaRPr b="0" lang="en-US" sz="2400" spc="-1" strike="noStrike">
-              <a:solidFill>
-                <a:srgbClr val="333333"/>
-              </a:solidFill>
-              <a:latin typeface="Noto Sans"/>
-            </a:endParaRPr>
-          </a:p>
-          <a:p>
-            <a:pPr lvl="4" marL="2160000" indent="-216000">
-              <a:spcAft>
-                <a:spcPts val="366"/>
-              </a:spcAft>
-              <a:buClr>
-                <a:srgbClr val="ffffff"/>
-              </a:buClr>
-              <a:buSzPct val="45000"/>
-              <a:buFont typeface="Wingdings" charset="2"/>
-              <a:buChar char=""/>
-            </a:pPr>
-            <a:r>
-              <a:rPr b="0" lang="en-US" sz="2400" spc="-1" strike="noStrike">
-                <a:solidFill>
-                  <a:srgbClr val="333333"/>
-                </a:solidFill>
-                <a:latin typeface="Noto Sans"/>
-              </a:rPr>
-              <a:t>Fifth Outline Level</a:t>
-            </a:r>
-            <a:endParaRPr b="0" lang="en-US" sz="2400" spc="-1" strike="noStrike">
-              <a:solidFill>
-                <a:srgbClr val="333333"/>
-              </a:solidFill>
-              <a:latin typeface="Noto Sans"/>
-            </a:endParaRPr>
-          </a:p>
-          <a:p>
-            <a:pPr lvl="5" marL="2592000" indent="-216000">
-              <a:spcAft>
-                <a:spcPts val="366"/>
-              </a:spcAft>
-              <a:buClr>
-                <a:srgbClr val="ffffff"/>
-              </a:buClr>
-              <a:buSzPct val="45000"/>
-              <a:buFont typeface="Wingdings" charset="2"/>
-              <a:buChar char=""/>
-            </a:pPr>
-            <a:r>
-              <a:rPr b="0" lang="en-US" sz="2400" spc="-1" strike="noStrike">
-                <a:solidFill>
-                  <a:srgbClr val="333333"/>
-                </a:solidFill>
-                <a:latin typeface="Noto Sans"/>
-              </a:rPr>
-              <a:t>Sixth Outline Level</a:t>
-            </a:r>
-            <a:endParaRPr b="0" lang="en-US" sz="2400" spc="-1" strike="noStrike">
-              <a:solidFill>
-                <a:srgbClr val="333333"/>
-              </a:solidFill>
-              <a:latin typeface="Noto Sans"/>
-            </a:endParaRPr>
-          </a:p>
-          <a:p>
-            <a:pPr lvl="6" marL="3024000" indent="-216000">
-              <a:spcAft>
-                <a:spcPts val="366"/>
-              </a:spcAft>
-              <a:buClr>
-                <a:srgbClr val="ffffff"/>
-              </a:buClr>
-              <a:buSzPct val="45000"/>
-              <a:buFont typeface="Wingdings" charset="2"/>
-              <a:buChar char=""/>
-            </a:pPr>
-            <a:r>
-              <a:rPr b="0" lang="en-US" sz="2400" spc="-1" strike="noStrike">
-                <a:solidFill>
-                  <a:srgbClr val="333333"/>
-                </a:solidFill>
-                <a:latin typeface="Noto Sans"/>
-              </a:rPr>
-              <a:t>Seventh Outline Level</a:t>
-            </a:r>
-            <a:endParaRPr b="0" lang="en-US" sz="2400" spc="-1" strike="noStrike">
-              <a:solidFill>
-                <a:srgbClr val="333333"/>
-              </a:solidFill>
-              <a:latin typeface="Noto Sans"/>
-            </a:endParaRPr>
-          </a:p>
-        </p:txBody>
-      </p:sp>
-      <p:sp>
-        <p:nvSpPr>
-          <p:cNvPr id="2" name="PlaceHolder 3"/>
-          <p:cNvSpPr>
-            <a:spLocks noGrp="1"/>
-          </p:cNvSpPr>
-          <p:nvPr>
-            <p:ph type="dt"/>
-          </p:nvPr>
-        </p:nvSpPr>
-        <p:spPr>
-          <a:xfrm>
-            <a:off x="504000" y="6886440"/>
-            <a:ext cx="2348280" cy="521280"/>
-          </a:xfrm>
-          <a:prstGeom prst="rect">
-            <a:avLst/>
-          </a:prstGeom>
-        </p:spPr>
-        <p:txBody>
-          <a:bodyPr lIns="0" rIns="0" tIns="0" bIns="0">
-            <a:noAutofit/>
-          </a:bodyPr>
-          <a:p>
-            <a:r>
-              <a:rPr b="0" lang="en-US" sz="1400" spc="-1" strike="noStrike">
-                <a:latin typeface="Noto Sans"/>
-              </a:rPr>
-              <a:t>&lt;date/time&gt;</a:t>
-            </a:r>
-            <a:endParaRPr b="0" lang="en-US" sz="1400" spc="-1" strike="noStrike">
-              <a:latin typeface="Noto Sans"/>
-            </a:endParaRPr>
-          </a:p>
-        </p:txBody>
-      </p:sp>
-      <p:sp>
-        <p:nvSpPr>
-          <p:cNvPr id="3" name="PlaceHolder 4"/>
-          <p:cNvSpPr>
-            <a:spLocks noGrp="1"/>
-          </p:cNvSpPr>
-          <p:nvPr>
-            <p:ph type="ftr"/>
-          </p:nvPr>
-        </p:nvSpPr>
-        <p:spPr>
-          <a:xfrm>
-            <a:off x="3447360" y="6886440"/>
-            <a:ext cx="3195000" cy="521280"/>
-          </a:xfrm>
-          <a:prstGeom prst="rect">
-            <a:avLst/>
-          </a:prstGeom>
-        </p:spPr>
-        <p:txBody>
-          <a:bodyPr lIns="0" rIns="0" tIns="0" bIns="0">
-            <a:noAutofit/>
-          </a:bodyPr>
-          <a:p>
-            <a:pPr algn="ctr"/>
-            <a:r>
-              <a:rPr b="0" lang="en-US" sz="1400" spc="-1" strike="noStrike">
-                <a:latin typeface="Noto Sans"/>
-              </a:rPr>
-              <a:t>&lt;footer&gt;</a:t>
-            </a:r>
-            <a:endParaRPr b="0" lang="en-US" sz="1400" spc="-1" strike="noStrike">
-              <a:latin typeface="Noto Sans"/>
-            </a:endParaRPr>
-          </a:p>
-        </p:txBody>
-      </p:sp>
-      <p:sp>
-        <p:nvSpPr>
-          <p:cNvPr id="4" name="PlaceHolder 5"/>
-          <p:cNvSpPr>
-            <a:spLocks noGrp="1"/>
-          </p:cNvSpPr>
-          <p:nvPr>
-            <p:ph type="sldNum"/>
-          </p:nvPr>
-        </p:nvSpPr>
-        <p:spPr>
-          <a:xfrm>
-            <a:off x="7227360" y="6886440"/>
-            <a:ext cx="2348280" cy="521280"/>
-          </a:xfrm>
-          <a:prstGeom prst="rect">
-            <a:avLst/>
-          </a:prstGeom>
-        </p:spPr>
-        <p:txBody>
-          <a:bodyPr lIns="0" rIns="0" tIns="0" bIns="0">
-            <a:noAutofit/>
-          </a:bodyPr>
-          <a:p>
-            <a:pPr algn="r"/>
-            <a:fld id="{C2887EB6-4BB3-43A4-A04E-C1E323160FAA}" type="slidenum">
-              <a:rPr b="0" lang="en-US" sz="1400" spc="-1" strike="noStrike">
-                <a:latin typeface="Noto Sans"/>
-              </a:rPr>
-              <a:t>&lt;number&gt;</a:t>
-            </a:fld>
-            <a:r>
-              <a:rPr b="0" lang="en-US" sz="1400" spc="-1" strike="noStrike">
-                <a:latin typeface="Noto Sans"/>
-              </a:rPr>
-              <a:t> / </a:t>
-            </a:r>
-            <a:fld id="{D244C6F2-1462-44C5-94A7-64BE13E5A1E8}" type="slidecount">
-              <a:rPr b="0" lang="en-US" sz="1400" spc="-1" strike="noStrike">
-                <a:latin typeface="Noto Sans"/>
-              </a:rPr>
-              <a:t>11</a:t>
-            </a:fld>
-            <a:endParaRPr b="0" lang="en-US" sz="1400" spc="-1" strike="noStrike">
-              <a:latin typeface="Noto Sans"/>
-            </a:endParaRPr>
-          </a:p>
-        </p:txBody>
-      </p:sp>
-      <p:sp>
-        <p:nvSpPr>
-          <p:cNvPr id="5" name="CustomShape 6"/>
-          <p:cNvSpPr/>
-          <p:nvPr/>
-        </p:nvSpPr>
-        <p:spPr>
-          <a:xfrm>
-            <a:off x="0" y="4320000"/>
-            <a:ext cx="504000" cy="1080000"/>
-          </a:xfrm>
-          <a:prstGeom prst="rect">
-            <a:avLst/>
-          </a:prstGeom>
-          <a:solidFill>
-            <a:srgbClr val="ef2929"/>
-          </a:solidFill>
+          <a:noFill/>
           <a:ln>
             <a:noFill/>
           </a:ln>
         </p:spPr>
-        <p:style>
-          <a:lnRef idx="0"/>
-          <a:fillRef idx="0"/>
-          <a:effectRef idx="0"/>
-          <a:fontRef idx="minor"/>
-        </p:style>
+        <p:txBody>
+          <a:bodyPr lIns="0" tIns="0" rIns="0" bIns="0" anchor="ctr">
+            <a:noAutofit/>
+          </a:bodyPr>
+          <a:lstStyle/>
+          <a:p>
+            <a:pPr algn="ctr"/>
+            <a:r>
+              <a:rPr lang="en-US" sz="2600" b="0" strike="noStrike" spc="-1">
+                <a:latin typeface="Noto Sans"/>
+              </a:rPr>
+              <a:t>Kishan Patel, Ryan Stewart,</a:t>
+            </a:r>
+          </a:p>
+          <a:p>
+            <a:pPr algn="ctr"/>
+            <a:r>
+              <a:rPr lang="en-US" sz="2600" b="0" strike="noStrike" spc="-1">
+                <a:latin typeface="Noto Sans"/>
+              </a:rPr>
+              <a:t>William Johnson, Luis Gonzalez</a:t>
+            </a:r>
+          </a:p>
+        </p:txBody>
       </p:sp>
     </p:spTree>
   </p:cSld>
-  <p:clrMap bg1="lt1" bg2="lt2" tx1="dk1" tx2="dk2" accent1="accent1" accent2="accent2" accent3="accent3" accent4="accent4" accent5="accent5" accent6="accent6" hlink="hlink" folHlink="folHlink"/>
-  <p:sldLayoutIdLst>
-    <p:sldLayoutId id="2147483649" r:id="rId2"/>
-    <p:sldLayoutId id="2147483650" r:id="rId3"/>
-    <p:sldLayoutId id="2147483651" r:id="rId4"/>
-    <p:sldLayoutId id="2147483652" r:id="rId5"/>
-    <p:sldLayoutId id="2147483653" r:id="rId6"/>
-    <p:sldLayoutId id="2147483654" r:id="rId7"/>
-    <p:sldLayoutId id="2147483655" r:id="rId8"/>
-    <p:sldLayoutId id="2147483656" r:id="rId9"/>
-    <p:sldLayoutId id="2147483657" r:id="rId10"/>
-    <p:sldLayoutId id="2147483658" r:id="rId11"/>
-    <p:sldLayoutId id="2147483659" r:id="rId12"/>
-    <p:sldLayoutId id="2147483660" r:id="rId13"/>
-  </p:sldLayoutIdLst>
-</p:sldMaster>
+  <p:clrMapOvr>
+    <a:masterClrMapping/>
+  </p:clrMapOvr>
+</p:sld>
 </file>
 
-<file path=ppt/slideMasters/slideMaster2.xml><?xml version="1.0" encoding="utf-8"?>
-<p:sldMaster xmlns:a="http://schemas.openxmlformats.org/drawingml/2006/main" xmlns:p="http://schemas.openxmlformats.org/presentationml/2006/main" xmlns:r="http://schemas.openxmlformats.org/officeDocument/2006/relationships" xmlns:p14="http://schemas.microsoft.com/office/powerpoint/2010/main" xmlns:p15="http://schemas.microsoft.com/office/powerpoint/2012/main" xmlns:mc="http://schemas.openxmlformats.org/markup-compatibility/2006">
+<file path=ppt/slides/slide10.xml><?xml version="1.0" encoding="utf-8"?>
+<p:sld xmlns:a="http://schemas.openxmlformats.org/drawingml/2006/main" xmlns:r="http://schemas.openxmlformats.org/officeDocument/2006/relationships" xmlns:p="http://schemas.openxmlformats.org/presentationml/2006/main">
   <p:cSld>
     <p:spTree>
       <p:nvGrpSpPr>
@@ -3388,13 +5193,9 @@
       </p:grpSpPr>
       <p:sp>
         <p:nvSpPr>
-          <p:cNvPr id="42" name="PlaceHolder 1"/>
-          <p:cNvSpPr>
-            <a:spLocks noGrp="1"/>
-          </p:cNvSpPr>
-          <p:nvPr>
-            <p:ph type="title"/>
-          </p:nvPr>
+          <p:cNvPr id="102" name="TextShape 1"/>
+          <p:cNvSpPr txBox="1"/>
+          <p:nvPr/>
         </p:nvSpPr>
         <p:spPr>
           <a:xfrm>
@@ -3404,39 +5205,34 @@
           <a:prstGeom prst="rect">
             <a:avLst/>
           </a:prstGeom>
-        </p:spPr>
-        <p:txBody>
-          <a:bodyPr lIns="0" rIns="0" tIns="0" bIns="0" anchor="ctr">
-            <a:noAutofit/>
-          </a:bodyPr>
+          <a:noFill/>
+          <a:ln>
+            <a:noFill/>
+          </a:ln>
+        </p:spPr>
+        <p:txBody>
+          <a:bodyPr lIns="0" tIns="0" rIns="0" bIns="0" anchor="ctr">
+            <a:noAutofit/>
+          </a:bodyPr>
+          <a:lstStyle/>
           <a:p>
             <a:r>
-              <a:rPr b="1" lang="en-US" sz="4400" spc="-1" strike="noStrike">
+              <a:rPr lang="en-US" sz="4400" b="1" strike="noStrike" spc="-1">
                 <a:solidFill>
                   <a:srgbClr val="333333"/>
                 </a:solidFill>
                 <a:latin typeface="Noto Sans"/>
               </a:rPr>
-              <a:t>Click to edit the title text format</a:t>
+              <a:t>Data</a:t>
             </a:r>
-            <a:endParaRPr b="1" lang="en-US" sz="4400" spc="-1" strike="noStrike">
-              <a:solidFill>
-                <a:srgbClr val="333333"/>
-              </a:solidFill>
-              <a:latin typeface="Noto Sans"/>
-            </a:endParaRPr>
-          </a:p>
-        </p:txBody>
-      </p:sp>
-      <p:sp>
-        <p:nvSpPr>
-          <p:cNvPr id="43" name="PlaceHolder 2"/>
-          <p:cNvSpPr>
-            <a:spLocks noGrp="1"/>
-          </p:cNvSpPr>
-          <p:nvPr>
-            <p:ph type="body"/>
-          </p:nvPr>
+          </a:p>
+        </p:txBody>
+      </p:sp>
+      <p:sp>
+        <p:nvSpPr>
+          <p:cNvPr id="103" name="TextShape 2"/>
+          <p:cNvSpPr txBox="1"/>
+          <p:nvPr/>
         </p:nvSpPr>
         <p:spPr>
           <a:xfrm>
@@ -3446,381 +5242,36 @@
           <a:prstGeom prst="rect">
             <a:avLst/>
           </a:prstGeom>
-        </p:spPr>
-        <p:txBody>
-          <a:bodyPr lIns="0" rIns="0" tIns="0" bIns="0">
-            <a:noAutofit/>
-          </a:bodyPr>
-          <a:p>
-            <a:pPr marL="432000" indent="-324000">
-              <a:spcAft>
-                <a:spcPts val="1414"/>
-              </a:spcAft>
-              <a:buClr>
-                <a:srgbClr val="ef2929"/>
-              </a:buClr>
-              <a:buSzPct val="45000"/>
-              <a:buFont typeface="Wingdings" charset="2"/>
-              <a:buChar char=""/>
-            </a:pPr>
-            <a:r>
-              <a:rPr b="0" lang="en-US" sz="2800" spc="-1" strike="noStrike">
-                <a:solidFill>
-                  <a:srgbClr val="333333"/>
-                </a:solidFill>
-                <a:latin typeface="Noto Sans"/>
-              </a:rPr>
-              <a:t>Click to edit the outline text format</a:t>
-            </a:r>
-            <a:endParaRPr b="0" lang="en-US" sz="2800" spc="-1" strike="noStrike">
-              <a:solidFill>
-                <a:srgbClr val="333333"/>
-              </a:solidFill>
-              <a:latin typeface="Noto Sans"/>
-            </a:endParaRPr>
-          </a:p>
-          <a:p>
-            <a:pPr lvl="1" marL="864000" indent="-324000">
-              <a:spcAft>
-                <a:spcPts val="1134"/>
-              </a:spcAft>
-              <a:buClr>
-                <a:srgbClr val="ef2929"/>
-              </a:buClr>
-              <a:buSzPct val="75000"/>
-              <a:buFont typeface="Symbol" charset="2"/>
-              <a:buChar char=""/>
-            </a:pPr>
-            <a:r>
-              <a:rPr b="0" lang="en-US" sz="2800" spc="-1" strike="noStrike">
-                <a:solidFill>
-                  <a:srgbClr val="333333"/>
-                </a:solidFill>
-                <a:latin typeface="Noto Sans"/>
-              </a:rPr>
-              <a:t>Second Outline Level</a:t>
-            </a:r>
-            <a:endParaRPr b="0" lang="en-US" sz="2800" spc="-1" strike="noStrike">
-              <a:solidFill>
-                <a:srgbClr val="333333"/>
-              </a:solidFill>
-              <a:latin typeface="Noto Sans"/>
-            </a:endParaRPr>
-          </a:p>
-          <a:p>
-            <a:pPr lvl="2" marL="1296000" indent="-288000">
-              <a:spcAft>
-                <a:spcPts val="845"/>
-              </a:spcAft>
-              <a:buClr>
-                <a:srgbClr val="ef2929"/>
-              </a:buClr>
-              <a:buSzPct val="45000"/>
-              <a:buFont typeface="Wingdings" charset="2"/>
-              <a:buChar char=""/>
-            </a:pPr>
-            <a:r>
-              <a:rPr b="0" lang="en-US" sz="2800" spc="-1" strike="noStrike">
-                <a:solidFill>
-                  <a:srgbClr val="333333"/>
-                </a:solidFill>
-                <a:latin typeface="Noto Sans"/>
-              </a:rPr>
-              <a:t>Third Outline Level</a:t>
-            </a:r>
-            <a:endParaRPr b="0" lang="en-US" sz="2800" spc="-1" strike="noStrike">
-              <a:solidFill>
-                <a:srgbClr val="333333"/>
-              </a:solidFill>
-              <a:latin typeface="Noto Sans"/>
-            </a:endParaRPr>
-          </a:p>
-          <a:p>
-            <a:pPr lvl="3" marL="1728000" indent="-216000">
-              <a:spcAft>
-                <a:spcPts val="567"/>
-              </a:spcAft>
-              <a:buClr>
-                <a:srgbClr val="ef2929"/>
-              </a:buClr>
-              <a:buSzPct val="75000"/>
-              <a:buFont typeface="Symbol" charset="2"/>
-              <a:buChar char=""/>
-            </a:pPr>
-            <a:r>
-              <a:rPr b="0" lang="en-US" sz="2800" spc="-1" strike="noStrike">
-                <a:solidFill>
-                  <a:srgbClr val="333333"/>
-                </a:solidFill>
-                <a:latin typeface="Noto Sans"/>
-              </a:rPr>
-              <a:t>Fourth Outline Level</a:t>
-            </a:r>
-            <a:endParaRPr b="0" lang="en-US" sz="2800" spc="-1" strike="noStrike">
-              <a:solidFill>
-                <a:srgbClr val="333333"/>
-              </a:solidFill>
-              <a:latin typeface="Noto Sans"/>
-            </a:endParaRPr>
-          </a:p>
-          <a:p>
-            <a:pPr lvl="4" marL="2160000" indent="-216000">
-              <a:spcAft>
-                <a:spcPts val="283"/>
-              </a:spcAft>
-              <a:buClr>
-                <a:srgbClr val="ef2929"/>
-              </a:buClr>
-              <a:buSzPct val="45000"/>
-              <a:buFont typeface="Wingdings" charset="2"/>
-              <a:buChar char=""/>
-            </a:pPr>
-            <a:r>
-              <a:rPr b="0" lang="en-US" sz="2800" spc="-1" strike="noStrike">
-                <a:solidFill>
-                  <a:srgbClr val="333333"/>
-                </a:solidFill>
-                <a:latin typeface="Noto Sans"/>
-              </a:rPr>
-              <a:t>Fifth Outline Level</a:t>
-            </a:r>
-            <a:endParaRPr b="0" lang="en-US" sz="2800" spc="-1" strike="noStrike">
-              <a:solidFill>
-                <a:srgbClr val="333333"/>
-              </a:solidFill>
-              <a:latin typeface="Noto Sans"/>
-            </a:endParaRPr>
-          </a:p>
-          <a:p>
-            <a:pPr lvl="5" marL="2592000" indent="-216000">
-              <a:spcAft>
-                <a:spcPts val="283"/>
-              </a:spcAft>
-              <a:buClr>
-                <a:srgbClr val="ef2929"/>
-              </a:buClr>
-              <a:buSzPct val="45000"/>
-              <a:buFont typeface="Wingdings" charset="2"/>
-              <a:buChar char=""/>
-            </a:pPr>
-            <a:r>
-              <a:rPr b="0" lang="en-US" sz="2800" spc="-1" strike="noStrike">
-                <a:solidFill>
-                  <a:srgbClr val="333333"/>
-                </a:solidFill>
-                <a:latin typeface="Noto Sans"/>
-              </a:rPr>
-              <a:t>Sixth Outline Level</a:t>
-            </a:r>
-            <a:endParaRPr b="0" lang="en-US" sz="2800" spc="-1" strike="noStrike">
-              <a:solidFill>
-                <a:srgbClr val="333333"/>
-              </a:solidFill>
-              <a:latin typeface="Noto Sans"/>
-            </a:endParaRPr>
-          </a:p>
-          <a:p>
-            <a:pPr lvl="6" marL="3024000" indent="-216000">
-              <a:spcAft>
-                <a:spcPts val="283"/>
-              </a:spcAft>
-              <a:buClr>
-                <a:srgbClr val="ef2929"/>
-              </a:buClr>
-              <a:buSzPct val="45000"/>
-              <a:buFont typeface="Wingdings" charset="2"/>
-              <a:buChar char=""/>
-            </a:pPr>
-            <a:r>
-              <a:rPr b="0" lang="en-US" sz="2800" spc="-1" strike="noStrike">
-                <a:solidFill>
-                  <a:srgbClr val="333333"/>
-                </a:solidFill>
-                <a:latin typeface="Noto Sans"/>
-              </a:rPr>
-              <a:t>Seventh Outline Level</a:t>
-            </a:r>
-            <a:endParaRPr b="0" lang="en-US" sz="2800" spc="-1" strike="noStrike">
-              <a:solidFill>
-                <a:srgbClr val="333333"/>
-              </a:solidFill>
-              <a:latin typeface="Noto Sans"/>
-            </a:endParaRPr>
-          </a:p>
-        </p:txBody>
-      </p:sp>
-      <p:sp>
-        <p:nvSpPr>
-          <p:cNvPr id="44" name="PlaceHolder 3"/>
-          <p:cNvSpPr>
-            <a:spLocks noGrp="1"/>
-          </p:cNvSpPr>
-          <p:nvPr>
-            <p:ph type="dt"/>
-          </p:nvPr>
-        </p:nvSpPr>
-        <p:spPr>
-          <a:xfrm>
-            <a:off x="504000" y="6886800"/>
-            <a:ext cx="2348280" cy="521280"/>
-          </a:xfrm>
-          <a:prstGeom prst="rect">
-            <a:avLst/>
-          </a:prstGeom>
-        </p:spPr>
-        <p:txBody>
-          <a:bodyPr lIns="0" rIns="0" tIns="0" bIns="0">
-            <a:noAutofit/>
-          </a:bodyPr>
-          <a:p>
-            <a:r>
-              <a:rPr b="0" lang="en-US" sz="1400" spc="-1" strike="noStrike">
-                <a:latin typeface="Noto Sans"/>
-              </a:rPr>
-              <a:t>&lt;date/time&gt;</a:t>
-            </a:r>
-            <a:endParaRPr b="0" lang="en-US" sz="1400" spc="-1" strike="noStrike">
-              <a:latin typeface="Noto Sans"/>
-            </a:endParaRPr>
-          </a:p>
-        </p:txBody>
-      </p:sp>
-      <p:sp>
-        <p:nvSpPr>
-          <p:cNvPr id="45" name="PlaceHolder 4"/>
-          <p:cNvSpPr>
-            <a:spLocks noGrp="1"/>
-          </p:cNvSpPr>
-          <p:nvPr>
-            <p:ph type="ftr"/>
-          </p:nvPr>
-        </p:nvSpPr>
-        <p:spPr>
-          <a:xfrm>
-            <a:off x="3447360" y="6886800"/>
-            <a:ext cx="3195000" cy="521280"/>
-          </a:xfrm>
-          <a:prstGeom prst="rect">
-            <a:avLst/>
-          </a:prstGeom>
-        </p:spPr>
-        <p:txBody>
-          <a:bodyPr lIns="0" rIns="0" tIns="0" bIns="0">
-            <a:noAutofit/>
-          </a:bodyPr>
-          <a:p>
-            <a:pPr algn="ctr"/>
-            <a:r>
-              <a:rPr b="0" lang="en-US" sz="1400" spc="-1" strike="noStrike">
-                <a:latin typeface="Noto Sans"/>
-              </a:rPr>
-              <a:t>&lt;footer&gt;</a:t>
-            </a:r>
-            <a:endParaRPr b="0" lang="en-US" sz="1400" spc="-1" strike="noStrike">
-              <a:latin typeface="Noto Sans"/>
-            </a:endParaRPr>
-          </a:p>
-        </p:txBody>
-      </p:sp>
-      <p:sp>
-        <p:nvSpPr>
-          <p:cNvPr id="46" name="PlaceHolder 5"/>
-          <p:cNvSpPr>
-            <a:spLocks noGrp="1"/>
-          </p:cNvSpPr>
-          <p:nvPr>
-            <p:ph type="sldNum"/>
-          </p:nvPr>
-        </p:nvSpPr>
-        <p:spPr>
-          <a:xfrm>
-            <a:off x="7227360" y="6886800"/>
-            <a:ext cx="2348280" cy="521280"/>
-          </a:xfrm>
-          <a:prstGeom prst="rect">
-            <a:avLst/>
-          </a:prstGeom>
-        </p:spPr>
-        <p:txBody>
-          <a:bodyPr lIns="0" rIns="0" tIns="0" bIns="0">
-            <a:noAutofit/>
-          </a:bodyPr>
-          <a:p>
-            <a:pPr algn="r"/>
-            <a:fld id="{BAEE9AFD-3C2D-4DA8-874A-FFF988B2CC3E}" type="slidenum">
-              <a:rPr b="0" lang="en-US" sz="1400" spc="-1" strike="noStrike">
-                <a:latin typeface="Noto Sans"/>
-              </a:rPr>
-              <a:t>&lt;number&gt;</a:t>
-            </a:fld>
-            <a:r>
-              <a:rPr b="0" lang="en-US" sz="1400" spc="-1" strike="noStrike">
-                <a:latin typeface="Noto Sans"/>
-              </a:rPr>
-              <a:t> / </a:t>
-            </a:r>
-            <a:fld id="{88F54A86-BA54-40A6-A5DC-26EEC816145A}" type="slidecount">
-              <a:rPr b="0" lang="en-US" sz="1400" spc="-1" strike="noStrike">
-                <a:latin typeface="Noto Sans"/>
-              </a:rPr>
-              <a:t>11</a:t>
-            </a:fld>
-            <a:endParaRPr b="0" lang="en-US" sz="1400" spc="-1" strike="noStrike">
-              <a:latin typeface="Noto Sans"/>
-            </a:endParaRPr>
-          </a:p>
-        </p:txBody>
-      </p:sp>
-      <p:sp>
-        <p:nvSpPr>
-          <p:cNvPr id="47" name="CustomShape 6"/>
-          <p:cNvSpPr/>
-          <p:nvPr/>
-        </p:nvSpPr>
-        <p:spPr>
-          <a:xfrm>
-            <a:off x="0" y="288000"/>
-            <a:ext cx="504000" cy="1080000"/>
-          </a:xfrm>
-          <a:prstGeom prst="rect">
-            <a:avLst/>
-          </a:prstGeom>
-          <a:solidFill>
-            <a:srgbClr val="ef2929"/>
-          </a:solidFill>
+          <a:noFill/>
           <a:ln>
             <a:noFill/>
           </a:ln>
         </p:spPr>
-        <p:style>
-          <a:lnRef idx="0"/>
-          <a:fillRef idx="0"/>
-          <a:effectRef idx="0"/>
-          <a:fontRef idx="minor"/>
-        </p:style>
+        <p:txBody>
+          <a:bodyPr lIns="0" tIns="0" rIns="0" bIns="0">
+            <a:noAutofit/>
+          </a:bodyPr>
+          <a:lstStyle/>
+          <a:p>
+            <a:endParaRPr lang="en-US" sz="2800" b="0" strike="noStrike" spc="-1">
+              <a:solidFill>
+                <a:srgbClr val="333333"/>
+              </a:solidFill>
+              <a:latin typeface="Noto Sans"/>
+            </a:endParaRPr>
+          </a:p>
+        </p:txBody>
       </p:sp>
     </p:spTree>
   </p:cSld>
-  <p:clrMap bg1="lt1" bg2="lt2" tx1="dk1" tx2="dk2" accent1="accent1" accent2="accent2" accent3="accent3" accent4="accent4" accent5="accent5" accent6="accent6" hlink="hlink" folHlink="folHlink"/>
-  <p:sldLayoutIdLst>
-    <p:sldLayoutId id="2147483662" r:id="rId2"/>
-    <p:sldLayoutId id="2147483663" r:id="rId3"/>
-    <p:sldLayoutId id="2147483664" r:id="rId4"/>
-    <p:sldLayoutId id="2147483665" r:id="rId5"/>
-    <p:sldLayoutId id="2147483666" r:id="rId6"/>
-    <p:sldLayoutId id="2147483667" r:id="rId7"/>
-    <p:sldLayoutId id="2147483668" r:id="rId8"/>
-    <p:sldLayoutId id="2147483669" r:id="rId9"/>
-    <p:sldLayoutId id="2147483670" r:id="rId10"/>
-    <p:sldLayoutId id="2147483671" r:id="rId11"/>
-    <p:sldLayoutId id="2147483672" r:id="rId12"/>
-    <p:sldLayoutId id="2147483673" r:id="rId13"/>
-  </p:sldLayoutIdLst>
-</p:sldMaster>
+  <p:clrMapOvr>
+    <a:masterClrMapping/>
+  </p:clrMapOvr>
+</p:sld>
 </file>
 
-<file path=ppt/slides/slide1.xml><?xml version="1.0" encoding="utf-8"?>
-<p:sld xmlns:a="http://schemas.openxmlformats.org/drawingml/2006/main" xmlns:p="http://schemas.openxmlformats.org/presentationml/2006/main" xmlns:r="http://schemas.openxmlformats.org/officeDocument/2006/relationships" xmlns:p14="http://schemas.microsoft.com/office/powerpoint/2010/main" xmlns:p15="http://schemas.microsoft.com/office/powerpoint/2012/main" xmlns:mc="http://schemas.openxmlformats.org/markup-compatibility/2006">
+<file path=ppt/slides/slide11.xml><?xml version="1.0" encoding="utf-8"?>
+<p:sld xmlns:a="http://schemas.openxmlformats.org/drawingml/2006/main" xmlns:r="http://schemas.openxmlformats.org/officeDocument/2006/relationships" xmlns:p="http://schemas.openxmlformats.org/presentationml/2006/main">
   <p:cSld>
     <p:spTree>
       <p:nvGrpSpPr>
@@ -3838,14 +5289,14 @@
       </p:grpSpPr>
       <p:sp>
         <p:nvSpPr>
-          <p:cNvPr id="84" name="TextShape 1"/>
+          <p:cNvPr id="104" name="TextShape 1"/>
           <p:cNvSpPr txBox="1"/>
           <p:nvPr/>
         </p:nvSpPr>
         <p:spPr>
           <a:xfrm>
-            <a:off x="792000" y="3993480"/>
-            <a:ext cx="8568000" cy="1661400"/>
+            <a:off x="720000" y="300960"/>
+            <a:ext cx="8855640" cy="1262520"/>
           </a:xfrm>
           <a:prstGeom prst="rect">
             <a:avLst/>
@@ -3856,38 +5307,33 @@
           </a:ln>
         </p:spPr>
         <p:txBody>
-          <a:bodyPr lIns="0" rIns="0" tIns="0" bIns="0" anchor="ctr">
-            <a:normAutofit/>
-          </a:bodyPr>
+          <a:bodyPr lIns="0" tIns="0" rIns="0" bIns="0" anchor="ctr">
+            <a:noAutofit/>
+          </a:bodyPr>
+          <a:lstStyle/>
           <a:p>
             <a:r>
-              <a:rPr b="1" lang="en-US" sz="4800" spc="-1" strike="noStrike">
+              <a:rPr lang="en-US" sz="4400" b="1" strike="noStrike" spc="-1">
                 <a:solidFill>
                   <a:srgbClr val="333333"/>
                 </a:solidFill>
                 <a:latin typeface="Noto Sans"/>
               </a:rPr>
-              <a:t>Video Game Analysis</a:t>
+              <a:t>Outcomes</a:t>
             </a:r>
-            <a:endParaRPr b="1" lang="en-US" sz="4800" spc="-1" strike="noStrike">
-              <a:solidFill>
-                <a:srgbClr val="333333"/>
-              </a:solidFill>
-              <a:latin typeface="Noto Sans"/>
-            </a:endParaRPr>
-          </a:p>
-        </p:txBody>
-      </p:sp>
-      <p:sp>
-        <p:nvSpPr>
-          <p:cNvPr id="85" name="TextShape 2"/>
+          </a:p>
+        </p:txBody>
+      </p:sp>
+      <p:sp>
+        <p:nvSpPr>
+          <p:cNvPr id="105" name="TextShape 2"/>
           <p:cNvSpPr txBox="1"/>
           <p:nvPr/>
         </p:nvSpPr>
         <p:spPr>
           <a:xfrm>
-            <a:off x="792000" y="5904000"/>
-            <a:ext cx="8568000" cy="982440"/>
+            <a:off x="720000" y="2160000"/>
+            <a:ext cx="8640000" cy="4384800"/>
           </a:xfrm>
           <a:prstGeom prst="rect">
             <a:avLst/>
@@ -3898,30 +5344,15 @@
           </a:ln>
         </p:spPr>
         <p:txBody>
-          <a:bodyPr lIns="0" rIns="0" tIns="0" bIns="0" anchor="ctr">
-            <a:noAutofit/>
-          </a:bodyPr>
-          <a:p>
-            <a:pPr algn="ctr"/>
-            <a:r>
-              <a:rPr b="0" lang="en-US" sz="2600" spc="-1" strike="noStrike">
-                <a:latin typeface="Noto Sans"/>
-              </a:rPr>
-              <a:t>Kishan Patel, Ryan Stewart,</a:t>
-            </a:r>
-            <a:endParaRPr b="0" lang="en-US" sz="2600" spc="-1" strike="noStrike">
-              <a:latin typeface="Noto Sans"/>
-            </a:endParaRPr>
-          </a:p>
-          <a:p>
-            <a:pPr algn="ctr"/>
-            <a:r>
-              <a:rPr b="0" lang="en-US" sz="2600" spc="-1" strike="noStrike">
-                <a:latin typeface="Noto Sans"/>
-              </a:rPr>
-              <a:t>William Johnson, Luis Gonzalez</a:t>
-            </a:r>
-            <a:endParaRPr b="0" lang="en-US" sz="2600" spc="-1" strike="noStrike">
+          <a:bodyPr lIns="0" tIns="0" rIns="0" bIns="0">
+            <a:noAutofit/>
+          </a:bodyPr>
+          <a:lstStyle/>
+          <a:p>
+            <a:endParaRPr lang="en-US" sz="2800" b="0" strike="noStrike" spc="-1">
+              <a:solidFill>
+                <a:srgbClr val="333333"/>
+              </a:solidFill>
               <a:latin typeface="Noto Sans"/>
             </a:endParaRPr>
           </a:p>
@@ -3929,19 +5360,14 @@
       </p:sp>
     </p:spTree>
   </p:cSld>
-  <mc:AlternateContent>
-    <mc:Choice Requires="p14">
-      <p:transition spd="slow" p14:dur="2000"/>
-    </mc:Choice>
-    <mc:Fallback>
-      <p:transition spd="slow"/>
-    </mc:Fallback>
-  </mc:AlternateContent>
+  <p:clrMapOvr>
+    <a:masterClrMapping/>
+  </p:clrMapOvr>
 </p:sld>
 </file>
 
-<file path=ppt/slides/slide10.xml><?xml version="1.0" encoding="utf-8"?>
-<p:sld xmlns:a="http://schemas.openxmlformats.org/drawingml/2006/main" xmlns:p="http://schemas.openxmlformats.org/presentationml/2006/main" xmlns:r="http://schemas.openxmlformats.org/officeDocument/2006/relationships" xmlns:p14="http://schemas.microsoft.com/office/powerpoint/2010/main" xmlns:p15="http://schemas.microsoft.com/office/powerpoint/2012/main" xmlns:mc="http://schemas.openxmlformats.org/markup-compatibility/2006">
+<file path=ppt/slides/slide2.xml><?xml version="1.0" encoding="utf-8"?>
+<p:sld xmlns:a="http://schemas.openxmlformats.org/drawingml/2006/main" xmlns:r="http://schemas.openxmlformats.org/officeDocument/2006/relationships" xmlns:p="http://schemas.openxmlformats.org/presentationml/2006/main">
   <p:cSld>
     <p:spTree>
       <p:nvGrpSpPr>
@@ -3959,7 +5385,7 @@
       </p:grpSpPr>
       <p:sp>
         <p:nvSpPr>
-          <p:cNvPr id="102" name="TextShape 1"/>
+          <p:cNvPr id="86" name="TextShape 1"/>
           <p:cNvSpPr txBox="1"/>
           <p:nvPr/>
         </p:nvSpPr>
@@ -3977,38 +5403,33 @@
           </a:ln>
         </p:spPr>
         <p:txBody>
-          <a:bodyPr lIns="0" rIns="0" tIns="0" bIns="0" anchor="ctr">
-            <a:noAutofit/>
-          </a:bodyPr>
+          <a:bodyPr lIns="0" tIns="0" rIns="0" bIns="0" anchor="ctr">
+            <a:noAutofit/>
+          </a:bodyPr>
+          <a:lstStyle/>
           <a:p>
             <a:r>
-              <a:rPr b="1" lang="en-US" sz="4400" spc="-1" strike="noStrike">
+              <a:rPr lang="en-US" sz="4400" b="1" strike="noStrike" spc="-1">
                 <a:solidFill>
                   <a:srgbClr val="333333"/>
                 </a:solidFill>
                 <a:latin typeface="Noto Sans"/>
               </a:rPr>
-              <a:t>Data</a:t>
+              <a:t>Objective</a:t>
             </a:r>
-            <a:endParaRPr b="1" lang="en-US" sz="4400" spc="-1" strike="noStrike">
-              <a:solidFill>
-                <a:srgbClr val="333333"/>
-              </a:solidFill>
-              <a:latin typeface="Noto Sans"/>
-            </a:endParaRPr>
-          </a:p>
-        </p:txBody>
-      </p:sp>
-      <p:sp>
-        <p:nvSpPr>
-          <p:cNvPr id="103" name="TextShape 2"/>
+          </a:p>
+        </p:txBody>
+      </p:sp>
+      <p:sp>
+        <p:nvSpPr>
+          <p:cNvPr id="87" name="TextShape 2"/>
           <p:cNvSpPr txBox="1"/>
           <p:nvPr/>
         </p:nvSpPr>
         <p:spPr>
           <a:xfrm>
-            <a:off x="720000" y="2160000"/>
-            <a:ext cx="8640000" cy="4384800"/>
+            <a:off x="720312" y="2110902"/>
+            <a:ext cx="8640000" cy="4433898"/>
           </a:xfrm>
           <a:prstGeom prst="rect">
             <a:avLst/>
@@ -4019,34 +5440,138 @@
           </a:ln>
         </p:spPr>
         <p:txBody>
-          <a:bodyPr lIns="0" rIns="0" tIns="0" bIns="0">
-            <a:noAutofit/>
-          </a:bodyPr>
-          <a:p>
-            <a:endParaRPr b="0" lang="en-US" sz="2800" spc="-1" strike="noStrike">
-              <a:solidFill>
-                <a:srgbClr val="333333"/>
-              </a:solidFill>
-              <a:latin typeface="Noto Sans"/>
-            </a:endParaRPr>
-          </a:p>
-        </p:txBody>
-      </p:sp>
+          <a:bodyPr lIns="0" tIns="0" rIns="0" bIns="0">
+            <a:noAutofit/>
+          </a:bodyPr>
+          <a:lstStyle/>
+          <a:p>
+            <a:pPr marL="432000" indent="-324000">
+              <a:spcAft>
+                <a:spcPts val="1414"/>
+              </a:spcAft>
+              <a:buClr>
+                <a:srgbClr val="EF2929"/>
+              </a:buClr>
+              <a:buSzPct val="45000"/>
+              <a:buFont typeface="Wingdings" charset="2"/>
+              <a:buChar char=""/>
+            </a:pPr>
+            <a:r>
+              <a:rPr lang="en-US" sz="2800" b="0" strike="noStrike" spc="-1" dirty="0">
+                <a:solidFill>
+                  <a:srgbClr val="333333"/>
+                </a:solidFill>
+                <a:latin typeface="Noto Sans"/>
+              </a:rPr>
+              <a:t>Collect historical data – from a data set of video games from Steam</a:t>
+            </a:r>
+          </a:p>
+          <a:p>
+            <a:pPr marL="432000" indent="-324000">
+              <a:spcAft>
+                <a:spcPts val="1414"/>
+              </a:spcAft>
+              <a:buClr>
+                <a:srgbClr val="EF2929"/>
+              </a:buClr>
+              <a:buSzPct val="45000"/>
+              <a:buFont typeface="Wingdings" charset="2"/>
+              <a:buChar char=""/>
+            </a:pPr>
+            <a:r>
+              <a:rPr lang="en-US" sz="2800" b="0" strike="noStrike" spc="-1" dirty="0">
+                <a:solidFill>
+                  <a:srgbClr val="333333"/>
+                </a:solidFill>
+                <a:latin typeface="Noto Sans"/>
+              </a:rPr>
+              <a:t>Use the Steam API to collect game IDs, game names, and monthly play counts.</a:t>
+            </a:r>
+          </a:p>
+        </p:txBody>
+      </p:sp>
+      <p:pic>
+        <p:nvPicPr>
+          <p:cNvPr id="3" name="Picture 2">
+            <a:extLst>
+              <a:ext uri="{FF2B5EF4-FFF2-40B4-BE49-F238E27FC236}">
+                <a16:creationId xmlns:a16="http://schemas.microsoft.com/office/drawing/2014/main" id="{EAF7D6BB-C011-4AA7-961E-9C86FB47AB5D}"/>
+              </a:ext>
+            </a:extLst>
+          </p:cNvPr>
+          <p:cNvPicPr>
+            <a:picLocks noChangeAspect="1"/>
+          </p:cNvPicPr>
+          <p:nvPr/>
+        </p:nvPicPr>
+        <p:blipFill>
+          <a:blip r:embed="rId3">
+            <a:extLst>
+              <a:ext uri="{28A0092B-C50C-407E-A947-70E740481C1C}">
+                <a14:useLocalDpi xmlns:a14="http://schemas.microsoft.com/office/drawing/2010/main" val="0"/>
+              </a:ext>
+            </a:extLst>
+          </a:blip>
+          <a:stretch>
+            <a:fillRect/>
+          </a:stretch>
+        </p:blipFill>
+        <p:spPr>
+          <a:xfrm>
+            <a:off x="6192246" y="4392910"/>
+            <a:ext cx="2565264" cy="2565264"/>
+          </a:xfrm>
+          <a:prstGeom prst="rect">
+            <a:avLst/>
+          </a:prstGeom>
+        </p:spPr>
+      </p:pic>
+      <p:pic>
+        <p:nvPicPr>
+          <p:cNvPr id="7" name="Picture 6">
+            <a:extLst>
+              <a:ext uri="{FF2B5EF4-FFF2-40B4-BE49-F238E27FC236}">
+                <a16:creationId xmlns:a16="http://schemas.microsoft.com/office/drawing/2014/main" id="{F33DB6EC-7041-4CC8-932C-6DB55DB9D297}"/>
+              </a:ext>
+            </a:extLst>
+          </p:cNvPr>
+          <p:cNvPicPr>
+            <a:picLocks noChangeAspect="1"/>
+          </p:cNvPicPr>
+          <p:nvPr/>
+        </p:nvPicPr>
+        <p:blipFill>
+          <a:blip r:embed="rId4">
+            <a:extLst>
+              <a:ext uri="{28A0092B-C50C-407E-A947-70E740481C1C}">
+                <a14:useLocalDpi xmlns:a14="http://schemas.microsoft.com/office/drawing/2010/main" val="0"/>
+              </a:ext>
+            </a:extLst>
+          </a:blip>
+          <a:stretch>
+            <a:fillRect/>
+          </a:stretch>
+        </p:blipFill>
+        <p:spPr>
+          <a:xfrm>
+            <a:off x="1323115" y="3849417"/>
+            <a:ext cx="3522131" cy="3522131"/>
+          </a:xfrm>
+          <a:prstGeom prst="rect">
+            <a:avLst/>
+          </a:prstGeom>
+        </p:spPr>
+      </p:pic>
     </p:spTree>
   </p:cSld>
-  <mc:AlternateContent>
-    <mc:Choice Requires="p14">
-      <p:transition spd="slow" p14:dur="2000"/>
-    </mc:Choice>
-    <mc:Fallback>
-      <p:transition spd="slow"/>
-    </mc:Fallback>
-  </mc:AlternateContent>
+  <p:clrMapOvr>
+    <a:masterClrMapping/>
+  </p:clrMapOvr>
 </p:sld>
 </file>
 
-<file path=ppt/slides/slide11.xml><?xml version="1.0" encoding="utf-8"?>
-<p:sld xmlns:a="http://schemas.openxmlformats.org/drawingml/2006/main" xmlns:p="http://schemas.openxmlformats.org/presentationml/2006/main" xmlns:r="http://schemas.openxmlformats.org/officeDocument/2006/relationships" xmlns:p14="http://schemas.microsoft.com/office/powerpoint/2010/main" xmlns:p15="http://schemas.microsoft.com/office/powerpoint/2012/main" xmlns:mc="http://schemas.openxmlformats.org/markup-compatibility/2006">
+<file path=ppt/slides/slide3.xml><?xml version="1.0" encoding="utf-8"?>
+<p:sld xmlns:a="http://schemas.openxmlformats.org/drawingml/2006/main" xmlns:r="http://schemas.openxmlformats.org/officeDocument/2006/relationships" xmlns:p="http://schemas.openxmlformats.org/presentationml/2006/main">
   <p:cSld>
     <p:spTree>
       <p:nvGrpSpPr>
@@ -4064,7 +5589,7 @@
       </p:grpSpPr>
       <p:sp>
         <p:nvSpPr>
-          <p:cNvPr id="104" name="TextShape 1"/>
+          <p:cNvPr id="88" name="TextShape 1"/>
           <p:cNvSpPr txBox="1"/>
           <p:nvPr/>
         </p:nvSpPr>
@@ -4082,38 +5607,33 @@
           </a:ln>
         </p:spPr>
         <p:txBody>
-          <a:bodyPr lIns="0" rIns="0" tIns="0" bIns="0" anchor="ctr">
-            <a:noAutofit/>
-          </a:bodyPr>
+          <a:bodyPr lIns="0" tIns="0" rIns="0" bIns="0" anchor="ctr">
+            <a:noAutofit/>
+          </a:bodyPr>
+          <a:lstStyle/>
           <a:p>
             <a:r>
-              <a:rPr b="1" lang="en-US" sz="4400" spc="-1" strike="noStrike">
+              <a:rPr lang="en-US" sz="4400" b="1" strike="noStrike" spc="-1">
                 <a:solidFill>
                   <a:srgbClr val="333333"/>
                 </a:solidFill>
                 <a:latin typeface="Noto Sans"/>
               </a:rPr>
-              <a:t>Outcomes</a:t>
+              <a:t>Motivation</a:t>
             </a:r>
-            <a:endParaRPr b="1" lang="en-US" sz="4400" spc="-1" strike="noStrike">
-              <a:solidFill>
-                <a:srgbClr val="333333"/>
-              </a:solidFill>
-              <a:latin typeface="Noto Sans"/>
-            </a:endParaRPr>
-          </a:p>
-        </p:txBody>
-      </p:sp>
-      <p:sp>
-        <p:nvSpPr>
-          <p:cNvPr id="105" name="TextShape 2"/>
+          </a:p>
+        </p:txBody>
+      </p:sp>
+      <p:sp>
+        <p:nvSpPr>
+          <p:cNvPr id="89" name="TextShape 2"/>
           <p:cNvSpPr txBox="1"/>
           <p:nvPr/>
         </p:nvSpPr>
         <p:spPr>
           <a:xfrm>
             <a:off x="720000" y="2160000"/>
-            <a:ext cx="8640000" cy="4384800"/>
+            <a:ext cx="4143899" cy="4384800"/>
           </a:xfrm>
           <a:prstGeom prst="rect">
             <a:avLst/>
@@ -4124,34 +5644,175 @@
           </a:ln>
         </p:spPr>
         <p:txBody>
-          <a:bodyPr lIns="0" rIns="0" tIns="0" bIns="0">
-            <a:noAutofit/>
-          </a:bodyPr>
-          <a:p>
-            <a:endParaRPr b="0" lang="en-US" sz="2800" spc="-1" strike="noStrike">
-              <a:solidFill>
-                <a:srgbClr val="333333"/>
-              </a:solidFill>
-              <a:latin typeface="Noto Sans"/>
-            </a:endParaRPr>
-          </a:p>
-        </p:txBody>
-      </p:sp>
+          <a:bodyPr lIns="0" tIns="0" rIns="0" bIns="0">
+            <a:noAutofit/>
+          </a:bodyPr>
+          <a:lstStyle/>
+          <a:p>
+            <a:pPr marL="432000" indent="-324000">
+              <a:spcAft>
+                <a:spcPts val="1414"/>
+              </a:spcAft>
+              <a:buClr>
+                <a:srgbClr val="EF2929"/>
+              </a:buClr>
+              <a:buSzPct val="45000"/>
+              <a:buFont typeface="Wingdings" charset="2"/>
+              <a:buChar char=""/>
+            </a:pPr>
+            <a:r>
+              <a:rPr lang="en-US" sz="2400" b="0" strike="noStrike" spc="-1" dirty="0">
+                <a:solidFill>
+                  <a:srgbClr val="333333"/>
+                </a:solidFill>
+                <a:latin typeface="Noto Sans"/>
+              </a:rPr>
+              <a:t>COVID-19 has drastically affected overall human behavior, and has left millions of people quarantined at home.</a:t>
+            </a:r>
+          </a:p>
+          <a:p>
+            <a:pPr marL="432000" indent="-324000">
+              <a:spcAft>
+                <a:spcPts val="1414"/>
+              </a:spcAft>
+              <a:buClr>
+                <a:srgbClr val="EF2929"/>
+              </a:buClr>
+              <a:buSzPct val="45000"/>
+              <a:buFont typeface="Wingdings" charset="2"/>
+              <a:buChar char=""/>
+            </a:pPr>
+            <a:r>
+              <a:rPr lang="en-US" sz="2400" spc="-1" dirty="0">
+                <a:solidFill>
+                  <a:srgbClr val="333333"/>
+                </a:solidFill>
+                <a:latin typeface="Noto Sans"/>
+              </a:rPr>
+              <a:t>We want to analyze how COVID-19 has impacted video game trends and how they compare now to before the pandemic started.</a:t>
+            </a:r>
+          </a:p>
+          <a:p>
+            <a:pPr marL="432000" indent="-324000">
+              <a:spcAft>
+                <a:spcPts val="1414"/>
+              </a:spcAft>
+              <a:buClr>
+                <a:srgbClr val="EF2929"/>
+              </a:buClr>
+              <a:buSzPct val="45000"/>
+              <a:buFont typeface="Wingdings" charset="2"/>
+              <a:buChar char=""/>
+            </a:pPr>
+            <a:endParaRPr lang="en-US" sz="2400" spc="-1" dirty="0">
+              <a:solidFill>
+                <a:srgbClr val="333333"/>
+              </a:solidFill>
+              <a:latin typeface="Noto Sans"/>
+            </a:endParaRPr>
+          </a:p>
+          <a:p>
+            <a:pPr marL="889200" lvl="1" indent="-324000">
+              <a:spcAft>
+                <a:spcPts val="1414"/>
+              </a:spcAft>
+              <a:buClr>
+                <a:srgbClr val="EF2929"/>
+              </a:buClr>
+              <a:buSzPct val="45000"/>
+              <a:buFont typeface="Wingdings" charset="2"/>
+              <a:buChar char=""/>
+            </a:pPr>
+            <a:endParaRPr lang="en-US" sz="2400" b="0" strike="noStrike" spc="-1" dirty="0">
+              <a:solidFill>
+                <a:srgbClr val="333333"/>
+              </a:solidFill>
+              <a:latin typeface="Noto Sans"/>
+            </a:endParaRPr>
+          </a:p>
+        </p:txBody>
+      </p:sp>
+      <p:pic>
+        <p:nvPicPr>
+          <p:cNvPr id="5" name="Picture 4">
+            <a:extLst>
+              <a:ext uri="{FF2B5EF4-FFF2-40B4-BE49-F238E27FC236}">
+                <a16:creationId xmlns:a16="http://schemas.microsoft.com/office/drawing/2014/main" id="{65461840-DDBA-4D92-97C1-BC8A61CA1A13}"/>
+              </a:ext>
+            </a:extLst>
+          </p:cNvPr>
+          <p:cNvPicPr>
+            <a:picLocks noChangeAspect="1"/>
+          </p:cNvPicPr>
+          <p:nvPr/>
+        </p:nvPicPr>
+        <p:blipFill>
+          <a:blip r:embed="rId3">
+            <a:extLst>
+              <a:ext uri="{28A0092B-C50C-407E-A947-70E740481C1C}">
+                <a14:useLocalDpi xmlns:a14="http://schemas.microsoft.com/office/drawing/2010/main" val="0"/>
+              </a:ext>
+            </a:extLst>
+          </a:blip>
+          <a:stretch>
+            <a:fillRect/>
+          </a:stretch>
+        </p:blipFill>
+        <p:spPr>
+          <a:xfrm>
+            <a:off x="6442328" y="684853"/>
+            <a:ext cx="2527138" cy="2527138"/>
+          </a:xfrm>
+          <a:prstGeom prst="rect">
+            <a:avLst/>
+          </a:prstGeom>
+        </p:spPr>
+      </p:pic>
+      <p:pic>
+        <p:nvPicPr>
+          <p:cNvPr id="9" name="Picture 8">
+            <a:extLst>
+              <a:ext uri="{FF2B5EF4-FFF2-40B4-BE49-F238E27FC236}">
+                <a16:creationId xmlns:a16="http://schemas.microsoft.com/office/drawing/2014/main" id="{5580E1CE-699A-4BF2-B77F-7665B8F21E0C}"/>
+              </a:ext>
+            </a:extLst>
+          </p:cNvPr>
+          <p:cNvPicPr>
+            <a:picLocks noChangeAspect="1"/>
+          </p:cNvPicPr>
+          <p:nvPr/>
+        </p:nvPicPr>
+        <p:blipFill rotWithShape="1">
+          <a:blip r:embed="rId4">
+            <a:extLst>
+              <a:ext uri="{28A0092B-C50C-407E-A947-70E740481C1C}">
+                <a14:useLocalDpi xmlns:a14="http://schemas.microsoft.com/office/drawing/2010/main" val="0"/>
+              </a:ext>
+            </a:extLst>
+          </a:blip>
+          <a:srcRect l="22484" r="21161"/>
+          <a:stretch/>
+        </p:blipFill>
+        <p:spPr>
+          <a:xfrm>
+            <a:off x="6442328" y="4347684"/>
+            <a:ext cx="2527138" cy="2522422"/>
+          </a:xfrm>
+          <a:prstGeom prst="rect">
+            <a:avLst/>
+          </a:prstGeom>
+        </p:spPr>
+      </p:pic>
     </p:spTree>
   </p:cSld>
-  <mc:AlternateContent>
-    <mc:Choice Requires="p14">
-      <p:transition spd="slow" p14:dur="2000"/>
-    </mc:Choice>
-    <mc:Fallback>
-      <p:transition spd="slow"/>
-    </mc:Fallback>
-  </mc:AlternateContent>
+  <p:clrMapOvr>
+    <a:masterClrMapping/>
+  </p:clrMapOvr>
 </p:sld>
 </file>
 
-<file path=ppt/slides/slide2.xml><?xml version="1.0" encoding="utf-8"?>
-<p:sld xmlns:a="http://schemas.openxmlformats.org/drawingml/2006/main" xmlns:p="http://schemas.openxmlformats.org/presentationml/2006/main" xmlns:r="http://schemas.openxmlformats.org/officeDocument/2006/relationships" xmlns:p14="http://schemas.microsoft.com/office/powerpoint/2010/main" xmlns:p15="http://schemas.microsoft.com/office/powerpoint/2012/main" xmlns:mc="http://schemas.openxmlformats.org/markup-compatibility/2006">
+<file path=ppt/slides/slide4.xml><?xml version="1.0" encoding="utf-8"?>
+<p:sld xmlns:a="http://schemas.openxmlformats.org/drawingml/2006/main" xmlns:r="http://schemas.openxmlformats.org/officeDocument/2006/relationships" xmlns:p="http://schemas.openxmlformats.org/presentationml/2006/main">
   <p:cSld>
     <p:spTree>
       <p:nvGrpSpPr>
@@ -4169,7 +5830,7 @@
       </p:grpSpPr>
       <p:sp>
         <p:nvSpPr>
-          <p:cNvPr id="86" name="TextShape 1"/>
+          <p:cNvPr id="90" name="TextShape 1"/>
           <p:cNvSpPr txBox="1"/>
           <p:nvPr/>
         </p:nvSpPr>
@@ -4187,31 +5848,26 @@
           </a:ln>
         </p:spPr>
         <p:txBody>
-          <a:bodyPr lIns="0" rIns="0" tIns="0" bIns="0" anchor="ctr">
-            <a:noAutofit/>
-          </a:bodyPr>
+          <a:bodyPr lIns="0" tIns="0" rIns="0" bIns="0" anchor="ctr">
+            <a:noAutofit/>
+          </a:bodyPr>
+          <a:lstStyle/>
           <a:p>
             <a:r>
-              <a:rPr b="1" lang="en-US" sz="4400" spc="-1" strike="noStrike">
+              <a:rPr lang="en-US" sz="4400" b="1" strike="noStrike" spc="-1">
                 <a:solidFill>
                   <a:srgbClr val="333333"/>
                 </a:solidFill>
                 <a:latin typeface="Noto Sans"/>
               </a:rPr>
-              <a:t>Objective</a:t>
+              <a:t>Tools/Methods: Steam API</a:t>
             </a:r>
-            <a:endParaRPr b="1" lang="en-US" sz="4400" spc="-1" strike="noStrike">
-              <a:solidFill>
-                <a:srgbClr val="333333"/>
-              </a:solidFill>
-              <a:latin typeface="Noto Sans"/>
-            </a:endParaRPr>
-          </a:p>
-        </p:txBody>
-      </p:sp>
-      <p:sp>
-        <p:nvSpPr>
-          <p:cNvPr id="87" name="TextShape 2"/>
+          </a:p>
+        </p:txBody>
+      </p:sp>
+      <p:sp>
+        <p:nvSpPr>
+          <p:cNvPr id="91" name="TextShape 2"/>
           <p:cNvSpPr txBox="1"/>
           <p:nvPr/>
         </p:nvSpPr>
@@ -4229,59 +5885,12 @@
           </a:ln>
         </p:spPr>
         <p:txBody>
-          <a:bodyPr lIns="0" rIns="0" tIns="0" bIns="0">
-            <a:noAutofit/>
-          </a:bodyPr>
-          <a:p>
-            <a:pPr marL="432000" indent="-324000">
-              <a:spcAft>
-                <a:spcPts val="1414"/>
-              </a:spcAft>
-              <a:buClr>
-                <a:srgbClr val="ef2929"/>
-              </a:buClr>
-              <a:buSzPct val="45000"/>
-              <a:buFont typeface="Wingdings" charset="2"/>
-              <a:buChar char=""/>
-            </a:pPr>
-            <a:r>
-              <a:rPr b="0" lang="en-US" sz="2800" spc="-1" strike="noStrike">
-                <a:solidFill>
-                  <a:srgbClr val="333333"/>
-                </a:solidFill>
-                <a:latin typeface="Noto Sans"/>
-              </a:rPr>
-              <a:t>Collect historical data – from a data set of video games from Steam</a:t>
-            </a:r>
-            <a:endParaRPr b="0" lang="en-US" sz="2800" spc="-1" strike="noStrike">
-              <a:solidFill>
-                <a:srgbClr val="333333"/>
-              </a:solidFill>
-              <a:latin typeface="Noto Sans"/>
-            </a:endParaRPr>
-          </a:p>
-          <a:p>
-            <a:pPr marL="432000" indent="-324000">
-              <a:spcAft>
-                <a:spcPts val="1414"/>
-              </a:spcAft>
-              <a:buClr>
-                <a:srgbClr val="ef2929"/>
-              </a:buClr>
-              <a:buSzPct val="45000"/>
-              <a:buFont typeface="Wingdings" charset="2"/>
-              <a:buChar char=""/>
-            </a:pPr>
-            <a:r>
-              <a:rPr b="0" lang="en-US" sz="2800" spc="-1" strike="noStrike">
-                <a:solidFill>
-                  <a:srgbClr val="333333"/>
-                </a:solidFill>
-                <a:latin typeface="Noto Sans"/>
-              </a:rPr>
-              <a:t>Use the Steam API to collect game IDs, game names, and monthly play counts.</a:t>
-            </a:r>
-            <a:endParaRPr b="0" lang="en-US" sz="2800" spc="-1" strike="noStrike">
+          <a:bodyPr lIns="0" tIns="0" rIns="0" bIns="0">
+            <a:noAutofit/>
+          </a:bodyPr>
+          <a:lstStyle/>
+          <a:p>
+            <a:endParaRPr lang="en-US" sz="2800" b="0" strike="noStrike" spc="-1">
               <a:solidFill>
                 <a:srgbClr val="333333"/>
               </a:solidFill>
@@ -4292,19 +5901,14 @@
       </p:sp>
     </p:spTree>
   </p:cSld>
-  <mc:AlternateContent>
-    <mc:Choice Requires="p14">
-      <p:transition spd="slow" p14:dur="2000"/>
-    </mc:Choice>
-    <mc:Fallback>
-      <p:transition spd="slow"/>
-    </mc:Fallback>
-  </mc:AlternateContent>
+  <p:clrMapOvr>
+    <a:masterClrMapping/>
+  </p:clrMapOvr>
 </p:sld>
 </file>
 
-<file path=ppt/slides/slide3.xml><?xml version="1.0" encoding="utf-8"?>
-<p:sld xmlns:a="http://schemas.openxmlformats.org/drawingml/2006/main" xmlns:p="http://schemas.openxmlformats.org/presentationml/2006/main" xmlns:r="http://schemas.openxmlformats.org/officeDocument/2006/relationships" xmlns:p14="http://schemas.microsoft.com/office/powerpoint/2010/main" xmlns:p15="http://schemas.microsoft.com/office/powerpoint/2012/main" xmlns:mc="http://schemas.openxmlformats.org/markup-compatibility/2006">
+<file path=ppt/slides/slide5.xml><?xml version="1.0" encoding="utf-8"?>
+<p:sld xmlns:a="http://schemas.openxmlformats.org/drawingml/2006/main" xmlns:r="http://schemas.openxmlformats.org/officeDocument/2006/relationships" xmlns:p="http://schemas.openxmlformats.org/presentationml/2006/main">
   <p:cSld>
     <p:spTree>
       <p:nvGrpSpPr>
@@ -4322,7 +5926,7 @@
       </p:grpSpPr>
       <p:sp>
         <p:nvSpPr>
-          <p:cNvPr id="88" name="TextShape 1"/>
+          <p:cNvPr id="92" name="TextShape 1"/>
           <p:cNvSpPr txBox="1"/>
           <p:nvPr/>
         </p:nvSpPr>
@@ -4340,31 +5944,26 @@
           </a:ln>
         </p:spPr>
         <p:txBody>
-          <a:bodyPr lIns="0" rIns="0" tIns="0" bIns="0" anchor="ctr">
-            <a:noAutofit/>
-          </a:bodyPr>
+          <a:bodyPr lIns="0" tIns="0" rIns="0" bIns="0" anchor="ctr">
+            <a:noAutofit/>
+          </a:bodyPr>
+          <a:lstStyle/>
           <a:p>
             <a:r>
-              <a:rPr b="1" lang="en-US" sz="4400" spc="-1" strike="noStrike">
+              <a:rPr lang="en-US" sz="4400" b="1" strike="noStrike" spc="-1">
                 <a:solidFill>
                   <a:srgbClr val="333333"/>
                 </a:solidFill>
                 <a:latin typeface="Noto Sans"/>
               </a:rPr>
-              <a:t>Motivation</a:t>
+              <a:t>Tools/Methods: SteamDB</a:t>
             </a:r>
-            <a:endParaRPr b="1" lang="en-US" sz="4400" spc="-1" strike="noStrike">
-              <a:solidFill>
-                <a:srgbClr val="333333"/>
-              </a:solidFill>
-              <a:latin typeface="Noto Sans"/>
-            </a:endParaRPr>
-          </a:p>
-        </p:txBody>
-      </p:sp>
-      <p:sp>
-        <p:nvSpPr>
-          <p:cNvPr id="89" name="TextShape 2"/>
+          </a:p>
+        </p:txBody>
+      </p:sp>
+      <p:sp>
+        <p:nvSpPr>
+          <p:cNvPr id="93" name="TextShape 2"/>
           <p:cNvSpPr txBox="1"/>
           <p:nvPr/>
         </p:nvSpPr>
@@ -4382,36 +5981,75 @@
           </a:ln>
         </p:spPr>
         <p:txBody>
-          <a:bodyPr lIns="0" rIns="0" tIns="0" bIns="0">
-            <a:noAutofit/>
-          </a:bodyPr>
+          <a:bodyPr lIns="0" tIns="0" rIns="0" bIns="0">
+            <a:noAutofit/>
+          </a:bodyPr>
+          <a:lstStyle/>
           <a:p>
             <a:pPr marL="432000" indent="-324000">
               <a:spcAft>
                 <a:spcPts val="1414"/>
               </a:spcAft>
               <a:buClr>
-                <a:srgbClr val="ef2929"/>
+                <a:srgbClr val="EF2929"/>
               </a:buClr>
               <a:buSzPct val="45000"/>
               <a:buFont typeface="Wingdings" charset="2"/>
               <a:buChar char=""/>
             </a:pPr>
             <a:r>
-              <a:rPr b="0" lang="en-US" sz="2400" spc="-1" strike="noStrike">
+              <a:rPr lang="en-US" sz="2400" b="0" strike="noStrike" spc="-1">
                 <a:solidFill>
                   <a:srgbClr val="333333"/>
                 </a:solidFill>
                 <a:latin typeface="Noto Sans"/>
               </a:rPr>
-              <a:t>COVID-19 has drastically affected overall human behavior, and has left millions of people quarantined at home.</a:t>
+              <a:t>Used urblib and requests library</a:t>
             </a:r>
-            <a:endParaRPr b="0" lang="en-US" sz="2400" spc="-1" strike="noStrike">
-              <a:solidFill>
-                <a:srgbClr val="333333"/>
-              </a:solidFill>
-              <a:latin typeface="Noto Sans"/>
-            </a:endParaRPr>
+          </a:p>
+          <a:p>
+            <a:pPr marL="864000" lvl="1" indent="-324000">
+              <a:spcAft>
+                <a:spcPts val="1134"/>
+              </a:spcAft>
+              <a:buClr>
+                <a:srgbClr val="EF2929"/>
+              </a:buClr>
+              <a:buSzPct val="75000"/>
+              <a:buFont typeface="Symbol" charset="2"/>
+              <a:buChar char=""/>
+            </a:pPr>
+            <a:r>
+              <a:rPr lang="en-US" sz="2400" b="0" strike="noStrike" spc="-1">
+                <a:solidFill>
+                  <a:srgbClr val="333333"/>
+                </a:solidFill>
+                <a:latin typeface="Noto Sans"/>
+              </a:rPr>
+              <a:t>Scraped IDs  and name from Steam page that correspond to IDs on SteamDB</a:t>
+            </a:r>
+          </a:p>
+          <a:p>
+            <a:pPr marL="864000" lvl="1" indent="-324000">
+              <a:spcAft>
+                <a:spcPts val="1134"/>
+              </a:spcAft>
+              <a:buClr>
+                <a:srgbClr val="EF2929"/>
+              </a:buClr>
+              <a:buSzPct val="75000"/>
+              <a:buFont typeface="Symbol" charset="2"/>
+              <a:buChar char=""/>
+            </a:pPr>
+            <a:r>
+              <a:rPr lang="en-US" sz="2400" b="0" strike="noStrike" spc="-1">
+                <a:solidFill>
+                  <a:srgbClr val="333333"/>
+                </a:solidFill>
+                <a:latin typeface="Noto Sans"/>
+              </a:rPr>
+              <a:t>Request has limitations</a:t>
+            </a:r>
           </a:p>
           <a:p>
             <a:pPr marL="432000" indent="-324000">
@@ -4419,27 +6057,43 @@
                 <a:spcPts val="1414"/>
               </a:spcAft>
               <a:buClr>
-                <a:srgbClr val="ef2929"/>
+                <a:srgbClr val="EF2929"/>
               </a:buClr>
               <a:buSzPct val="45000"/>
               <a:buFont typeface="Wingdings" charset="2"/>
               <a:buChar char=""/>
             </a:pPr>
             <a:r>
-              <a:rPr b="0" lang="en-US" sz="2400" spc="-1" strike="noStrike">
+              <a:rPr lang="en-US" sz="2400" b="0" strike="noStrike" spc="-1">
                 <a:solidFill>
                   <a:srgbClr val="333333"/>
                 </a:solidFill>
                 <a:latin typeface="Noto Sans"/>
               </a:rPr>
-              <a:t>We want to see especially how COVID-19 has affected video games.</a:t>
+              <a:t>Used Selenium library (Chromedriver)</a:t>
             </a:r>
-            <a:endParaRPr b="0" lang="en-US" sz="2400" spc="-1" strike="noStrike">
-              <a:solidFill>
-                <a:srgbClr val="333333"/>
-              </a:solidFill>
-              <a:latin typeface="Noto Sans"/>
-            </a:endParaRPr>
+          </a:p>
+          <a:p>
+            <a:pPr marL="864000" lvl="1" indent="-324000">
+              <a:spcAft>
+                <a:spcPts val="1134"/>
+              </a:spcAft>
+              <a:buClr>
+                <a:srgbClr val="EF2929"/>
+              </a:buClr>
+              <a:buSzPct val="75000"/>
+              <a:buFont typeface="Symbol" charset="2"/>
+              <a:buChar char=""/>
+            </a:pPr>
+            <a:r>
+              <a:rPr lang="en-US" sz="2400" b="0" strike="noStrike" spc="-1">
+                <a:solidFill>
+                  <a:srgbClr val="333333"/>
+                </a:solidFill>
+                <a:latin typeface="Noto Sans"/>
+              </a:rPr>
+              <a:t>Able to connect connect to SteamDB, but CloudFlare issue</a:t>
+            </a:r>
           </a:p>
           <a:p>
             <a:pPr marL="432000" indent="-324000">
@@ -4447,64 +6101,56 @@
                 <a:spcPts val="1414"/>
               </a:spcAft>
               <a:buClr>
-                <a:srgbClr val="ef2929"/>
-              </a:buClr>
-              <a:buSzPct val="45000"/>
-              <a:buFont typeface="Wingdings" charset="2"/>
-              <a:buChar char=""/>
-            </a:pPr>
-            <a:endParaRPr b="0" lang="en-US" sz="2400" spc="-1" strike="noStrike">
-              <a:solidFill>
-                <a:srgbClr val="333333"/>
-              </a:solidFill>
-              <a:latin typeface="Noto Sans"/>
-            </a:endParaRPr>
-          </a:p>
-          <a:p>
-            <a:pPr marL="432000" indent="-324000">
-              <a:spcAft>
-                <a:spcPts val="1414"/>
-              </a:spcAft>
-              <a:buClr>
-                <a:srgbClr val="ef2929"/>
+                <a:srgbClr val="EF2929"/>
               </a:buClr>
               <a:buSzPct val="45000"/>
               <a:buFont typeface="Wingdings" charset="2"/>
               <a:buChar char=""/>
             </a:pPr>
             <a:r>
-              <a:rPr b="0" lang="en-US" sz="2400" spc="-1" strike="noStrike">
+              <a:rPr lang="en-US" sz="2400" b="0" strike="noStrike" spc="-1">
                 <a:solidFill>
                   <a:srgbClr val="333333"/>
                 </a:solidFill>
                 <a:latin typeface="Noto Sans"/>
               </a:rPr>
-              <a:t>We also want to see the overall trend of games.</a:t>
+              <a:t>Used Undetected Chromedriver</a:t>
             </a:r>
-            <a:endParaRPr b="0" lang="en-US" sz="2400" spc="-1" strike="noStrike">
-              <a:solidFill>
-                <a:srgbClr val="333333"/>
-              </a:solidFill>
-              <a:latin typeface="Noto Sans"/>
-            </a:endParaRPr>
+          </a:p>
+          <a:p>
+            <a:pPr marL="864000" lvl="1" indent="-324000">
+              <a:spcAft>
+                <a:spcPts val="1134"/>
+              </a:spcAft>
+              <a:buClr>
+                <a:srgbClr val="EF2929"/>
+              </a:buClr>
+              <a:buSzPct val="75000"/>
+              <a:buFont typeface="Symbol" charset="2"/>
+              <a:buChar char=""/>
+            </a:pPr>
+            <a:r>
+              <a:rPr lang="en-US" sz="2400" b="0" strike="noStrike" spc="-1">
+                <a:solidFill>
+                  <a:srgbClr val="333333"/>
+                </a:solidFill>
+                <a:latin typeface="Noto Sans"/>
+              </a:rPr>
+              <a:t>By passes CloudFlare, but SteamDB still blocks access</a:t>
+            </a:r>
           </a:p>
         </p:txBody>
       </p:sp>
     </p:spTree>
   </p:cSld>
-  <mc:AlternateContent>
-    <mc:Choice Requires="p14">
-      <p:transition spd="slow" p14:dur="2000"/>
-    </mc:Choice>
-    <mc:Fallback>
-      <p:transition spd="slow"/>
-    </mc:Fallback>
-  </mc:AlternateContent>
+  <p:clrMapOvr>
+    <a:masterClrMapping/>
+  </p:clrMapOvr>
 </p:sld>
 </file>
 
-<file path=ppt/slides/slide4.xml><?xml version="1.0" encoding="utf-8"?>
-<p:sld xmlns:a="http://schemas.openxmlformats.org/drawingml/2006/main" xmlns:p="http://schemas.openxmlformats.org/presentationml/2006/main" xmlns:r="http://schemas.openxmlformats.org/officeDocument/2006/relationships" xmlns:p14="http://schemas.microsoft.com/office/powerpoint/2010/main" xmlns:p15="http://schemas.microsoft.com/office/powerpoint/2012/main" xmlns:mc="http://schemas.openxmlformats.org/markup-compatibility/2006">
+<file path=ppt/slides/slide6.xml><?xml version="1.0" encoding="utf-8"?>
+<p:sld xmlns:a="http://schemas.openxmlformats.org/drawingml/2006/main" xmlns:r="http://schemas.openxmlformats.org/officeDocument/2006/relationships" xmlns:p="http://schemas.openxmlformats.org/presentationml/2006/main">
   <p:cSld>
     <p:spTree>
       <p:nvGrpSpPr>
@@ -4522,7 +6168,7 @@
       </p:grpSpPr>
       <p:sp>
         <p:nvSpPr>
-          <p:cNvPr id="90" name="TextShape 1"/>
+          <p:cNvPr id="94" name="TextShape 1"/>
           <p:cNvSpPr txBox="1"/>
           <p:nvPr/>
         </p:nvSpPr>
@@ -4540,31 +6186,26 @@
           </a:ln>
         </p:spPr>
         <p:txBody>
-          <a:bodyPr lIns="0" rIns="0" tIns="0" bIns="0" anchor="ctr">
-            <a:noAutofit/>
-          </a:bodyPr>
+          <a:bodyPr lIns="0" tIns="0" rIns="0" bIns="0" anchor="ctr">
+            <a:noAutofit/>
+          </a:bodyPr>
+          <a:lstStyle/>
           <a:p>
             <a:r>
-              <a:rPr b="1" lang="en-US" sz="4400" spc="-1" strike="noStrike">
+              <a:rPr lang="en-US" sz="4400" b="1" strike="noStrike" spc="-1">
                 <a:solidFill>
                   <a:srgbClr val="333333"/>
                 </a:solidFill>
                 <a:latin typeface="Noto Sans"/>
               </a:rPr>
-              <a:t>Tools/Methods: Steam API</a:t>
+              <a:t>Tools/Methods: SteamDB</a:t>
             </a:r>
-            <a:endParaRPr b="1" lang="en-US" sz="4400" spc="-1" strike="noStrike">
-              <a:solidFill>
-                <a:srgbClr val="333333"/>
-              </a:solidFill>
-              <a:latin typeface="Noto Sans"/>
-            </a:endParaRPr>
-          </a:p>
-        </p:txBody>
-      </p:sp>
-      <p:sp>
-        <p:nvSpPr>
-          <p:cNvPr id="91" name="TextShape 2"/>
+          </a:p>
+        </p:txBody>
+      </p:sp>
+      <p:sp>
+        <p:nvSpPr>
+          <p:cNvPr id="95" name="TextShape 2"/>
           <p:cNvSpPr txBox="1"/>
           <p:nvPr/>
         </p:nvSpPr>
@@ -4582,11 +6223,12 @@
           </a:ln>
         </p:spPr>
         <p:txBody>
-          <a:bodyPr lIns="0" rIns="0" tIns="0" bIns="0">
-            <a:noAutofit/>
-          </a:bodyPr>
-          <a:p>
-            <a:endParaRPr b="0" lang="en-US" sz="2800" spc="-1" strike="noStrike">
+          <a:bodyPr lIns="0" tIns="0" rIns="0" bIns="0">
+            <a:noAutofit/>
+          </a:bodyPr>
+          <a:lstStyle/>
+          <a:p>
+            <a:endParaRPr lang="en-US" sz="2800" b="0" strike="noStrike" spc="-1">
               <a:solidFill>
                 <a:srgbClr val="333333"/>
               </a:solidFill>
@@ -4597,19 +6239,14 @@
       </p:sp>
     </p:spTree>
   </p:cSld>
-  <mc:AlternateContent>
-    <mc:Choice Requires="p14">
-      <p:transition spd="slow" p14:dur="2000"/>
-    </mc:Choice>
-    <mc:Fallback>
-      <p:transition spd="slow"/>
-    </mc:Fallback>
-  </mc:AlternateContent>
+  <p:clrMapOvr>
+    <a:masterClrMapping/>
+  </p:clrMapOvr>
 </p:sld>
 </file>
 
-<file path=ppt/slides/slide5.xml><?xml version="1.0" encoding="utf-8"?>
-<p:sld xmlns:a="http://schemas.openxmlformats.org/drawingml/2006/main" xmlns:p="http://schemas.openxmlformats.org/presentationml/2006/main" xmlns:r="http://schemas.openxmlformats.org/officeDocument/2006/relationships" xmlns:p14="http://schemas.microsoft.com/office/powerpoint/2010/main" xmlns:p15="http://schemas.microsoft.com/office/powerpoint/2012/main" xmlns:mc="http://schemas.openxmlformats.org/markup-compatibility/2006">
+<file path=ppt/slides/slide7.xml><?xml version="1.0" encoding="utf-8"?>
+<p:sld xmlns:a="http://schemas.openxmlformats.org/drawingml/2006/main" xmlns:r="http://schemas.openxmlformats.org/officeDocument/2006/relationships" xmlns:p="http://schemas.openxmlformats.org/presentationml/2006/main">
   <p:cSld>
     <p:spTree>
       <p:nvGrpSpPr>
@@ -4627,7 +6264,7 @@
       </p:grpSpPr>
       <p:sp>
         <p:nvSpPr>
-          <p:cNvPr id="92" name="TextShape 1"/>
+          <p:cNvPr id="96" name="TextShape 1"/>
           <p:cNvSpPr txBox="1"/>
           <p:nvPr/>
         </p:nvSpPr>
@@ -4645,31 +6282,26 @@
           </a:ln>
         </p:spPr>
         <p:txBody>
-          <a:bodyPr lIns="0" rIns="0" tIns="0" bIns="0" anchor="ctr">
-            <a:noAutofit/>
-          </a:bodyPr>
+          <a:bodyPr lIns="0" tIns="0" rIns="0" bIns="0" anchor="ctr">
+            <a:noAutofit/>
+          </a:bodyPr>
+          <a:lstStyle/>
           <a:p>
             <a:r>
-              <a:rPr b="1" lang="en-US" sz="4400" spc="-1" strike="noStrike">
+              <a:rPr lang="en-US" sz="4400" b="1" strike="noStrike" spc="-1">
                 <a:solidFill>
                   <a:srgbClr val="333333"/>
                 </a:solidFill>
                 <a:latin typeface="Noto Sans"/>
               </a:rPr>
-              <a:t>Tools/Methods: SteamDB</a:t>
+              <a:t>Tools/Methods: Kaggle</a:t>
             </a:r>
-            <a:endParaRPr b="1" lang="en-US" sz="4400" spc="-1" strike="noStrike">
-              <a:solidFill>
-                <a:srgbClr val="333333"/>
-              </a:solidFill>
-              <a:latin typeface="Noto Sans"/>
-            </a:endParaRPr>
-          </a:p>
-        </p:txBody>
-      </p:sp>
-      <p:sp>
-        <p:nvSpPr>
-          <p:cNvPr id="93" name="TextShape 2"/>
+          </a:p>
+        </p:txBody>
+      </p:sp>
+      <p:sp>
+        <p:nvSpPr>
+          <p:cNvPr id="97" name="TextShape 2"/>
           <p:cNvSpPr txBox="1"/>
           <p:nvPr/>
         </p:nvSpPr>
@@ -4687,222 +6319,88 @@
           </a:ln>
         </p:spPr>
         <p:txBody>
-          <a:bodyPr lIns="0" rIns="0" tIns="0" bIns="0">
-            <a:noAutofit/>
-          </a:bodyPr>
+          <a:bodyPr lIns="0" tIns="0" rIns="0" bIns="0">
+            <a:noAutofit/>
+          </a:bodyPr>
+          <a:lstStyle/>
           <a:p>
             <a:pPr marL="432000" indent="-324000">
               <a:spcAft>
                 <a:spcPts val="1414"/>
               </a:spcAft>
               <a:buClr>
-                <a:srgbClr val="ef2929"/>
+                <a:srgbClr val="EF2929"/>
               </a:buClr>
               <a:buSzPct val="45000"/>
               <a:buFont typeface="Wingdings" charset="2"/>
               <a:buChar char=""/>
             </a:pPr>
             <a:r>
-              <a:rPr b="0" lang="en-US" sz="2400" spc="-1" strike="noStrike">
+              <a:rPr lang="en-US" sz="2800" b="0" strike="noStrike" spc="-1">
                 <a:solidFill>
                   <a:srgbClr val="333333"/>
                 </a:solidFill>
                 <a:latin typeface="Noto Sans"/>
               </a:rPr>
-              <a:t>Used urblib and requests library</a:t>
+              <a:t>Collected the following Kaggle data sets:</a:t>
             </a:r>
-            <a:endParaRPr b="0" lang="en-US" sz="2400" spc="-1" strike="noStrike">
-              <a:solidFill>
-                <a:srgbClr val="333333"/>
-              </a:solidFill>
-              <a:latin typeface="Noto Sans"/>
-            </a:endParaRPr>
-          </a:p>
-          <a:p>
-            <a:pPr lvl="1" marL="864000" indent="-324000">
+          </a:p>
+          <a:p>
+            <a:pPr marL="864000" lvl="1" indent="-324000">
               <a:spcAft>
                 <a:spcPts val="1134"/>
               </a:spcAft>
               <a:buClr>
-                <a:srgbClr val="ef2929"/>
+                <a:srgbClr val="EF2929"/>
               </a:buClr>
               <a:buSzPct val="75000"/>
               <a:buFont typeface="Symbol" charset="2"/>
               <a:buChar char=""/>
             </a:pPr>
             <a:r>
-              <a:rPr b="0" lang="en-US" sz="2400" spc="-1" strike="noStrike">
+              <a:rPr lang="en-US" sz="2800" b="0" strike="noStrike" spc="-1">
                 <a:solidFill>
                   <a:srgbClr val="333333"/>
                 </a:solidFill>
                 <a:latin typeface="Noto Sans"/>
               </a:rPr>
-              <a:t>Scraped IDs  and name from Steam page that correspond to IDs on SteamDB</a:t>
+              <a:t>Twitch Data set</a:t>
             </a:r>
-            <a:endParaRPr b="0" lang="en-US" sz="2400" spc="-1" strike="noStrike">
-              <a:solidFill>
-                <a:srgbClr val="333333"/>
-              </a:solidFill>
-              <a:latin typeface="Noto Sans"/>
-            </a:endParaRPr>
-          </a:p>
-          <a:p>
-            <a:pPr lvl="1" marL="864000" indent="-324000">
+          </a:p>
+          <a:p>
+            <a:pPr marL="864000" lvl="1" indent="-324000">
               <a:spcAft>
                 <a:spcPts val="1134"/>
               </a:spcAft>
               <a:buClr>
-                <a:srgbClr val="ef2929"/>
+                <a:srgbClr val="EF2929"/>
               </a:buClr>
               <a:buSzPct val="75000"/>
               <a:buFont typeface="Symbol" charset="2"/>
               <a:buChar char=""/>
             </a:pPr>
             <a:r>
-              <a:rPr b="0" lang="en-US" sz="2400" spc="-1" strike="noStrike">
+              <a:rPr lang="en-US" sz="2800" b="0" strike="noStrike" spc="-1">
                 <a:solidFill>
                   <a:srgbClr val="333333"/>
                 </a:solidFill>
                 <a:latin typeface="Noto Sans"/>
               </a:rPr>
-              <a:t>Request has limitations</a:t>
+              <a:t>Steam Data set</a:t>
             </a:r>
-            <a:endParaRPr b="0" lang="en-US" sz="2400" spc="-1" strike="noStrike">
-              <a:solidFill>
-                <a:srgbClr val="333333"/>
-              </a:solidFill>
-              <a:latin typeface="Noto Sans"/>
-            </a:endParaRPr>
-          </a:p>
-          <a:p>
-            <a:pPr marL="432000" indent="-324000">
-              <a:spcAft>
-                <a:spcPts val="1414"/>
-              </a:spcAft>
-              <a:buClr>
-                <a:srgbClr val="ef2929"/>
-              </a:buClr>
-              <a:buSzPct val="45000"/>
-              <a:buFont typeface="Wingdings" charset="2"/>
-              <a:buChar char=""/>
-            </a:pPr>
-            <a:r>
-              <a:rPr b="0" lang="en-US" sz="2400" spc="-1" strike="noStrike">
-                <a:solidFill>
-                  <a:srgbClr val="333333"/>
-                </a:solidFill>
-                <a:latin typeface="Noto Sans"/>
-              </a:rPr>
-              <a:t>Used Selenium library (Chromedriver)</a:t>
-            </a:r>
-            <a:endParaRPr b="0" lang="en-US" sz="2400" spc="-1" strike="noStrike">
-              <a:solidFill>
-                <a:srgbClr val="333333"/>
-              </a:solidFill>
-              <a:latin typeface="Noto Sans"/>
-            </a:endParaRPr>
-          </a:p>
-          <a:p>
-            <a:pPr lvl="1" marL="864000" indent="-324000">
-              <a:spcAft>
-                <a:spcPts val="1134"/>
-              </a:spcAft>
-              <a:buClr>
-                <a:srgbClr val="ef2929"/>
-              </a:buClr>
-              <a:buSzPct val="75000"/>
-              <a:buFont typeface="Symbol" charset="2"/>
-              <a:buChar char=""/>
-            </a:pPr>
-            <a:r>
-              <a:rPr b="0" lang="en-US" sz="2400" spc="-1" strike="noStrike">
-                <a:solidFill>
-                  <a:srgbClr val="333333"/>
-                </a:solidFill>
-                <a:latin typeface="Noto Sans"/>
-              </a:rPr>
-              <a:t>Able to connect connect to SteamDB, but CloudFlare issue</a:t>
-            </a:r>
-            <a:endParaRPr b="0" lang="en-US" sz="2400" spc="-1" strike="noStrike">
-              <a:solidFill>
-                <a:srgbClr val="333333"/>
-              </a:solidFill>
-              <a:latin typeface="Noto Sans"/>
-            </a:endParaRPr>
-          </a:p>
-          <a:p>
-            <a:pPr marL="432000" indent="-324000">
-              <a:spcAft>
-                <a:spcPts val="1414"/>
-              </a:spcAft>
-              <a:buClr>
-                <a:srgbClr val="ef2929"/>
-              </a:buClr>
-              <a:buSzPct val="45000"/>
-              <a:buFont typeface="Wingdings" charset="2"/>
-              <a:buChar char=""/>
-            </a:pPr>
-            <a:r>
-              <a:rPr b="0" lang="en-US" sz="2400" spc="-1" strike="noStrike">
-                <a:solidFill>
-                  <a:srgbClr val="333333"/>
-                </a:solidFill>
-                <a:latin typeface="Noto Sans"/>
-              </a:rPr>
-              <a:t>Used Undetected Chromedriver</a:t>
-            </a:r>
-            <a:endParaRPr b="0" lang="en-US" sz="2400" spc="-1" strike="noStrike">
-              <a:solidFill>
-                <a:srgbClr val="333333"/>
-              </a:solidFill>
-              <a:latin typeface="Noto Sans"/>
-            </a:endParaRPr>
-          </a:p>
-          <a:p>
-            <a:pPr lvl="1" marL="864000" indent="-324000">
-              <a:spcAft>
-                <a:spcPts val="1134"/>
-              </a:spcAft>
-              <a:buClr>
-                <a:srgbClr val="ef2929"/>
-              </a:buClr>
-              <a:buSzPct val="75000"/>
-              <a:buFont typeface="Symbol" charset="2"/>
-              <a:buChar char=""/>
-            </a:pPr>
-            <a:r>
-              <a:rPr b="0" lang="en-US" sz="2400" spc="-1" strike="noStrike">
-                <a:solidFill>
-                  <a:srgbClr val="333333"/>
-                </a:solidFill>
-                <a:latin typeface="Noto Sans"/>
-              </a:rPr>
-              <a:t>By passes CloudFlare, but SteamDB still blocks access</a:t>
-            </a:r>
-            <a:endParaRPr b="0" lang="en-US" sz="2400" spc="-1" strike="noStrike">
-              <a:solidFill>
-                <a:srgbClr val="333333"/>
-              </a:solidFill>
-              <a:latin typeface="Noto Sans"/>
-            </a:endParaRPr>
           </a:p>
         </p:txBody>
       </p:sp>
     </p:spTree>
   </p:cSld>
-  <mc:AlternateContent>
-    <mc:Choice Requires="p14">
-      <p:transition spd="slow" p14:dur="2000"/>
-    </mc:Choice>
-    <mc:Fallback>
-      <p:transition spd="slow"/>
-    </mc:Fallback>
-  </mc:AlternateContent>
+  <p:clrMapOvr>
+    <a:masterClrMapping/>
+  </p:clrMapOvr>
 </p:sld>
 </file>
 
-<file path=ppt/slides/slide6.xml><?xml version="1.0" encoding="utf-8"?>
-<p:sld xmlns:a="http://schemas.openxmlformats.org/drawingml/2006/main" xmlns:p="http://schemas.openxmlformats.org/presentationml/2006/main" xmlns:r="http://schemas.openxmlformats.org/officeDocument/2006/relationships" xmlns:p14="http://schemas.microsoft.com/office/powerpoint/2010/main" xmlns:p15="http://schemas.microsoft.com/office/powerpoint/2012/main" xmlns:mc="http://schemas.openxmlformats.org/markup-compatibility/2006">
+<file path=ppt/slides/slide8.xml><?xml version="1.0" encoding="utf-8"?>
+<p:sld xmlns:a="http://schemas.openxmlformats.org/drawingml/2006/main" xmlns:r="http://schemas.openxmlformats.org/officeDocument/2006/relationships" xmlns:p="http://schemas.openxmlformats.org/presentationml/2006/main">
   <p:cSld>
     <p:spTree>
       <p:nvGrpSpPr>
@@ -4920,7 +6418,7 @@
       </p:grpSpPr>
       <p:sp>
         <p:nvSpPr>
-          <p:cNvPr id="94" name="TextShape 1"/>
+          <p:cNvPr id="98" name="TextShape 1"/>
           <p:cNvSpPr txBox="1"/>
           <p:nvPr/>
         </p:nvSpPr>
@@ -4938,31 +6436,26 @@
           </a:ln>
         </p:spPr>
         <p:txBody>
-          <a:bodyPr lIns="0" rIns="0" tIns="0" bIns="0" anchor="ctr">
-            <a:noAutofit/>
-          </a:bodyPr>
+          <a:bodyPr lIns="0" tIns="0" rIns="0" bIns="0" anchor="ctr">
+            <a:noAutofit/>
+          </a:bodyPr>
+          <a:lstStyle/>
           <a:p>
             <a:r>
-              <a:rPr b="1" lang="en-US" sz="4400" spc="-1" strike="noStrike">
+              <a:rPr lang="en-US" sz="4400" b="1" strike="noStrike" spc="-1">
                 <a:solidFill>
                   <a:srgbClr val="333333"/>
                 </a:solidFill>
                 <a:latin typeface="Noto Sans"/>
               </a:rPr>
-              <a:t>Tools/Methods: SteamDB</a:t>
+              <a:t>Data</a:t>
             </a:r>
-            <a:endParaRPr b="1" lang="en-US" sz="4400" spc="-1" strike="noStrike">
-              <a:solidFill>
-                <a:srgbClr val="333333"/>
-              </a:solidFill>
-              <a:latin typeface="Noto Sans"/>
-            </a:endParaRPr>
-          </a:p>
-        </p:txBody>
-      </p:sp>
-      <p:sp>
-        <p:nvSpPr>
-          <p:cNvPr id="95" name="TextShape 2"/>
+          </a:p>
+        </p:txBody>
+      </p:sp>
+      <p:sp>
+        <p:nvSpPr>
+          <p:cNvPr id="99" name="TextShape 2"/>
           <p:cNvSpPr txBox="1"/>
           <p:nvPr/>
         </p:nvSpPr>
@@ -4980,11 +6473,12 @@
           </a:ln>
         </p:spPr>
         <p:txBody>
-          <a:bodyPr lIns="0" rIns="0" tIns="0" bIns="0">
-            <a:noAutofit/>
-          </a:bodyPr>
-          <a:p>
-            <a:endParaRPr b="0" lang="en-US" sz="2800" spc="-1" strike="noStrike">
+          <a:bodyPr lIns="0" tIns="0" rIns="0" bIns="0">
+            <a:noAutofit/>
+          </a:bodyPr>
+          <a:lstStyle/>
+          <a:p>
+            <a:endParaRPr lang="en-US" sz="2800" b="0" strike="noStrike" spc="-1">
               <a:solidFill>
                 <a:srgbClr val="333333"/>
               </a:solidFill>
@@ -4995,19 +6489,14 @@
       </p:sp>
     </p:spTree>
   </p:cSld>
-  <mc:AlternateContent>
-    <mc:Choice Requires="p14">
-      <p:transition spd="slow" p14:dur="2000"/>
-    </mc:Choice>
-    <mc:Fallback>
-      <p:transition spd="slow"/>
-    </mc:Fallback>
-  </mc:AlternateContent>
+  <p:clrMapOvr>
+    <a:masterClrMapping/>
+  </p:clrMapOvr>
 </p:sld>
 </file>
 
-<file path=ppt/slides/slide7.xml><?xml version="1.0" encoding="utf-8"?>
-<p:sld xmlns:a="http://schemas.openxmlformats.org/drawingml/2006/main" xmlns:p="http://schemas.openxmlformats.org/presentationml/2006/main" xmlns:r="http://schemas.openxmlformats.org/officeDocument/2006/relationships" xmlns:p14="http://schemas.microsoft.com/office/powerpoint/2010/main" xmlns:p15="http://schemas.microsoft.com/office/powerpoint/2012/main" xmlns:mc="http://schemas.openxmlformats.org/markup-compatibility/2006">
+<file path=ppt/slides/slide9.xml><?xml version="1.0" encoding="utf-8"?>
+<p:sld xmlns:a="http://schemas.openxmlformats.org/drawingml/2006/main" xmlns:r="http://schemas.openxmlformats.org/officeDocument/2006/relationships" xmlns:p="http://schemas.openxmlformats.org/presentationml/2006/main">
   <p:cSld>
     <p:spTree>
       <p:nvGrpSpPr>
@@ -5025,7 +6514,7 @@
       </p:grpSpPr>
       <p:sp>
         <p:nvSpPr>
-          <p:cNvPr id="96" name="TextShape 1"/>
+          <p:cNvPr id="100" name="TextShape 1"/>
           <p:cNvSpPr txBox="1"/>
           <p:nvPr/>
         </p:nvSpPr>
@@ -5043,193 +6532,13 @@
           </a:ln>
         </p:spPr>
         <p:txBody>
-          <a:bodyPr lIns="0" rIns="0" tIns="0" bIns="0" anchor="ctr">
-            <a:noAutofit/>
-          </a:bodyPr>
+          <a:bodyPr lIns="0" tIns="0" rIns="0" bIns="0" anchor="ctr">
+            <a:noAutofit/>
+          </a:bodyPr>
+          <a:lstStyle/>
           <a:p>
             <a:r>
-              <a:rPr b="1" lang="en-US" sz="4400" spc="-1" strike="noStrike">
-                <a:solidFill>
-                  <a:srgbClr val="333333"/>
-                </a:solidFill>
-                <a:latin typeface="Noto Sans"/>
-              </a:rPr>
-              <a:t>Tools/Methods: Kaggle</a:t>
-            </a:r>
-            <a:endParaRPr b="1" lang="en-US" sz="4400" spc="-1" strike="noStrike">
-              <a:solidFill>
-                <a:srgbClr val="333333"/>
-              </a:solidFill>
-              <a:latin typeface="Noto Sans"/>
-            </a:endParaRPr>
-          </a:p>
-        </p:txBody>
-      </p:sp>
-      <p:sp>
-        <p:nvSpPr>
-          <p:cNvPr id="97" name="TextShape 2"/>
-          <p:cNvSpPr txBox="1"/>
-          <p:nvPr/>
-        </p:nvSpPr>
-        <p:spPr>
-          <a:xfrm>
-            <a:off x="720000" y="2160000"/>
-            <a:ext cx="8640000" cy="4384800"/>
-          </a:xfrm>
-          <a:prstGeom prst="rect">
-            <a:avLst/>
-          </a:prstGeom>
-          <a:noFill/>
-          <a:ln>
-            <a:noFill/>
-          </a:ln>
-        </p:spPr>
-        <p:txBody>
-          <a:bodyPr lIns="0" rIns="0" tIns="0" bIns="0">
-            <a:noAutofit/>
-          </a:bodyPr>
-          <a:p>
-            <a:pPr marL="432000" indent="-324000">
-              <a:spcAft>
-                <a:spcPts val="1414"/>
-              </a:spcAft>
-              <a:buClr>
-                <a:srgbClr val="ef2929"/>
-              </a:buClr>
-              <a:buSzPct val="45000"/>
-              <a:buFont typeface="Wingdings" charset="2"/>
-              <a:buChar char=""/>
-            </a:pPr>
-            <a:r>
-              <a:rPr b="0" lang="en-US" sz="2800" spc="-1" strike="noStrike">
-                <a:solidFill>
-                  <a:srgbClr val="333333"/>
-                </a:solidFill>
-                <a:latin typeface="Noto Sans"/>
-              </a:rPr>
-              <a:t>Collected the following Kaggle data sets:</a:t>
-            </a:r>
-            <a:endParaRPr b="0" lang="en-US" sz="2800" spc="-1" strike="noStrike">
-              <a:solidFill>
-                <a:srgbClr val="333333"/>
-              </a:solidFill>
-              <a:latin typeface="Noto Sans"/>
-            </a:endParaRPr>
-          </a:p>
-          <a:p>
-            <a:pPr lvl="1" marL="864000" indent="-324000">
-              <a:spcAft>
-                <a:spcPts val="1134"/>
-              </a:spcAft>
-              <a:buClr>
-                <a:srgbClr val="ef2929"/>
-              </a:buClr>
-              <a:buSzPct val="75000"/>
-              <a:buFont typeface="Symbol" charset="2"/>
-              <a:buChar char=""/>
-            </a:pPr>
-            <a:r>
-              <a:rPr b="0" lang="en-US" sz="2800" spc="-1" strike="noStrike">
-                <a:solidFill>
-                  <a:srgbClr val="333333"/>
-                </a:solidFill>
-                <a:latin typeface="Noto Sans"/>
-              </a:rPr>
-              <a:t>Twitch Data set</a:t>
-            </a:r>
-            <a:endParaRPr b="0" lang="en-US" sz="2800" spc="-1" strike="noStrike">
-              <a:solidFill>
-                <a:srgbClr val="333333"/>
-              </a:solidFill>
-              <a:latin typeface="Noto Sans"/>
-            </a:endParaRPr>
-          </a:p>
-          <a:p>
-            <a:pPr lvl="1" marL="864000" indent="-324000">
-              <a:spcAft>
-                <a:spcPts val="1134"/>
-              </a:spcAft>
-              <a:buClr>
-                <a:srgbClr val="ef2929"/>
-              </a:buClr>
-              <a:buSzPct val="75000"/>
-              <a:buFont typeface="Symbol" charset="2"/>
-              <a:buChar char=""/>
-            </a:pPr>
-            <a:r>
-              <a:rPr b="0" lang="en-US" sz="2800" spc="-1" strike="noStrike">
-                <a:solidFill>
-                  <a:srgbClr val="333333"/>
-                </a:solidFill>
-                <a:latin typeface="Noto Sans"/>
-              </a:rPr>
-              <a:t>Steam Data set</a:t>
-            </a:r>
-            <a:endParaRPr b="0" lang="en-US" sz="2800" spc="-1" strike="noStrike">
-              <a:solidFill>
-                <a:srgbClr val="333333"/>
-              </a:solidFill>
-              <a:latin typeface="Noto Sans"/>
-            </a:endParaRPr>
-          </a:p>
-        </p:txBody>
-      </p:sp>
-    </p:spTree>
-  </p:cSld>
-  <mc:AlternateContent>
-    <mc:Choice Requires="p14">
-      <p:transition spd="slow" p14:dur="2000"/>
-    </mc:Choice>
-    <mc:Fallback>
-      <p:transition spd="slow"/>
-    </mc:Fallback>
-  </mc:AlternateContent>
-</p:sld>
-</file>
-
-<file path=ppt/slides/slide8.xml><?xml version="1.0" encoding="utf-8"?>
-<p:sld xmlns:a="http://schemas.openxmlformats.org/drawingml/2006/main" xmlns:p="http://schemas.openxmlformats.org/presentationml/2006/main" xmlns:r="http://schemas.openxmlformats.org/officeDocument/2006/relationships" xmlns:p14="http://schemas.microsoft.com/office/powerpoint/2010/main" xmlns:p15="http://schemas.microsoft.com/office/powerpoint/2012/main" xmlns:mc="http://schemas.openxmlformats.org/markup-compatibility/2006">
-  <p:cSld>
-    <p:spTree>
-      <p:nvGrpSpPr>
-        <p:cNvPr id="1" name=""/>
-        <p:cNvGrpSpPr/>
-        <p:nvPr/>
-      </p:nvGrpSpPr>
-      <p:grpSpPr>
-        <a:xfrm>
-          <a:off x="0" y="0"/>
-          <a:ext cx="0" cy="0"/>
-          <a:chOff x="0" y="0"/>
-          <a:chExt cx="0" cy="0"/>
-        </a:xfrm>
-      </p:grpSpPr>
-      <p:sp>
-        <p:nvSpPr>
-          <p:cNvPr id="98" name="TextShape 1"/>
-          <p:cNvSpPr txBox="1"/>
-          <p:nvPr/>
-        </p:nvSpPr>
-        <p:spPr>
-          <a:xfrm>
-            <a:off x="720000" y="300960"/>
-            <a:ext cx="8855640" cy="1262520"/>
-          </a:xfrm>
-          <a:prstGeom prst="rect">
-            <a:avLst/>
-          </a:prstGeom>
-          <a:noFill/>
-          <a:ln>
-            <a:noFill/>
-          </a:ln>
-        </p:spPr>
-        <p:txBody>
-          <a:bodyPr lIns="0" rIns="0" tIns="0" bIns="0" anchor="ctr">
-            <a:noAutofit/>
-          </a:bodyPr>
-          <a:p>
-            <a:r>
-              <a:rPr b="1" lang="en-US" sz="4400" spc="-1" strike="noStrike">
+              <a:rPr lang="en-US" sz="4400" b="1" strike="noStrike" spc="-1">
                 <a:solidFill>
                   <a:srgbClr val="333333"/>
                 </a:solidFill>
@@ -5237,18 +6546,12 @@
               </a:rPr>
               <a:t>Data</a:t>
             </a:r>
-            <a:endParaRPr b="1" lang="en-US" sz="4400" spc="-1" strike="noStrike">
-              <a:solidFill>
-                <a:srgbClr val="333333"/>
-              </a:solidFill>
-              <a:latin typeface="Noto Sans"/>
-            </a:endParaRPr>
-          </a:p>
-        </p:txBody>
-      </p:sp>
-      <p:sp>
-        <p:nvSpPr>
-          <p:cNvPr id="99" name="TextShape 2"/>
+          </a:p>
+        </p:txBody>
+      </p:sp>
+      <p:sp>
+        <p:nvSpPr>
+          <p:cNvPr id="101" name="TextShape 2"/>
           <p:cNvSpPr txBox="1"/>
           <p:nvPr/>
         </p:nvSpPr>
@@ -5266,11 +6569,12 @@
           </a:ln>
         </p:spPr>
         <p:txBody>
-          <a:bodyPr lIns="0" rIns="0" tIns="0" bIns="0">
-            <a:noAutofit/>
-          </a:bodyPr>
-          <a:p>
-            <a:endParaRPr b="0" lang="en-US" sz="2800" spc="-1" strike="noStrike">
+          <a:bodyPr lIns="0" tIns="0" rIns="0" bIns="0">
+            <a:noAutofit/>
+          </a:bodyPr>
+          <a:lstStyle/>
+          <a:p>
+            <a:endParaRPr lang="en-US" sz="2800" b="0" strike="noStrike" spc="-1">
               <a:solidFill>
                 <a:srgbClr val="333333"/>
               </a:solidFill>
@@ -5281,119 +6585,9 @@
       </p:sp>
     </p:spTree>
   </p:cSld>
-  <mc:AlternateContent>
-    <mc:Choice Requires="p14">
-      <p:transition spd="slow" p14:dur="2000"/>
-    </mc:Choice>
-    <mc:Fallback>
-      <p:transition spd="slow"/>
-    </mc:Fallback>
-  </mc:AlternateContent>
-</p:sld>
-</file>
-
-<file path=ppt/slides/slide9.xml><?xml version="1.0" encoding="utf-8"?>
-<p:sld xmlns:a="http://schemas.openxmlformats.org/drawingml/2006/main" xmlns:p="http://schemas.openxmlformats.org/presentationml/2006/main" xmlns:r="http://schemas.openxmlformats.org/officeDocument/2006/relationships" xmlns:p14="http://schemas.microsoft.com/office/powerpoint/2010/main" xmlns:p15="http://schemas.microsoft.com/office/powerpoint/2012/main" xmlns:mc="http://schemas.openxmlformats.org/markup-compatibility/2006">
-  <p:cSld>
-    <p:spTree>
-      <p:nvGrpSpPr>
-        <p:cNvPr id="1" name=""/>
-        <p:cNvGrpSpPr/>
-        <p:nvPr/>
-      </p:nvGrpSpPr>
-      <p:grpSpPr>
-        <a:xfrm>
-          <a:off x="0" y="0"/>
-          <a:ext cx="0" cy="0"/>
-          <a:chOff x="0" y="0"/>
-          <a:chExt cx="0" cy="0"/>
-        </a:xfrm>
-      </p:grpSpPr>
-      <p:sp>
-        <p:nvSpPr>
-          <p:cNvPr id="100" name="TextShape 1"/>
-          <p:cNvSpPr txBox="1"/>
-          <p:nvPr/>
-        </p:nvSpPr>
-        <p:spPr>
-          <a:xfrm>
-            <a:off x="720000" y="300960"/>
-            <a:ext cx="8855640" cy="1262520"/>
-          </a:xfrm>
-          <a:prstGeom prst="rect">
-            <a:avLst/>
-          </a:prstGeom>
-          <a:noFill/>
-          <a:ln>
-            <a:noFill/>
-          </a:ln>
-        </p:spPr>
-        <p:txBody>
-          <a:bodyPr lIns="0" rIns="0" tIns="0" bIns="0" anchor="ctr">
-            <a:noAutofit/>
-          </a:bodyPr>
-          <a:p>
-            <a:r>
-              <a:rPr b="1" lang="en-US" sz="4400" spc="-1" strike="noStrike">
-                <a:solidFill>
-                  <a:srgbClr val="333333"/>
-                </a:solidFill>
-                <a:latin typeface="Noto Sans"/>
-              </a:rPr>
-              <a:t>Data</a:t>
-            </a:r>
-            <a:endParaRPr b="1" lang="en-US" sz="4400" spc="-1" strike="noStrike">
-              <a:solidFill>
-                <a:srgbClr val="333333"/>
-              </a:solidFill>
-              <a:latin typeface="Noto Sans"/>
-            </a:endParaRPr>
-          </a:p>
-        </p:txBody>
-      </p:sp>
-      <p:sp>
-        <p:nvSpPr>
-          <p:cNvPr id="101" name="TextShape 2"/>
-          <p:cNvSpPr txBox="1"/>
-          <p:nvPr/>
-        </p:nvSpPr>
-        <p:spPr>
-          <a:xfrm>
-            <a:off x="720000" y="2160000"/>
-            <a:ext cx="8640000" cy="4384800"/>
-          </a:xfrm>
-          <a:prstGeom prst="rect">
-            <a:avLst/>
-          </a:prstGeom>
-          <a:noFill/>
-          <a:ln>
-            <a:noFill/>
-          </a:ln>
-        </p:spPr>
-        <p:txBody>
-          <a:bodyPr lIns="0" rIns="0" tIns="0" bIns="0">
-            <a:noAutofit/>
-          </a:bodyPr>
-          <a:p>
-            <a:endParaRPr b="0" lang="en-US" sz="2800" spc="-1" strike="noStrike">
-              <a:solidFill>
-                <a:srgbClr val="333333"/>
-              </a:solidFill>
-              <a:latin typeface="Noto Sans"/>
-            </a:endParaRPr>
-          </a:p>
-        </p:txBody>
-      </p:sp>
-    </p:spTree>
-  </p:cSld>
-  <mc:AlternateContent>
-    <mc:Choice Requires="p14">
-      <p:transition spd="slow" p14:dur="2000"/>
-    </mc:Choice>
-    <mc:Fallback>
-      <p:transition spd="slow"/>
-    </mc:Fallback>
-  </mc:AlternateContent>
+  <p:clrMapOvr>
+    <a:masterClrMapping/>
+  </p:clrMapOvr>
 </p:sld>
 </file>
 
@@ -5408,31 +6602,31 @@
         <a:sysClr val="window" lastClr="FFFFFF"/>
       </a:lt1>
       <a:dk2>
-        <a:srgbClr val="1f497d"/>
+        <a:srgbClr val="1F497D"/>
       </a:dk2>
       <a:lt2>
-        <a:srgbClr val="eeece1"/>
+        <a:srgbClr val="EEECE1"/>
       </a:lt2>
       <a:accent1>
-        <a:srgbClr val="4f81bd"/>
+        <a:srgbClr val="4F81BD"/>
       </a:accent1>
       <a:accent2>
-        <a:srgbClr val="c0504d"/>
+        <a:srgbClr val="C0504D"/>
       </a:accent2>
       <a:accent3>
-        <a:srgbClr val="9bbb59"/>
+        <a:srgbClr val="9BBB59"/>
       </a:accent3>
       <a:accent4>
-        <a:srgbClr val="8064a2"/>
+        <a:srgbClr val="8064A2"/>
       </a:accent4>
       <a:accent5>
-        <a:srgbClr val="4bacc6"/>
+        <a:srgbClr val="4BACC6"/>
       </a:accent5>
       <a:accent6>
-        <a:srgbClr val="f79646"/>
+        <a:srgbClr val="F79646"/>
       </a:accent6>
       <a:hlink>
-        <a:srgbClr val="0000ff"/>
+        <a:srgbClr val="0000FF"/>
       </a:hlink>
       <a:folHlink>
         <a:srgbClr val="800080"/>
@@ -5620,6 +6814,8 @@
       </a:bgFillStyleLst>
     </a:fmtScheme>
   </a:themeElements>
+  <a:objectDefaults/>
+  <a:extraClrSchemeLst/>
 </a:theme>
 </file>
 
@@ -5634,31 +6830,31 @@
         <a:sysClr val="window" lastClr="FFFFFF"/>
       </a:lt1>
       <a:dk2>
-        <a:srgbClr val="1f497d"/>
+        <a:srgbClr val="1F497D"/>
       </a:dk2>
       <a:lt2>
-        <a:srgbClr val="eeece1"/>
+        <a:srgbClr val="EEECE1"/>
       </a:lt2>
       <a:accent1>
-        <a:srgbClr val="4f81bd"/>
+        <a:srgbClr val="4F81BD"/>
       </a:accent1>
       <a:accent2>
-        <a:srgbClr val="c0504d"/>
+        <a:srgbClr val="C0504D"/>
       </a:accent2>
       <a:accent3>
-        <a:srgbClr val="9bbb59"/>
+        <a:srgbClr val="9BBB59"/>
       </a:accent3>
       <a:accent4>
-        <a:srgbClr val="8064a2"/>
+        <a:srgbClr val="8064A2"/>
       </a:accent4>
       <a:accent5>
-        <a:srgbClr val="4bacc6"/>
+        <a:srgbClr val="4BACC6"/>
       </a:accent5>
       <a:accent6>
-        <a:srgbClr val="f79646"/>
+        <a:srgbClr val="F79646"/>
       </a:accent6>
       <a:hlink>
-        <a:srgbClr val="0000ff"/>
+        <a:srgbClr val="0000FF"/>
       </a:hlink>
       <a:folHlink>
         <a:srgbClr val="800080"/>
@@ -5846,5 +7042,302 @@
       </a:bgFillStyleLst>
     </a:fmtScheme>
   </a:themeElements>
+  <a:objectDefaults/>
+  <a:extraClrSchemeLst/>
+</a:theme>
+</file>
+
+<file path=ppt/theme/theme3.xml><?xml version="1.0" encoding="utf-8"?>
+<a:theme xmlns:a="http://schemas.openxmlformats.org/drawingml/2006/main" name="Office Theme">
+  <a:themeElements>
+    <a:clrScheme name="Office">
+      <a:dk1>
+        <a:sysClr val="windowText" lastClr="000000"/>
+      </a:dk1>
+      <a:lt1>
+        <a:sysClr val="window" lastClr="FFFFFF"/>
+      </a:lt1>
+      <a:dk2>
+        <a:srgbClr val="44546A"/>
+      </a:dk2>
+      <a:lt2>
+        <a:srgbClr val="E7E6E6"/>
+      </a:lt2>
+      <a:accent1>
+        <a:srgbClr val="4472C4"/>
+      </a:accent1>
+      <a:accent2>
+        <a:srgbClr val="ED7D31"/>
+      </a:accent2>
+      <a:accent3>
+        <a:srgbClr val="A5A5A5"/>
+      </a:accent3>
+      <a:accent4>
+        <a:srgbClr val="FFC000"/>
+      </a:accent4>
+      <a:accent5>
+        <a:srgbClr val="5B9BD5"/>
+      </a:accent5>
+      <a:accent6>
+        <a:srgbClr val="70AD47"/>
+      </a:accent6>
+      <a:hlink>
+        <a:srgbClr val="0563C1"/>
+      </a:hlink>
+      <a:folHlink>
+        <a:srgbClr val="954F72"/>
+      </a:folHlink>
+    </a:clrScheme>
+    <a:fontScheme name="Office">
+      <a:majorFont>
+        <a:latin typeface="Calibri Light" panose="020F0302020204030204"/>
+        <a:ea typeface=""/>
+        <a:cs typeface=""/>
+        <a:font script="Jpan" typeface="游ゴシック Light"/>
+        <a:font script="Hang" typeface="맑은 고딕"/>
+        <a:font script="Hans" typeface="等线 Light"/>
+        <a:font script="Hant" typeface="新細明體"/>
+        <a:font script="Arab" typeface="Times New Roman"/>
+        <a:font script="Hebr" typeface="Times New Roman"/>
+        <a:font script="Thai" typeface="Angsana New"/>
+        <a:font script="Ethi" typeface="Nyala"/>
+        <a:font script="Beng" typeface="Vrinda"/>
+        <a:font script="Gujr" typeface="Shruti"/>
+        <a:font script="Khmr" typeface="MoolBoran"/>
+        <a:font script="Knda" typeface="Tunga"/>
+        <a:font script="Guru" typeface="Raavi"/>
+        <a:font script="Cans" typeface="Euphemia"/>
+        <a:font script="Cher" typeface="Plantagenet Cherokee"/>
+        <a:font script="Yiii" typeface="Microsoft Yi Baiti"/>
+        <a:font script="Tibt" typeface="Microsoft Himalaya"/>
+        <a:font script="Thaa" typeface="MV Boli"/>
+        <a:font script="Deva" typeface="Mangal"/>
+        <a:font script="Telu" typeface="Gautami"/>
+        <a:font script="Taml" typeface="Latha"/>
+        <a:font script="Syrc" typeface="Estrangelo Edessa"/>
+        <a:font script="Orya" typeface="Kalinga"/>
+        <a:font script="Mlym" typeface="Kartika"/>
+        <a:font script="Laoo" typeface="DokChampa"/>
+        <a:font script="Sinh" typeface="Iskoola Pota"/>
+        <a:font script="Mong" typeface="Mongolian Baiti"/>
+        <a:font script="Viet" typeface="Times New Roman"/>
+        <a:font script="Uigh" typeface="Microsoft Uighur"/>
+        <a:font script="Geor" typeface="Sylfaen"/>
+        <a:font script="Armn" typeface="Arial"/>
+        <a:font script="Bugi" typeface="Leelawadee UI"/>
+        <a:font script="Bopo" typeface="Microsoft JhengHei"/>
+        <a:font script="Java" typeface="Javanese Text"/>
+        <a:font script="Lisu" typeface="Segoe UI"/>
+        <a:font script="Mymr" typeface="Myanmar Text"/>
+        <a:font script="Nkoo" typeface="Ebrima"/>
+        <a:font script="Olck" typeface="Nirmala UI"/>
+        <a:font script="Osma" typeface="Ebrima"/>
+        <a:font script="Phag" typeface="Phagspa"/>
+        <a:font script="Syrn" typeface="Estrangelo Edessa"/>
+        <a:font script="Syrj" typeface="Estrangelo Edessa"/>
+        <a:font script="Syre" typeface="Estrangelo Edessa"/>
+        <a:font script="Sora" typeface="Nirmala UI"/>
+        <a:font script="Tale" typeface="Microsoft Tai Le"/>
+        <a:font script="Talu" typeface="Microsoft New Tai Lue"/>
+        <a:font script="Tfng" typeface="Ebrima"/>
+      </a:majorFont>
+      <a:minorFont>
+        <a:latin typeface="Calibri" panose="020F0502020204030204"/>
+        <a:ea typeface=""/>
+        <a:cs typeface=""/>
+        <a:font script="Jpan" typeface="游ゴシック"/>
+        <a:font script="Hang" typeface="맑은 고딕"/>
+        <a:font script="Hans" typeface="等线"/>
+        <a:font script="Hant" typeface="新細明體"/>
+        <a:font script="Arab" typeface="Arial"/>
+        <a:font script="Hebr" typeface="Arial"/>
+        <a:font script="Thai" typeface="Cordia New"/>
+        <a:font script="Ethi" typeface="Nyala"/>
+        <a:font script="Beng" typeface="Vrinda"/>
+        <a:font script="Gujr" typeface="Shruti"/>
+        <a:font script="Khmr" typeface="DaunPenh"/>
+        <a:font script="Knda" typeface="Tunga"/>
+        <a:font script="Guru" typeface="Raavi"/>
+        <a:font script="Cans" typeface="Euphemia"/>
+        <a:font script="Cher" typeface="Plantagenet Cherokee"/>
+        <a:font script="Yiii" typeface="Microsoft Yi Baiti"/>
+        <a:font script="Tibt" typeface="Microsoft Himalaya"/>
+        <a:font script="Thaa" typeface="MV Boli"/>
+        <a:font script="Deva" typeface="Mangal"/>
+        <a:font script="Telu" typeface="Gautami"/>
+        <a:font script="Taml" typeface="Latha"/>
+        <a:font script="Syrc" typeface="Estrangelo Edessa"/>
+        <a:font script="Orya" typeface="Kalinga"/>
+        <a:font script="Mlym" typeface="Kartika"/>
+        <a:font script="Laoo" typeface="DokChampa"/>
+        <a:font script="Sinh" typeface="Iskoola Pota"/>
+        <a:font script="Mong" typeface="Mongolian Baiti"/>
+        <a:font script="Viet" typeface="Arial"/>
+        <a:font script="Uigh" typeface="Microsoft Uighur"/>
+        <a:font script="Geor" typeface="Sylfaen"/>
+        <a:font script="Armn" typeface="Arial"/>
+        <a:font script="Bugi" typeface="Leelawadee UI"/>
+        <a:font script="Bopo" typeface="Microsoft JhengHei"/>
+        <a:font script="Java" typeface="Javanese Text"/>
+        <a:font script="Lisu" typeface="Segoe UI"/>
+        <a:font script="Mymr" typeface="Myanmar Text"/>
+        <a:font script="Nkoo" typeface="Ebrima"/>
+        <a:font script="Olck" typeface="Nirmala UI"/>
+        <a:font script="Osma" typeface="Ebrima"/>
+        <a:font script="Phag" typeface="Phagspa"/>
+        <a:font script="Syrn" typeface="Estrangelo Edessa"/>
+        <a:font script="Syrj" typeface="Estrangelo Edessa"/>
+        <a:font script="Syre" typeface="Estrangelo Edessa"/>
+        <a:font script="Sora" typeface="Nirmala UI"/>
+        <a:font script="Tale" typeface="Microsoft Tai Le"/>
+        <a:font script="Talu" typeface="Microsoft New Tai Lue"/>
+        <a:font script="Tfng" typeface="Ebrima"/>
+      </a:minorFont>
+    </a:fontScheme>
+    <a:fmtScheme name="Office">
+      <a:fillStyleLst>
+        <a:solidFill>
+          <a:schemeClr val="phClr"/>
+        </a:solidFill>
+        <a:gradFill rotWithShape="1">
+          <a:gsLst>
+            <a:gs pos="0">
+              <a:schemeClr val="phClr">
+                <a:lumMod val="110000"/>
+                <a:satMod val="105000"/>
+                <a:tint val="67000"/>
+              </a:schemeClr>
+            </a:gs>
+            <a:gs pos="50000">
+              <a:schemeClr val="phClr">
+                <a:lumMod val="105000"/>
+                <a:satMod val="103000"/>
+                <a:tint val="73000"/>
+              </a:schemeClr>
+            </a:gs>
+            <a:gs pos="100000">
+              <a:schemeClr val="phClr">
+                <a:lumMod val="105000"/>
+                <a:satMod val="109000"/>
+                <a:tint val="81000"/>
+              </a:schemeClr>
+            </a:gs>
+          </a:gsLst>
+          <a:lin ang="5400000" scaled="0"/>
+        </a:gradFill>
+        <a:gradFill rotWithShape="1">
+          <a:gsLst>
+            <a:gs pos="0">
+              <a:schemeClr val="phClr">
+                <a:satMod val="103000"/>
+                <a:lumMod val="102000"/>
+                <a:tint val="94000"/>
+              </a:schemeClr>
+            </a:gs>
+            <a:gs pos="50000">
+              <a:schemeClr val="phClr">
+                <a:satMod val="110000"/>
+                <a:lumMod val="100000"/>
+                <a:shade val="100000"/>
+              </a:schemeClr>
+            </a:gs>
+            <a:gs pos="100000">
+              <a:schemeClr val="phClr">
+                <a:lumMod val="99000"/>
+                <a:satMod val="120000"/>
+                <a:shade val="78000"/>
+              </a:schemeClr>
+            </a:gs>
+          </a:gsLst>
+          <a:lin ang="5400000" scaled="0"/>
+        </a:gradFill>
+      </a:fillStyleLst>
+      <a:lnStyleLst>
+        <a:ln w="6350" cap="flat" cmpd="sng" algn="ctr">
+          <a:solidFill>
+            <a:schemeClr val="phClr"/>
+          </a:solidFill>
+          <a:prstDash val="solid"/>
+          <a:miter lim="800000"/>
+        </a:ln>
+        <a:ln w="12700" cap="flat" cmpd="sng" algn="ctr">
+          <a:solidFill>
+            <a:schemeClr val="phClr"/>
+          </a:solidFill>
+          <a:prstDash val="solid"/>
+          <a:miter lim="800000"/>
+        </a:ln>
+        <a:ln w="19050" cap="flat" cmpd="sng" algn="ctr">
+          <a:solidFill>
+            <a:schemeClr val="phClr"/>
+          </a:solidFill>
+          <a:prstDash val="solid"/>
+          <a:miter lim="800000"/>
+        </a:ln>
+      </a:lnStyleLst>
+      <a:effectStyleLst>
+        <a:effectStyle>
+          <a:effectLst/>
+        </a:effectStyle>
+        <a:effectStyle>
+          <a:effectLst/>
+        </a:effectStyle>
+        <a:effectStyle>
+          <a:effectLst>
+            <a:outerShdw blurRad="57150" dist="19050" dir="5400000" algn="ctr" rotWithShape="0">
+              <a:srgbClr val="000000">
+                <a:alpha val="63000"/>
+              </a:srgbClr>
+            </a:outerShdw>
+          </a:effectLst>
+        </a:effectStyle>
+      </a:effectStyleLst>
+      <a:bgFillStyleLst>
+        <a:solidFill>
+          <a:schemeClr val="phClr"/>
+        </a:solidFill>
+        <a:solidFill>
+          <a:schemeClr val="phClr">
+            <a:tint val="95000"/>
+            <a:satMod val="170000"/>
+          </a:schemeClr>
+        </a:solidFill>
+        <a:gradFill rotWithShape="1">
+          <a:gsLst>
+            <a:gs pos="0">
+              <a:schemeClr val="phClr">
+                <a:tint val="93000"/>
+                <a:satMod val="150000"/>
+                <a:shade val="98000"/>
+                <a:lumMod val="102000"/>
+              </a:schemeClr>
+            </a:gs>
+            <a:gs pos="50000">
+              <a:schemeClr val="phClr">
+                <a:tint val="98000"/>
+                <a:satMod val="130000"/>
+                <a:shade val="90000"/>
+                <a:lumMod val="103000"/>
+              </a:schemeClr>
+            </a:gs>
+            <a:gs pos="100000">
+              <a:schemeClr val="phClr">
+                <a:shade val="63000"/>
+                <a:satMod val="120000"/>
+              </a:schemeClr>
+            </a:gs>
+          </a:gsLst>
+          <a:lin ang="5400000" scaled="0"/>
+        </a:gradFill>
+      </a:bgFillStyleLst>
+    </a:fmtScheme>
+  </a:themeElements>
+  <a:objectDefaults/>
+  <a:extraClrSchemeLst/>
+  <a:extLst>
+    <a:ext uri="{05A4C25C-085E-4340-85A3-A5531E510DB2}">
+      <thm15:themeFamily xmlns:thm15="http://schemas.microsoft.com/office/thememl/2012/main" name="Office Theme" id="{62F939B6-93AF-4DB8-9C6B-D6C7DFDC589F}" vid="{4A3C46E8-61CC-4603-A589-7422A47A8E4A}"/>
+    </a:ext>
+  </a:extLst>
 </a:theme>
 </file>